--- a/team_ppt/Find Sit Project 제안서.pptx
+++ b/team_ppt/Find Sit Project 제안서.pptx
@@ -13,7 +13,8 @@
     <p:sldId id="261" r:id="rId7"/>
     <p:sldId id="262" r:id="rId8"/>
     <p:sldId id="265" r:id="rId9"/>
-    <p:sldId id="264" r:id="rId10"/>
+    <p:sldId id="266" r:id="rId10"/>
+    <p:sldId id="264" r:id="rId11"/>
   </p:sldIdLst>
   <p:sldSz cx="12192000" cy="6858000"/>
   <p:notesSz cx="6858000" cy="9144000"/>
@@ -112,6 +113,11 @@
       </a:defRPr>
     </a:lvl9pPr>
   </p:defaultTextStyle>
+  <p:extLst>
+    <p:ext uri="{EFAFB233-063F-42B5-8137-9DF3F51BA10A}">
+      <p15:sldGuideLst xmlns:p15="http://schemas.microsoft.com/office/powerpoint/2012/main"/>
+    </p:ext>
+  </p:extLst>
 </p:presentation>
 </file>
 
@@ -1139,6 +1145,981 @@
 </p:sld>
 </file>
 
+<file path=ppt/slides/slide10.xml><?xml version="1.0" encoding="utf-8"?>
+<p:sld xmlns:a="http://schemas.openxmlformats.org/drawingml/2006/main" xmlns:r="http://schemas.openxmlformats.org/officeDocument/2006/relationships" xmlns:p="http://schemas.openxmlformats.org/presentationml/2006/main">
+  <p:cSld>
+    <p:spTree>
+      <p:nvGrpSpPr>
+        <p:cNvPr id="1" name=""/>
+        <p:cNvGrpSpPr/>
+        <p:nvPr/>
+      </p:nvGrpSpPr>
+      <p:grpSpPr>
+        <a:xfrm>
+          <a:off x="0" y="0"/>
+          <a:ext cx="0" cy="0"/>
+          <a:chOff x="0" y="0"/>
+          <a:chExt cx="0" cy="0"/>
+        </a:xfrm>
+      </p:grpSpPr>
+      <p:sp>
+        <p:nvSpPr>
+          <p:cNvPr id="2" name="텍스트 개체 틀 1">
+            <a:extLst>
+              <a:ext uri="{FF2B5EF4-FFF2-40B4-BE49-F238E27FC236}">
+                <a16:creationId xmlns:a16="http://schemas.microsoft.com/office/drawing/2014/main" id="{9364F0E8-E470-4E36-8127-7498B5584BE1}"/>
+              </a:ext>
+            </a:extLst>
+          </p:cNvPr>
+          <p:cNvSpPr>
+            <a:spLocks noGrp="1"/>
+          </p:cNvSpPr>
+          <p:nvPr>
+            <p:ph type="body" sz="quarter" idx="10"/>
+          </p:nvPr>
+        </p:nvSpPr>
+        <p:spPr/>
+        <p:txBody>
+          <a:bodyPr/>
+          <a:lstStyle/>
+          <a:p>
+            <a:r>
+              <a:rPr lang="en-US" altLang="ko-KR"/>
+              <a:t>6. </a:t>
+            </a:r>
+            <a:r>
+              <a:rPr lang="ko-KR" altLang="en-US"/>
+              <a:t>추진 계획</a:t>
+            </a:r>
+            <a:endParaRPr lang="en-US" altLang="ko-KR"/>
+          </a:p>
+          <a:p>
+            <a:endParaRPr lang="ko-KR" altLang="en-US"/>
+          </a:p>
+        </p:txBody>
+      </p:sp>
+      <p:graphicFrame>
+        <p:nvGraphicFramePr>
+          <p:cNvPr id="3" name="표 2">
+            <a:extLst>
+              <a:ext uri="{FF2B5EF4-FFF2-40B4-BE49-F238E27FC236}">
+                <a16:creationId xmlns:a16="http://schemas.microsoft.com/office/drawing/2014/main" id="{E39854D2-D990-491F-B2AF-2F7184606E2D}"/>
+              </a:ext>
+            </a:extLst>
+          </p:cNvPr>
+          <p:cNvGraphicFramePr>
+            <a:graphicFrameLocks noGrp="1"/>
+          </p:cNvGraphicFramePr>
+          <p:nvPr>
+            <p:extLst>
+              <p:ext uri="{D42A27DB-BD31-4B8C-83A1-F6EECF244321}">
+                <p14:modId xmlns:p14="http://schemas.microsoft.com/office/powerpoint/2010/main" val="2268605735"/>
+              </p:ext>
+            </p:extLst>
+          </p:nvPr>
+        </p:nvGraphicFramePr>
+        <p:xfrm>
+          <a:off x="1450975" y="928369"/>
+          <a:ext cx="9702801" cy="5415282"/>
+        </p:xfrm>
+        <a:graphic>
+          <a:graphicData uri="http://schemas.openxmlformats.org/drawingml/2006/table">
+            <a:tbl>
+              <a:tblPr firstRow="1" bandRow="1">
+                <a:tableStyleId>{00A15C55-8517-42AA-B614-E9B94910E393}</a:tableStyleId>
+              </a:tblPr>
+              <a:tblGrid>
+                <a:gridCol w="1854200">
+                  <a:extLst>
+                    <a:ext uri="{9D8B030D-6E8A-4147-A177-3AD203B41FA5}">
+                      <a16:colId xmlns:a16="http://schemas.microsoft.com/office/drawing/2014/main" val="2348869552"/>
+                    </a:ext>
+                  </a:extLst>
+                </a:gridCol>
+                <a:gridCol w="1704975">
+                  <a:extLst>
+                    <a:ext uri="{9D8B030D-6E8A-4147-A177-3AD203B41FA5}">
+                      <a16:colId xmlns:a16="http://schemas.microsoft.com/office/drawing/2014/main" val="2177851639"/>
+                    </a:ext>
+                  </a:extLst>
+                </a:gridCol>
+                <a:gridCol w="1238250">
+                  <a:extLst>
+                    <a:ext uri="{9D8B030D-6E8A-4147-A177-3AD203B41FA5}">
+                      <a16:colId xmlns:a16="http://schemas.microsoft.com/office/drawing/2014/main" val="2270742758"/>
+                    </a:ext>
+                  </a:extLst>
+                </a:gridCol>
+                <a:gridCol w="4905376">
+                  <a:extLst>
+                    <a:ext uri="{9D8B030D-6E8A-4147-A177-3AD203B41FA5}">
+                      <a16:colId xmlns:a16="http://schemas.microsoft.com/office/drawing/2014/main" val="2458685877"/>
+                    </a:ext>
+                  </a:extLst>
+                </a:gridCol>
+              </a:tblGrid>
+              <a:tr h="549826">
+                <a:tc>
+                  <a:txBody>
+                    <a:bodyPr/>
+                    <a:lstStyle/>
+                    <a:p>
+                      <a:pPr algn="ctr" latinLnBrk="1">
+                        <a:lnSpc>
+                          <a:spcPct val="100000"/>
+                        </a:lnSpc>
+                      </a:pPr>
+                      <a:r>
+                        <a:rPr lang="ko-KR" altLang="en-US" b="0">
+                          <a:solidFill>
+                            <a:schemeClr val="tx1"/>
+                          </a:solidFill>
+                        </a:rPr>
+                        <a:t>날짜</a:t>
+                      </a:r>
+                    </a:p>
+                  </a:txBody>
+                  <a:tcPr anchor="ctr"/>
+                </a:tc>
+                <a:tc gridSpan="3">
+                  <a:txBody>
+                    <a:bodyPr/>
+                    <a:lstStyle/>
+                    <a:p>
+                      <a:pPr algn="ctr" latinLnBrk="1">
+                        <a:lnSpc>
+                          <a:spcPct val="100000"/>
+                        </a:lnSpc>
+                      </a:pPr>
+                      <a:r>
+                        <a:rPr lang="ko-KR" altLang="en-US" b="0">
+                          <a:solidFill>
+                            <a:schemeClr val="tx1"/>
+                          </a:solidFill>
+                        </a:rPr>
+                        <a:t>계획</a:t>
+                      </a:r>
+                    </a:p>
+                  </a:txBody>
+                  <a:tcPr anchor="ctr"/>
+                </a:tc>
+                <a:tc hMerge="1">
+                  <a:txBody>
+                    <a:bodyPr/>
+                    <a:lstStyle/>
+                    <a:p>
+                      <a:pPr latinLnBrk="1"/>
+                      <a:endParaRPr lang="ko-KR" altLang="en-US"/>
+                    </a:p>
+                  </a:txBody>
+                  <a:tcPr/>
+                </a:tc>
+                <a:tc hMerge="1">
+                  <a:txBody>
+                    <a:bodyPr/>
+                    <a:lstStyle/>
+                    <a:p>
+                      <a:pPr latinLnBrk="1"/>
+                      <a:endParaRPr lang="ko-KR" altLang="en-US"/>
+                    </a:p>
+                  </a:txBody>
+                  <a:tcPr/>
+                </a:tc>
+                <a:extLst>
+                  <a:ext uri="{0D108BD9-81ED-4DB2-BD59-A6C34878D82A}">
+                    <a16:rowId xmlns:a16="http://schemas.microsoft.com/office/drawing/2014/main" val="532090104"/>
+                  </a:ext>
+                </a:extLst>
+              </a:tr>
+              <a:tr h="549826">
+                <a:tc>
+                  <a:txBody>
+                    <a:bodyPr/>
+                    <a:lstStyle/>
+                    <a:p>
+                      <a:pPr algn="ctr" latinLnBrk="1">
+                        <a:lnSpc>
+                          <a:spcPct val="100000"/>
+                        </a:lnSpc>
+                      </a:pPr>
+                      <a:r>
+                        <a:rPr lang="en-US" altLang="ko-KR" b="0"/>
+                        <a:t>~ 11.04</a:t>
+                      </a:r>
+                      <a:endParaRPr lang="ko-KR" altLang="en-US" b="0"/>
+                    </a:p>
+                  </a:txBody>
+                  <a:tcPr anchor="ctr"/>
+                </a:tc>
+                <a:tc gridSpan="3">
+                  <a:txBody>
+                    <a:bodyPr/>
+                    <a:lstStyle/>
+                    <a:p>
+                      <a:pPr algn="ctr" latinLnBrk="1">
+                        <a:lnSpc>
+                          <a:spcPct val="100000"/>
+                        </a:lnSpc>
+                      </a:pPr>
+                      <a:r>
+                        <a:rPr lang="ko-KR" altLang="en-US" b="0"/>
+                        <a:t>필요한 물품 구매 및 프로젝트 아이디어 구현 설계</a:t>
+                      </a:r>
+                      <a:r>
+                        <a:rPr lang="en-US" altLang="ko-KR" b="0"/>
+                        <a:t>, </a:t>
+                      </a:r>
+                      <a:r>
+                        <a:rPr lang="ko-KR" altLang="en-US" b="0"/>
+                        <a:t>팀 내 업무 분배</a:t>
+                      </a:r>
+                    </a:p>
+                  </a:txBody>
+                  <a:tcPr anchor="ctr"/>
+                </a:tc>
+                <a:tc hMerge="1">
+                  <a:txBody>
+                    <a:bodyPr/>
+                    <a:lstStyle/>
+                    <a:p>
+                      <a:pPr latinLnBrk="1"/>
+                      <a:endParaRPr lang="ko-KR" altLang="en-US"/>
+                    </a:p>
+                  </a:txBody>
+                  <a:tcPr/>
+                </a:tc>
+                <a:tc hMerge="1">
+                  <a:txBody>
+                    <a:bodyPr/>
+                    <a:lstStyle/>
+                    <a:p>
+                      <a:pPr latinLnBrk="1"/>
+                      <a:endParaRPr lang="ko-KR" altLang="en-US"/>
+                    </a:p>
+                  </a:txBody>
+                  <a:tcPr/>
+                </a:tc>
+                <a:extLst>
+                  <a:ext uri="{0D108BD9-81ED-4DB2-BD59-A6C34878D82A}">
+                    <a16:rowId xmlns:a16="http://schemas.microsoft.com/office/drawing/2014/main" val="2777180632"/>
+                  </a:ext>
+                </a:extLst>
+              </a:tr>
+              <a:tr h="549826">
+                <a:tc rowSpan="3">
+                  <a:txBody>
+                    <a:bodyPr/>
+                    <a:lstStyle/>
+                    <a:p>
+                      <a:pPr algn="ctr" latinLnBrk="1">
+                        <a:lnSpc>
+                          <a:spcPct val="100000"/>
+                        </a:lnSpc>
+                      </a:pPr>
+                      <a:r>
+                        <a:rPr lang="en-US" altLang="ko-KR" b="0"/>
+                        <a:t>~11.11</a:t>
+                      </a:r>
+                      <a:endParaRPr lang="ko-KR" altLang="en-US" b="0"/>
+                    </a:p>
+                  </a:txBody>
+                  <a:tcPr anchor="ctr"/>
+                </a:tc>
+                <a:tc>
+                  <a:txBody>
+                    <a:bodyPr/>
+                    <a:lstStyle/>
+                    <a:p>
+                      <a:pPr algn="ctr" latinLnBrk="1">
+                        <a:lnSpc>
+                          <a:spcPct val="100000"/>
+                        </a:lnSpc>
+                      </a:pPr>
+                      <a:r>
+                        <a:rPr lang="ko-KR" altLang="en-US" b="0"/>
+                        <a:t>하드웨어</a:t>
+                      </a:r>
+                    </a:p>
+                  </a:txBody>
+                  <a:tcPr anchor="ctr"/>
+                </a:tc>
+                <a:tc gridSpan="2">
+                  <a:txBody>
+                    <a:bodyPr/>
+                    <a:lstStyle/>
+                    <a:p>
+                      <a:pPr algn="ctr" latinLnBrk="1">
+                        <a:lnSpc>
+                          <a:spcPct val="100000"/>
+                        </a:lnSpc>
+                      </a:pPr>
+                      <a:r>
+                        <a:rPr lang="en-US" altLang="ko-KR" b="0"/>
+                        <a:t>LED Matrix</a:t>
+                      </a:r>
+                      <a:r>
+                        <a:rPr lang="ko-KR" altLang="en-US" b="0"/>
+                        <a:t>로</a:t>
+                      </a:r>
+                      <a:r>
+                        <a:rPr lang="en-US" altLang="ko-KR" b="0"/>
+                        <a:t> </a:t>
+                      </a:r>
+                      <a:r>
+                        <a:rPr lang="ko-KR" altLang="en-US" b="0"/>
+                        <a:t>세탁기 환경 구현</a:t>
+                      </a:r>
+                    </a:p>
+                  </a:txBody>
+                  <a:tcPr anchor="ctr"/>
+                </a:tc>
+                <a:tc hMerge="1">
+                  <a:txBody>
+                    <a:bodyPr/>
+                    <a:lstStyle/>
+                    <a:p>
+                      <a:pPr latinLnBrk="1"/>
+                      <a:endParaRPr lang="ko-KR" altLang="en-US"/>
+                    </a:p>
+                  </a:txBody>
+                  <a:tcPr/>
+                </a:tc>
+                <a:extLst>
+                  <a:ext uri="{0D108BD9-81ED-4DB2-BD59-A6C34878D82A}">
+                    <a16:rowId xmlns:a16="http://schemas.microsoft.com/office/drawing/2014/main" val="500496688"/>
+                  </a:ext>
+                </a:extLst>
+              </a:tr>
+              <a:tr h="481098">
+                <a:tc vMerge="1">
+                  <a:txBody>
+                    <a:bodyPr/>
+                    <a:lstStyle/>
+                    <a:p>
+                      <a:pPr latinLnBrk="1"/>
+                      <a:endParaRPr lang="ko-KR" altLang="en-US"/>
+                    </a:p>
+                  </a:txBody>
+                  <a:tcPr/>
+                </a:tc>
+                <a:tc rowSpan="2">
+                  <a:txBody>
+                    <a:bodyPr/>
+                    <a:lstStyle/>
+                    <a:p>
+                      <a:pPr algn="ctr" latinLnBrk="1">
+                        <a:lnSpc>
+                          <a:spcPct val="100000"/>
+                        </a:lnSpc>
+                      </a:pPr>
+                      <a:r>
+                        <a:rPr lang="ko-KR" altLang="en-US" b="0"/>
+                        <a:t>소프트웨어</a:t>
+                      </a:r>
+                    </a:p>
+                  </a:txBody>
+                  <a:tcPr anchor="ctr"/>
+                </a:tc>
+                <a:tc>
+                  <a:txBody>
+                    <a:bodyPr/>
+                    <a:lstStyle/>
+                    <a:p>
+                      <a:pPr algn="ctr" latinLnBrk="1">
+                        <a:lnSpc>
+                          <a:spcPct val="100000"/>
+                        </a:lnSpc>
+                      </a:pPr>
+                      <a:r>
+                        <a:rPr lang="ko-KR" altLang="en-US" b="0"/>
+                        <a:t>파이썬</a:t>
+                      </a:r>
+                      <a:endParaRPr lang="en-US" altLang="ko-KR" b="0"/>
+                    </a:p>
+                  </a:txBody>
+                  <a:tcPr anchor="ctr"/>
+                </a:tc>
+                <a:tc>
+                  <a:txBody>
+                    <a:bodyPr/>
+                    <a:lstStyle/>
+                    <a:p>
+                      <a:pPr marL="0" marR="0" lvl="0" indent="0" algn="ctr" defTabSz="914400" rtl="0" eaLnBrk="1" fontAlgn="auto" latinLnBrk="1" hangingPunct="1">
+                        <a:lnSpc>
+                          <a:spcPct val="100000"/>
+                        </a:lnSpc>
+                        <a:spcBef>
+                          <a:spcPts val="0"/>
+                        </a:spcBef>
+                        <a:spcAft>
+                          <a:spcPts val="0"/>
+                        </a:spcAft>
+                        <a:buClrTx/>
+                        <a:buSzTx/>
+                        <a:buFontTx/>
+                        <a:buNone/>
+                        <a:tabLst/>
+                        <a:defRPr/>
+                      </a:pPr>
+                      <a:r>
+                        <a:rPr lang="ko-KR" altLang="en-US" b="0"/>
+                        <a:t>세탁기 환경 관련 파이썬 프로그램 작성</a:t>
+                      </a:r>
+                      <a:endParaRPr lang="en-US" altLang="ko-KR" b="0"/>
+                    </a:p>
+                  </a:txBody>
+                  <a:tcPr anchor="ctr"/>
+                </a:tc>
+                <a:extLst>
+                  <a:ext uri="{0D108BD9-81ED-4DB2-BD59-A6C34878D82A}">
+                    <a16:rowId xmlns:a16="http://schemas.microsoft.com/office/drawing/2014/main" val="3898383767"/>
+                  </a:ext>
+                </a:extLst>
+              </a:tr>
+              <a:tr h="481098">
+                <a:tc vMerge="1">
+                  <a:txBody>
+                    <a:bodyPr/>
+                    <a:lstStyle/>
+                    <a:p>
+                      <a:pPr latinLnBrk="1"/>
+                      <a:endParaRPr lang="ko-KR" altLang="en-US"/>
+                    </a:p>
+                  </a:txBody>
+                  <a:tcPr/>
+                </a:tc>
+                <a:tc vMerge="1">
+                  <a:txBody>
+                    <a:bodyPr/>
+                    <a:lstStyle/>
+                    <a:p>
+                      <a:pPr latinLnBrk="1"/>
+                      <a:endParaRPr lang="ko-KR" altLang="en-US"/>
+                    </a:p>
+                  </a:txBody>
+                  <a:tcPr/>
+                </a:tc>
+                <a:tc>
+                  <a:txBody>
+                    <a:bodyPr/>
+                    <a:lstStyle/>
+                    <a:p>
+                      <a:pPr algn="ctr" latinLnBrk="1">
+                        <a:lnSpc>
+                          <a:spcPct val="100000"/>
+                        </a:lnSpc>
+                      </a:pPr>
+                      <a:r>
+                        <a:rPr lang="en-US" altLang="ko-KR" b="0"/>
+                        <a:t>DB</a:t>
+                      </a:r>
+                      <a:endParaRPr lang="ko-KR" altLang="en-US" b="0"/>
+                    </a:p>
+                  </a:txBody>
+                  <a:tcPr anchor="ctr"/>
+                </a:tc>
+                <a:tc>
+                  <a:txBody>
+                    <a:bodyPr/>
+                    <a:lstStyle/>
+                    <a:p>
+                      <a:pPr marL="0" marR="0" lvl="0" indent="0" algn="ctr" defTabSz="914400" rtl="0" eaLnBrk="1" fontAlgn="auto" latinLnBrk="1" hangingPunct="1">
+                        <a:lnSpc>
+                          <a:spcPct val="100000"/>
+                        </a:lnSpc>
+                        <a:spcBef>
+                          <a:spcPts val="0"/>
+                        </a:spcBef>
+                        <a:spcAft>
+                          <a:spcPts val="0"/>
+                        </a:spcAft>
+                        <a:buClrTx/>
+                        <a:buSzTx/>
+                        <a:buFontTx/>
+                        <a:buNone/>
+                        <a:tabLst/>
+                        <a:defRPr/>
+                      </a:pPr>
+                      <a:r>
+                        <a:rPr lang="ko-KR" altLang="en-US" b="0"/>
+                        <a:t>데이터 베이스 환경 구축 및 테이블 스키마 설계</a:t>
+                      </a:r>
+                    </a:p>
+                  </a:txBody>
+                  <a:tcPr anchor="ctr"/>
+                </a:tc>
+                <a:extLst>
+                  <a:ext uri="{0D108BD9-81ED-4DB2-BD59-A6C34878D82A}">
+                    <a16:rowId xmlns:a16="http://schemas.microsoft.com/office/drawing/2014/main" val="783504412"/>
+                  </a:ext>
+                </a:extLst>
+              </a:tr>
+              <a:tr h="549826">
+                <a:tc rowSpan="3">
+                  <a:txBody>
+                    <a:bodyPr/>
+                    <a:lstStyle/>
+                    <a:p>
+                      <a:pPr algn="ctr" latinLnBrk="1">
+                        <a:lnSpc>
+                          <a:spcPct val="100000"/>
+                        </a:lnSpc>
+                      </a:pPr>
+                      <a:r>
+                        <a:rPr lang="en-US" altLang="ko-KR" b="0"/>
+                        <a:t>~ 11.17</a:t>
+                      </a:r>
+                      <a:endParaRPr lang="ko-KR" altLang="en-US" b="0"/>
+                    </a:p>
+                  </a:txBody>
+                  <a:tcPr anchor="ctr"/>
+                </a:tc>
+                <a:tc>
+                  <a:txBody>
+                    <a:bodyPr/>
+                    <a:lstStyle/>
+                    <a:p>
+                      <a:pPr algn="ctr" latinLnBrk="1">
+                        <a:lnSpc>
+                          <a:spcPct val="100000"/>
+                        </a:lnSpc>
+                      </a:pPr>
+                      <a:r>
+                        <a:rPr lang="ko-KR" altLang="en-US" b="0"/>
+                        <a:t>하드웨어</a:t>
+                      </a:r>
+                    </a:p>
+                  </a:txBody>
+                  <a:tcPr anchor="ctr"/>
+                </a:tc>
+                <a:tc gridSpan="2">
+                  <a:txBody>
+                    <a:bodyPr/>
+                    <a:lstStyle/>
+                    <a:p>
+                      <a:pPr algn="ctr" latinLnBrk="1">
+                        <a:lnSpc>
+                          <a:spcPct val="100000"/>
+                        </a:lnSpc>
+                      </a:pPr>
+                      <a:r>
+                        <a:rPr lang="ko-KR" altLang="en-US" b="0"/>
+                        <a:t>카메라 모듈 구현 및 </a:t>
+                      </a:r>
+                      <a:r>
+                        <a:rPr lang="en-US" altLang="ko-KR" b="0"/>
+                        <a:t>RFID</a:t>
+                      </a:r>
+                      <a:r>
+                        <a:rPr lang="ko-KR" altLang="en-US" b="0"/>
+                        <a:t>를 이용해 초기 모델 구현</a:t>
+                      </a:r>
+                    </a:p>
+                  </a:txBody>
+                  <a:tcPr anchor="ctr"/>
+                </a:tc>
+                <a:tc hMerge="1">
+                  <a:txBody>
+                    <a:bodyPr/>
+                    <a:lstStyle/>
+                    <a:p>
+                      <a:pPr latinLnBrk="1"/>
+                      <a:endParaRPr lang="ko-KR" altLang="en-US"/>
+                    </a:p>
+                  </a:txBody>
+                  <a:tcPr/>
+                </a:tc>
+                <a:extLst>
+                  <a:ext uri="{0D108BD9-81ED-4DB2-BD59-A6C34878D82A}">
+                    <a16:rowId xmlns:a16="http://schemas.microsoft.com/office/drawing/2014/main" val="4188735358"/>
+                  </a:ext>
+                </a:extLst>
+              </a:tr>
+              <a:tr h="673032">
+                <a:tc vMerge="1">
+                  <a:txBody>
+                    <a:bodyPr/>
+                    <a:lstStyle/>
+                    <a:p>
+                      <a:pPr algn="ctr" latinLnBrk="1">
+                        <a:lnSpc>
+                          <a:spcPct val="100000"/>
+                        </a:lnSpc>
+                      </a:pPr>
+                      <a:endParaRPr lang="ko-KR" altLang="en-US" b="0"/>
+                    </a:p>
+                  </a:txBody>
+                  <a:tcPr anchor="ctr"/>
+                </a:tc>
+                <a:tc rowSpan="2">
+                  <a:txBody>
+                    <a:bodyPr/>
+                    <a:lstStyle/>
+                    <a:p>
+                      <a:pPr algn="ctr" latinLnBrk="1">
+                        <a:lnSpc>
+                          <a:spcPct val="100000"/>
+                        </a:lnSpc>
+                      </a:pPr>
+                      <a:r>
+                        <a:rPr lang="ko-KR" altLang="en-US" b="0"/>
+                        <a:t>소프트웨어</a:t>
+                      </a:r>
+                    </a:p>
+                  </a:txBody>
+                  <a:tcPr anchor="ctr"/>
+                </a:tc>
+                <a:tc>
+                  <a:txBody>
+                    <a:bodyPr/>
+                    <a:lstStyle/>
+                    <a:p>
+                      <a:pPr algn="ctr" latinLnBrk="1">
+                        <a:lnSpc>
+                          <a:spcPct val="100000"/>
+                        </a:lnSpc>
+                      </a:pPr>
+                      <a:r>
+                        <a:rPr lang="ko-KR" altLang="en-US" b="0"/>
+                        <a:t>파이썬</a:t>
+                      </a:r>
+                      <a:endParaRPr lang="en-US" altLang="ko-KR" b="0"/>
+                    </a:p>
+                  </a:txBody>
+                  <a:tcPr anchor="ctr"/>
+                </a:tc>
+                <a:tc>
+                  <a:txBody>
+                    <a:bodyPr/>
+                    <a:lstStyle/>
+                    <a:p>
+                      <a:pPr marL="0" marR="0" lvl="0" indent="0" algn="ctr" defTabSz="914400" rtl="0" eaLnBrk="1" fontAlgn="auto" latinLnBrk="1" hangingPunct="1">
+                        <a:lnSpc>
+                          <a:spcPct val="100000"/>
+                        </a:lnSpc>
+                        <a:spcBef>
+                          <a:spcPts val="0"/>
+                        </a:spcBef>
+                        <a:spcAft>
+                          <a:spcPts val="0"/>
+                        </a:spcAft>
+                        <a:buClrTx/>
+                        <a:buSzTx/>
+                        <a:buFontTx/>
+                        <a:buNone/>
+                        <a:tabLst/>
+                        <a:defRPr/>
+                      </a:pPr>
+                      <a:r>
+                        <a:rPr lang="ko-KR" altLang="en-US" b="0"/>
+                        <a:t>파이썬 </a:t>
+                      </a:r>
+                      <a:r>
+                        <a:rPr lang="en-US" altLang="ko-KR" b="0"/>
+                        <a:t>OCR </a:t>
+                      </a:r>
+                      <a:r>
+                        <a:rPr lang="ko-KR" altLang="en-US" b="0"/>
+                        <a:t>라이브러리 수행 및 </a:t>
+                      </a:r>
+                      <a:endParaRPr lang="en-US" altLang="ko-KR" b="0"/>
+                    </a:p>
+                    <a:p>
+                      <a:pPr marL="0" marR="0" lvl="0" indent="0" algn="ctr" defTabSz="914400" rtl="0" eaLnBrk="1" fontAlgn="auto" latinLnBrk="1" hangingPunct="1">
+                        <a:lnSpc>
+                          <a:spcPct val="100000"/>
+                        </a:lnSpc>
+                        <a:spcBef>
+                          <a:spcPts val="0"/>
+                        </a:spcBef>
+                        <a:spcAft>
+                          <a:spcPts val="0"/>
+                        </a:spcAft>
+                        <a:buClrTx/>
+                        <a:buSzTx/>
+                        <a:buFontTx/>
+                        <a:buNone/>
+                        <a:tabLst/>
+                        <a:defRPr/>
+                      </a:pPr>
+                      <a:r>
+                        <a:rPr lang="en-US" altLang="ko-KR" b="0"/>
+                        <a:t>RFID</a:t>
+                      </a:r>
+                      <a:r>
+                        <a:rPr lang="ko-KR" altLang="en-US" b="0"/>
+                        <a:t>를 통한 서버 통신 구현</a:t>
+                      </a:r>
+                      <a:endParaRPr lang="en-US" altLang="ko-KR" b="0"/>
+                    </a:p>
+                  </a:txBody>
+                  <a:tcPr anchor="ctr"/>
+                </a:tc>
+                <a:extLst>
+                  <a:ext uri="{0D108BD9-81ED-4DB2-BD59-A6C34878D82A}">
+                    <a16:rowId xmlns:a16="http://schemas.microsoft.com/office/drawing/2014/main" val="1031471812"/>
+                  </a:ext>
+                </a:extLst>
+              </a:tr>
+              <a:tr h="481098">
+                <a:tc vMerge="1">
+                  <a:txBody>
+                    <a:bodyPr/>
+                    <a:lstStyle/>
+                    <a:p>
+                      <a:pPr latinLnBrk="1"/>
+                      <a:endParaRPr lang="ko-KR" altLang="en-US"/>
+                    </a:p>
+                  </a:txBody>
+                  <a:tcPr/>
+                </a:tc>
+                <a:tc vMerge="1">
+                  <a:txBody>
+                    <a:bodyPr/>
+                    <a:lstStyle/>
+                    <a:p>
+                      <a:pPr latinLnBrk="1"/>
+                      <a:endParaRPr lang="ko-KR" altLang="en-US"/>
+                    </a:p>
+                  </a:txBody>
+                  <a:tcPr/>
+                </a:tc>
+                <a:tc>
+                  <a:txBody>
+                    <a:bodyPr/>
+                    <a:lstStyle/>
+                    <a:p>
+                      <a:pPr algn="ctr" latinLnBrk="1">
+                        <a:lnSpc>
+                          <a:spcPct val="100000"/>
+                        </a:lnSpc>
+                      </a:pPr>
+                      <a:r>
+                        <a:rPr lang="en-US" altLang="ko-KR" b="0"/>
+                        <a:t>DB</a:t>
+                      </a:r>
+                      <a:endParaRPr lang="ko-KR" altLang="en-US" b="0"/>
+                    </a:p>
+                  </a:txBody>
+                  <a:tcPr anchor="ctr"/>
+                </a:tc>
+                <a:tc>
+                  <a:txBody>
+                    <a:bodyPr/>
+                    <a:lstStyle/>
+                    <a:p>
+                      <a:pPr marL="0" marR="0" lvl="0" indent="0" algn="ctr" defTabSz="914400" rtl="0" eaLnBrk="1" fontAlgn="auto" latinLnBrk="1" hangingPunct="1">
+                        <a:lnSpc>
+                          <a:spcPct val="100000"/>
+                        </a:lnSpc>
+                        <a:spcBef>
+                          <a:spcPts val="0"/>
+                        </a:spcBef>
+                        <a:spcAft>
+                          <a:spcPts val="0"/>
+                        </a:spcAft>
+                        <a:buClrTx/>
+                        <a:buSzTx/>
+                        <a:buFontTx/>
+                        <a:buNone/>
+                        <a:tabLst/>
+                        <a:defRPr/>
+                      </a:pPr>
+                      <a:r>
+                        <a:rPr lang="ko-KR" altLang="en-US" b="0"/>
+                        <a:t>쿼리 개발 및 테이블 수정 및 보완</a:t>
+                      </a:r>
+                    </a:p>
+                  </a:txBody>
+                  <a:tcPr anchor="ctr"/>
+                </a:tc>
+                <a:extLst>
+                  <a:ext uri="{0D108BD9-81ED-4DB2-BD59-A6C34878D82A}">
+                    <a16:rowId xmlns:a16="http://schemas.microsoft.com/office/drawing/2014/main" val="596760364"/>
+                  </a:ext>
+                </a:extLst>
+              </a:tr>
+              <a:tr h="549826">
+                <a:tc>
+                  <a:txBody>
+                    <a:bodyPr/>
+                    <a:lstStyle/>
+                    <a:p>
+                      <a:pPr algn="ctr" latinLnBrk="1">
+                        <a:lnSpc>
+                          <a:spcPct val="100000"/>
+                        </a:lnSpc>
+                      </a:pPr>
+                      <a:r>
+                        <a:rPr lang="en-US" altLang="ko-KR" b="0"/>
+                        <a:t>~ 11.24</a:t>
+                      </a:r>
+                      <a:endParaRPr lang="ko-KR" altLang="en-US" b="0"/>
+                    </a:p>
+                  </a:txBody>
+                  <a:tcPr anchor="ctr"/>
+                </a:tc>
+                <a:tc gridSpan="3">
+                  <a:txBody>
+                    <a:bodyPr/>
+                    <a:lstStyle/>
+                    <a:p>
+                      <a:pPr algn="ctr" latinLnBrk="1">
+                        <a:lnSpc>
+                          <a:spcPct val="100000"/>
+                        </a:lnSpc>
+                      </a:pPr>
+                      <a:r>
+                        <a:rPr lang="ko-KR" altLang="en-US" b="0"/>
+                        <a:t>하드웨어 및 소프트웨어 개발 내용 병합</a:t>
+                      </a:r>
+                      <a:r>
+                        <a:rPr lang="en-US" altLang="ko-KR" b="0"/>
+                        <a:t>, </a:t>
+                      </a:r>
+                      <a:r>
+                        <a:rPr lang="ko-KR" altLang="en-US" b="0"/>
+                        <a:t>시각적인 표현을 통해 개발 </a:t>
+                      </a:r>
+                      <a:r>
+                        <a:rPr lang="en-US" altLang="ko-KR" b="0"/>
+                        <a:t>1</a:t>
+                      </a:r>
+                      <a:r>
+                        <a:rPr lang="ko-KR" altLang="en-US" b="0"/>
+                        <a:t>차 완료</a:t>
+                      </a:r>
+                    </a:p>
+                  </a:txBody>
+                  <a:tcPr anchor="ctr"/>
+                </a:tc>
+                <a:tc hMerge="1">
+                  <a:txBody>
+                    <a:bodyPr/>
+                    <a:lstStyle/>
+                    <a:p>
+                      <a:pPr latinLnBrk="1"/>
+                      <a:endParaRPr lang="ko-KR" altLang="en-US"/>
+                    </a:p>
+                  </a:txBody>
+                  <a:tcPr/>
+                </a:tc>
+                <a:tc hMerge="1">
+                  <a:txBody>
+                    <a:bodyPr/>
+                    <a:lstStyle/>
+                    <a:p>
+                      <a:pPr latinLnBrk="1"/>
+                      <a:endParaRPr lang="ko-KR" altLang="en-US"/>
+                    </a:p>
+                  </a:txBody>
+                  <a:tcPr/>
+                </a:tc>
+                <a:extLst>
+                  <a:ext uri="{0D108BD9-81ED-4DB2-BD59-A6C34878D82A}">
+                    <a16:rowId xmlns:a16="http://schemas.microsoft.com/office/drawing/2014/main" val="794379983"/>
+                  </a:ext>
+                </a:extLst>
+              </a:tr>
+              <a:tr h="549826">
+                <a:tc>
+                  <a:txBody>
+                    <a:bodyPr/>
+                    <a:lstStyle/>
+                    <a:p>
+                      <a:pPr algn="ctr" latinLnBrk="1">
+                        <a:lnSpc>
+                          <a:spcPct val="100000"/>
+                        </a:lnSpc>
+                      </a:pPr>
+                      <a:r>
+                        <a:rPr lang="en-US" altLang="ko-KR" b="0"/>
+                        <a:t>11.25 ~</a:t>
+                      </a:r>
+                      <a:endParaRPr lang="ko-KR" altLang="en-US" b="0"/>
+                    </a:p>
+                  </a:txBody>
+                  <a:tcPr anchor="ctr"/>
+                </a:tc>
+                <a:tc gridSpan="3">
+                  <a:txBody>
+                    <a:bodyPr/>
+                    <a:lstStyle/>
+                    <a:p>
+                      <a:pPr algn="ctr" latinLnBrk="1">
+                        <a:lnSpc>
+                          <a:spcPct val="100000"/>
+                        </a:lnSpc>
+                      </a:pPr>
+                      <a:r>
+                        <a:rPr lang="ko-KR" altLang="en-US" b="0"/>
+                        <a:t>버그 패치</a:t>
+                      </a:r>
+                      <a:r>
+                        <a:rPr lang="en-US" altLang="ko-KR" b="0"/>
+                        <a:t>, </a:t>
+                      </a:r>
+                      <a:r>
+                        <a:rPr lang="ko-KR" altLang="en-US" b="0"/>
+                        <a:t>발전 가능한 기능 검토</a:t>
+                      </a:r>
+                      <a:r>
+                        <a:rPr lang="en-US" altLang="ko-KR" b="0"/>
+                        <a:t> </a:t>
+                      </a:r>
+                      <a:r>
+                        <a:rPr lang="ko-KR" altLang="en-US" b="0"/>
+                        <a:t>후 적용</a:t>
+                      </a:r>
+                    </a:p>
+                  </a:txBody>
+                  <a:tcPr anchor="ctr"/>
+                </a:tc>
+                <a:tc hMerge="1">
+                  <a:txBody>
+                    <a:bodyPr/>
+                    <a:lstStyle/>
+                    <a:p>
+                      <a:pPr latinLnBrk="1"/>
+                      <a:endParaRPr lang="ko-KR" altLang="en-US"/>
+                    </a:p>
+                  </a:txBody>
+                  <a:tcPr/>
+                </a:tc>
+                <a:tc hMerge="1">
+                  <a:txBody>
+                    <a:bodyPr/>
+                    <a:lstStyle/>
+                    <a:p>
+                      <a:pPr latinLnBrk="1"/>
+                      <a:endParaRPr lang="ko-KR" altLang="en-US"/>
+                    </a:p>
+                  </a:txBody>
+                  <a:tcPr/>
+                </a:tc>
+                <a:extLst>
+                  <a:ext uri="{0D108BD9-81ED-4DB2-BD59-A6C34878D82A}">
+                    <a16:rowId xmlns:a16="http://schemas.microsoft.com/office/drawing/2014/main" val="3883937043"/>
+                  </a:ext>
+                </a:extLst>
+              </a:tr>
+            </a:tbl>
+          </a:graphicData>
+        </a:graphic>
+      </p:graphicFrame>
+    </p:spTree>
+    <p:extLst>
+      <p:ext uri="{BB962C8B-B14F-4D97-AF65-F5344CB8AC3E}">
+        <p14:creationId xmlns:p14="http://schemas.microsoft.com/office/powerpoint/2010/main" val="3039292384"/>
+      </p:ext>
+    </p:extLst>
+  </p:cSld>
+  <p:clrMapOvr>
+    <a:masterClrMapping/>
+  </p:clrMapOvr>
+</p:sld>
+</file>
+
 <file path=ppt/slides/slide2.xml><?xml version="1.0" encoding="utf-8"?>
 <p:sld xmlns:a="http://schemas.openxmlformats.org/drawingml/2006/main" xmlns:r="http://schemas.openxmlformats.org/officeDocument/2006/relationships" xmlns:p="http://schemas.openxmlformats.org/presentationml/2006/main">
   <p:cSld>
@@ -1239,7 +2220,7 @@
             </a:r>
             <a:r>
               <a:rPr lang="ko-KR" altLang="en-US" sz="2800"/>
-              <a:t>프로젝트 상세 설명</a:t>
+              <a:t>프로젝트 목표</a:t>
             </a:r>
             <a:endParaRPr lang="en-US" altLang="ko-KR" sz="2800"/>
           </a:p>
@@ -1355,12 +2336,110 @@
           <a:chExt cx="0" cy="0"/>
         </a:xfrm>
       </p:grpSpPr>
+      <p:sp>
+        <p:nvSpPr>
+          <p:cNvPr id="50" name="직사각형 49">
+            <a:extLst>
+              <a:ext uri="{FF2B5EF4-FFF2-40B4-BE49-F238E27FC236}">
+                <a16:creationId xmlns:a16="http://schemas.microsoft.com/office/drawing/2014/main" id="{F450BD57-AC8E-4CD0-A7A0-1028E7A7EAE7}"/>
+              </a:ext>
+            </a:extLst>
+          </p:cNvPr>
+          <p:cNvSpPr/>
+          <p:nvPr/>
+        </p:nvSpPr>
+        <p:spPr>
+          <a:xfrm>
+            <a:off x="7772400" y="3728096"/>
+            <a:ext cx="3657600" cy="2793884"/>
+          </a:xfrm>
+          <a:prstGeom prst="rect">
+            <a:avLst/>
+          </a:prstGeom>
+          <a:solidFill>
+            <a:schemeClr val="bg1"/>
+          </a:solidFill>
+          <a:ln w="38100">
+            <a:solidFill>
+              <a:schemeClr val="bg1">
+                <a:lumMod val="95000"/>
+              </a:schemeClr>
+            </a:solidFill>
+          </a:ln>
+          <a:effectLst/>
+        </p:spPr>
+        <p:style>
+          <a:lnRef idx="2">
+            <a:schemeClr val="accent1">
+              <a:shade val="50000"/>
+            </a:schemeClr>
+          </a:lnRef>
+          <a:fillRef idx="1">
+            <a:schemeClr val="accent1"/>
+          </a:fillRef>
+          <a:effectRef idx="0">
+            <a:schemeClr val="accent1"/>
+          </a:effectRef>
+          <a:fontRef idx="minor">
+            <a:schemeClr val="lt1"/>
+          </a:fontRef>
+        </p:style>
+        <p:txBody>
+          <a:bodyPr rot="0" spcFirstLastPara="0" vertOverflow="overflow" horzOverflow="overflow" vert="horz" wrap="square" lIns="91440" tIns="45720" rIns="91440" bIns="45720" numCol="1" spcCol="0" rtlCol="0" fromWordArt="0" anchor="ctr" anchorCtr="0" forceAA="0" compatLnSpc="1">
+            <a:prstTxWarp prst="textNoShape">
+              <a:avLst/>
+            </a:prstTxWarp>
+            <a:noAutofit/>
+          </a:bodyPr>
+          <a:lstStyle/>
+          <a:p>
+            <a:pPr algn="ctr"/>
+            <a:endParaRPr lang="ko-KR" altLang="en-US"/>
+          </a:p>
+        </p:txBody>
+      </p:sp>
+      <p:sp>
+        <p:nvSpPr>
+          <p:cNvPr id="2" name="텍스트 개체 틀 1">
+            <a:extLst>
+              <a:ext uri="{FF2B5EF4-FFF2-40B4-BE49-F238E27FC236}">
+                <a16:creationId xmlns:a16="http://schemas.microsoft.com/office/drawing/2014/main" id="{1DEF2819-472C-41D0-BE82-A0B36C741F0F}"/>
+              </a:ext>
+            </a:extLst>
+          </p:cNvPr>
+          <p:cNvSpPr>
+            <a:spLocks noGrp="1"/>
+          </p:cNvSpPr>
+          <p:nvPr>
+            <p:ph type="body" sz="quarter" idx="10"/>
+          </p:nvPr>
+        </p:nvSpPr>
+        <p:spPr/>
+        <p:txBody>
+          <a:bodyPr/>
+          <a:lstStyle/>
+          <a:p>
+            <a:r>
+              <a:rPr lang="en-US" altLang="ko-KR"/>
+              <a:t>1. </a:t>
+            </a:r>
+            <a:r>
+              <a:rPr lang="ko-KR" altLang="en-US"/>
+              <a:t>프로젝트 개요</a:t>
+            </a:r>
+            <a:endParaRPr lang="en-US" altLang="ko-KR"/>
+          </a:p>
+          <a:p>
+            <a:endParaRPr lang="ko-KR" altLang="en-US"/>
+          </a:p>
+        </p:txBody>
+      </p:sp>
       <p:pic>
         <p:nvPicPr>
-          <p:cNvPr id="2050" name="Picture 2" descr="https://ssudorm.ssu.ac.kr:444/images/SShostel/templates/B0001/introduce/wash_s.jpg">
+          <p:cNvPr id="4" name="Picture 2" descr="https://ssudorm.ssu.ac.kr:444/images/SShostel/templates/B0001/introduce/wash_s.jpg">
             <a:extLst>
               <a:ext uri="{FF2B5EF4-FFF2-40B4-BE49-F238E27FC236}">
-                <a16:creationId xmlns:a16="http://schemas.microsoft.com/office/drawing/2014/main" id="{6F939FCA-895D-43B7-B51E-4A36CF7B54F2}"/>
+                <a16:creationId xmlns:a16="http://schemas.microsoft.com/office/drawing/2014/main" id="{5E9B90F1-C6B9-4E5F-855C-E8486C38F0B5}"/>
               </a:ext>
             </a:extLst>
           </p:cNvPr>
@@ -1384,8 +2463,8 @@
         </p:blipFill>
         <p:spPr bwMode="auto">
           <a:xfrm>
-            <a:off x="6561667" y="1254760"/>
-            <a:ext cx="4868334" cy="1825625"/>
+            <a:off x="7980489" y="3869897"/>
+            <a:ext cx="3264407" cy="1224153"/>
           </a:xfrm>
           <a:prstGeom prst="rect">
             <a:avLst/>
@@ -1404,36 +2483,1066 @@
       </p:pic>
       <p:sp>
         <p:nvSpPr>
-          <p:cNvPr id="2" name="텍스트 개체 틀 1">
+          <p:cNvPr id="5" name="텍스트 개체 틀 1">
             <a:extLst>
               <a:ext uri="{FF2B5EF4-FFF2-40B4-BE49-F238E27FC236}">
-                <a16:creationId xmlns:a16="http://schemas.microsoft.com/office/drawing/2014/main" id="{1DEF2819-472C-41D0-BE82-A0B36C741F0F}"/>
+                <a16:creationId xmlns:a16="http://schemas.microsoft.com/office/drawing/2014/main" id="{8E705812-5A85-4189-A8C0-D4CFD693910C}"/>
+              </a:ext>
+            </a:extLst>
+          </p:cNvPr>
+          <p:cNvSpPr txBox="1">
+            <a:spLocks/>
+          </p:cNvSpPr>
+          <p:nvPr/>
+        </p:nvSpPr>
+        <p:spPr>
+          <a:xfrm>
+            <a:off x="8958580" y="333375"/>
+            <a:ext cx="2790824" cy="396874"/>
+          </a:xfrm>
+          <a:prstGeom prst="rect">
+            <a:avLst/>
+          </a:prstGeom>
+        </p:spPr>
+        <p:txBody>
+          <a:bodyPr/>
+          <a:lstStyle>
+            <a:lvl1pPr marL="0" indent="0" algn="l" defTabSz="914400" rtl="0" eaLnBrk="1" latinLnBrk="1" hangingPunct="1">
+              <a:lnSpc>
+                <a:spcPct val="90000"/>
+              </a:lnSpc>
+              <a:spcBef>
+                <a:spcPts val="1000"/>
+              </a:spcBef>
+              <a:buFont typeface="Arial" panose="020B0604020202020204" pitchFamily="34" charset="0"/>
+              <a:buNone/>
+              <a:defRPr sz="1800" kern="1200">
+                <a:solidFill>
+                  <a:schemeClr val="tx1"/>
+                </a:solidFill>
+                <a:latin typeface="+mn-lt"/>
+                <a:ea typeface="+mn-ea"/>
+                <a:cs typeface="+mn-cs"/>
+              </a:defRPr>
+            </a:lvl1pPr>
+            <a:lvl2pPr marL="685800" indent="-228600" algn="l" defTabSz="914400" rtl="0" eaLnBrk="1" latinLnBrk="1" hangingPunct="1">
+              <a:lnSpc>
+                <a:spcPct val="90000"/>
+              </a:lnSpc>
+              <a:spcBef>
+                <a:spcPts val="500"/>
+              </a:spcBef>
+              <a:buFont typeface="Arial" panose="020B0604020202020204" pitchFamily="34" charset="0"/>
+              <a:buChar char="•"/>
+              <a:defRPr sz="2400" kern="1200">
+                <a:solidFill>
+                  <a:schemeClr val="tx1"/>
+                </a:solidFill>
+                <a:latin typeface="+mn-lt"/>
+                <a:ea typeface="+mn-ea"/>
+                <a:cs typeface="+mn-cs"/>
+              </a:defRPr>
+            </a:lvl2pPr>
+            <a:lvl3pPr marL="1143000" indent="-228600" algn="l" defTabSz="914400" rtl="0" eaLnBrk="1" latinLnBrk="1" hangingPunct="1">
+              <a:lnSpc>
+                <a:spcPct val="90000"/>
+              </a:lnSpc>
+              <a:spcBef>
+                <a:spcPts val="500"/>
+              </a:spcBef>
+              <a:buFont typeface="Arial" panose="020B0604020202020204" pitchFamily="34" charset="0"/>
+              <a:buChar char="•"/>
+              <a:defRPr sz="2000" kern="1200">
+                <a:solidFill>
+                  <a:schemeClr val="tx1"/>
+                </a:solidFill>
+                <a:latin typeface="+mn-lt"/>
+                <a:ea typeface="+mn-ea"/>
+                <a:cs typeface="+mn-cs"/>
+              </a:defRPr>
+            </a:lvl3pPr>
+            <a:lvl4pPr marL="1600200" indent="-228600" algn="l" defTabSz="914400" rtl="0" eaLnBrk="1" latinLnBrk="1" hangingPunct="1">
+              <a:lnSpc>
+                <a:spcPct val="90000"/>
+              </a:lnSpc>
+              <a:spcBef>
+                <a:spcPts val="500"/>
+              </a:spcBef>
+              <a:buFont typeface="Arial" panose="020B0604020202020204" pitchFamily="34" charset="0"/>
+              <a:buChar char="•"/>
+              <a:defRPr sz="1800" kern="1200">
+                <a:solidFill>
+                  <a:schemeClr val="tx1"/>
+                </a:solidFill>
+                <a:latin typeface="+mn-lt"/>
+                <a:ea typeface="+mn-ea"/>
+                <a:cs typeface="+mn-cs"/>
+              </a:defRPr>
+            </a:lvl4pPr>
+            <a:lvl5pPr marL="2057400" indent="-228600" algn="l" defTabSz="914400" rtl="0" eaLnBrk="1" latinLnBrk="1" hangingPunct="1">
+              <a:lnSpc>
+                <a:spcPct val="90000"/>
+              </a:lnSpc>
+              <a:spcBef>
+                <a:spcPts val="500"/>
+              </a:spcBef>
+              <a:buFont typeface="Arial" panose="020B0604020202020204" pitchFamily="34" charset="0"/>
+              <a:buChar char="•"/>
+              <a:defRPr sz="1800" kern="1200">
+                <a:solidFill>
+                  <a:schemeClr val="tx1"/>
+                </a:solidFill>
+                <a:latin typeface="+mn-lt"/>
+                <a:ea typeface="+mn-ea"/>
+                <a:cs typeface="+mn-cs"/>
+              </a:defRPr>
+            </a:lvl5pPr>
+            <a:lvl6pPr marL="2514600" indent="-228600" algn="l" defTabSz="914400" rtl="0" eaLnBrk="1" latinLnBrk="1" hangingPunct="1">
+              <a:lnSpc>
+                <a:spcPct val="90000"/>
+              </a:lnSpc>
+              <a:spcBef>
+                <a:spcPts val="500"/>
+              </a:spcBef>
+              <a:buFont typeface="Arial" panose="020B0604020202020204" pitchFamily="34" charset="0"/>
+              <a:buChar char="•"/>
+              <a:defRPr sz="1800" kern="1200">
+                <a:solidFill>
+                  <a:schemeClr val="tx1"/>
+                </a:solidFill>
+                <a:latin typeface="+mn-lt"/>
+                <a:ea typeface="+mn-ea"/>
+                <a:cs typeface="+mn-cs"/>
+              </a:defRPr>
+            </a:lvl6pPr>
+            <a:lvl7pPr marL="2971800" indent="-228600" algn="l" defTabSz="914400" rtl="0" eaLnBrk="1" latinLnBrk="1" hangingPunct="1">
+              <a:lnSpc>
+                <a:spcPct val="90000"/>
+              </a:lnSpc>
+              <a:spcBef>
+                <a:spcPts val="500"/>
+              </a:spcBef>
+              <a:buFont typeface="Arial" panose="020B0604020202020204" pitchFamily="34" charset="0"/>
+              <a:buChar char="•"/>
+              <a:defRPr sz="1800" kern="1200">
+                <a:solidFill>
+                  <a:schemeClr val="tx1"/>
+                </a:solidFill>
+                <a:latin typeface="+mn-lt"/>
+                <a:ea typeface="+mn-ea"/>
+                <a:cs typeface="+mn-cs"/>
+              </a:defRPr>
+            </a:lvl7pPr>
+            <a:lvl8pPr marL="3429000" indent="-228600" algn="l" defTabSz="914400" rtl="0" eaLnBrk="1" latinLnBrk="1" hangingPunct="1">
+              <a:lnSpc>
+                <a:spcPct val="90000"/>
+              </a:lnSpc>
+              <a:spcBef>
+                <a:spcPts val="500"/>
+              </a:spcBef>
+              <a:buFont typeface="Arial" panose="020B0604020202020204" pitchFamily="34" charset="0"/>
+              <a:buChar char="•"/>
+              <a:defRPr sz="1800" kern="1200">
+                <a:solidFill>
+                  <a:schemeClr val="tx1"/>
+                </a:solidFill>
+                <a:latin typeface="+mn-lt"/>
+                <a:ea typeface="+mn-ea"/>
+                <a:cs typeface="+mn-cs"/>
+              </a:defRPr>
+            </a:lvl8pPr>
+            <a:lvl9pPr marL="3886200" indent="-228600" algn="l" defTabSz="914400" rtl="0" eaLnBrk="1" latinLnBrk="1" hangingPunct="1">
+              <a:lnSpc>
+                <a:spcPct val="90000"/>
+              </a:lnSpc>
+              <a:spcBef>
+                <a:spcPts val="500"/>
+              </a:spcBef>
+              <a:buFont typeface="Arial" panose="020B0604020202020204" pitchFamily="34" charset="0"/>
+              <a:buChar char="•"/>
+              <a:defRPr sz="1800" kern="1200">
+                <a:solidFill>
+                  <a:schemeClr val="tx1"/>
+                </a:solidFill>
+                <a:latin typeface="+mn-lt"/>
+                <a:ea typeface="+mn-ea"/>
+                <a:cs typeface="+mn-cs"/>
+              </a:defRPr>
+            </a:lvl9pPr>
+          </a:lstStyle>
+          <a:p>
+            <a:r>
+              <a:rPr lang="en-US" altLang="ko-KR"/>
+              <a:t>1. </a:t>
+            </a:r>
+            <a:r>
+              <a:rPr lang="ko-KR" altLang="en-US"/>
+              <a:t>프로젝트 개요</a:t>
+            </a:r>
+            <a:endParaRPr lang="en-US" altLang="ko-KR"/>
+          </a:p>
+          <a:p>
+            <a:endParaRPr lang="ko-KR" altLang="en-US"/>
+          </a:p>
+        </p:txBody>
+      </p:sp>
+      <p:sp>
+        <p:nvSpPr>
+          <p:cNvPr id="6" name="내용 개체 틀 2">
+            <a:extLst>
+              <a:ext uri="{FF2B5EF4-FFF2-40B4-BE49-F238E27FC236}">
+                <a16:creationId xmlns:a16="http://schemas.microsoft.com/office/drawing/2014/main" id="{CA39FE93-8E8A-478D-BCE7-B7BDC8110383}"/>
               </a:ext>
             </a:extLst>
           </p:cNvPr>
           <p:cNvSpPr>
             <a:spLocks noGrp="1"/>
           </p:cNvSpPr>
-          <p:nvPr>
-            <p:ph type="body" sz="quarter" idx="10"/>
-          </p:nvPr>
+          <p:nvPr/>
         </p:nvSpPr>
-        <p:spPr/>
+        <p:spPr>
+          <a:xfrm>
+            <a:off x="717672" y="2269778"/>
+            <a:ext cx="4162425" cy="3672459"/>
+          </a:xfrm>
+        </p:spPr>
         <p:txBody>
-          <a:bodyPr/>
+          <a:bodyPr vert="horz" wrap="square" lIns="91440" tIns="45720" rIns="91440" bIns="45720" anchor="t">
+            <a:noAutofit/>
+          </a:bodyPr>
+          <a:lstStyle>
+            <a:lvl1pPr marL="0" indent="0" algn="l" defTabSz="232257" rtl="0">
+              <a:lnSpc>
+                <a:spcPct val="150000"/>
+              </a:lnSpc>
+              <a:spcBef>
+                <a:spcPct val="5000"/>
+              </a:spcBef>
+              <a:spcAft>
+                <a:spcPct val="12000"/>
+              </a:spcAft>
+              <a:buClr>
+                <a:srgbClr val="000000"/>
+              </a:buClr>
+              <a:buSzPct val="100000"/>
+              <a:buFont typeface="Arial"/>
+              <a:buNone/>
+              <a:defRPr kumimoji="0" sz="1500" b="0" i="0" u="none" strike="noStrike" kern="1200" cap="none" spc="0" normalizeH="0" baseline="0">
+                <a:solidFill>
+                  <a:srgbClr val="808080"/>
+                </a:solidFill>
+                <a:latin typeface="+mn-lt"/>
+                <a:ea typeface="+mn-ea"/>
+                <a:cs typeface="+mn-cs"/>
+              </a:defRPr>
+            </a:lvl1pPr>
+          </a:lstStyle>
+          <a:p>
+            <a:pPr latinLnBrk="0">
+              <a:spcBef>
+                <a:spcPts val="576"/>
+              </a:spcBef>
+              <a:spcAft>
+                <a:spcPct val="2000"/>
+              </a:spcAft>
+              <a:defRPr lang="ko-KR" altLang="en-US"/>
+            </a:pPr>
+            <a:endParaRPr lang="en-US" altLang="ko-KR">
+              <a:solidFill>
+                <a:schemeClr val="bg1">
+                  <a:lumMod val="30000"/>
+                </a:schemeClr>
+              </a:solidFill>
+            </a:endParaRPr>
+          </a:p>
+        </p:txBody>
+      </p:sp>
+      <p:sp>
+        <p:nvSpPr>
+          <p:cNvPr id="40" name="사각형: 둥근 모서리 39">
+            <a:extLst>
+              <a:ext uri="{FF2B5EF4-FFF2-40B4-BE49-F238E27FC236}">
+                <a16:creationId xmlns:a16="http://schemas.microsoft.com/office/drawing/2014/main" id="{FC59138B-C3F6-4AC0-ABDF-DC41D64A258F}"/>
+              </a:ext>
+            </a:extLst>
+          </p:cNvPr>
+          <p:cNvSpPr/>
+          <p:nvPr/>
+        </p:nvSpPr>
+        <p:spPr>
+          <a:xfrm>
+            <a:off x="1029355" y="806865"/>
+            <a:ext cx="5961995" cy="5588905"/>
+          </a:xfrm>
+          <a:prstGeom prst="roundRect">
+            <a:avLst>
+              <a:gd name="adj" fmla="val 0"/>
+            </a:avLst>
+          </a:prstGeom>
+          <a:solidFill>
+            <a:schemeClr val="bg1">
+              <a:alpha val="95000"/>
+            </a:schemeClr>
+          </a:solidFill>
+          <a:ln w="38100">
+            <a:solidFill>
+              <a:schemeClr val="bg1">
+                <a:lumMod val="95000"/>
+              </a:schemeClr>
+            </a:solidFill>
+          </a:ln>
+          <a:effectLst>
+            <a:glow rad="63500">
+              <a:schemeClr val="accent3">
+                <a:satMod val="175000"/>
+                <a:alpha val="5000"/>
+              </a:schemeClr>
+            </a:glow>
+          </a:effectLst>
+        </p:spPr>
+        <p:style>
+          <a:lnRef idx="2">
+            <a:schemeClr val="accent1">
+              <a:shade val="50000"/>
+            </a:schemeClr>
+          </a:lnRef>
+          <a:fillRef idx="1">
+            <a:schemeClr val="accent1"/>
+          </a:fillRef>
+          <a:effectRef idx="0">
+            <a:schemeClr val="accent1"/>
+          </a:effectRef>
+          <a:fontRef idx="minor">
+            <a:schemeClr val="lt1"/>
+          </a:fontRef>
+        </p:style>
+        <p:txBody>
+          <a:bodyPr rot="0" spcFirstLastPara="0" vertOverflow="overflow" horzOverflow="overflow" vert="horz" wrap="square" lIns="360000" tIns="360000" rIns="360000" bIns="360000" numCol="1" spcCol="0" rtlCol="0" fromWordArt="0" anchor="ctr" anchorCtr="0" forceAA="0" compatLnSpc="1">
+            <a:prstTxWarp prst="textNoShape">
+              <a:avLst/>
+            </a:prstTxWarp>
+            <a:noAutofit/>
+          </a:bodyPr>
           <a:lstStyle/>
           <a:p>
-            <a:r>
-              <a:rPr lang="en-US" altLang="ko-KR"/>
-              <a:t>1. </a:t>
-            </a:r>
-            <a:r>
-              <a:rPr lang="ko-KR" altLang="en-US"/>
-              <a:t>프로젝트 개요</a:t>
-            </a:r>
-            <a:endParaRPr lang="en-US" altLang="ko-KR"/>
+            <a:pPr latinLnBrk="0">
+              <a:lnSpc>
+                <a:spcPct val="130000"/>
+              </a:lnSpc>
+              <a:spcBef>
+                <a:spcPts val="576"/>
+              </a:spcBef>
+              <a:spcAft>
+                <a:spcPct val="2000"/>
+              </a:spcAft>
+              <a:defRPr lang="ko-KR" altLang="en-US"/>
+            </a:pPr>
+            <a:r>
+              <a:rPr lang="ko-KR" altLang="en-US">
+                <a:solidFill>
+                  <a:schemeClr val="tx1"/>
+                </a:solidFill>
+              </a:rPr>
+              <a:t>◎ 숭실대학교 기숙사에는 남성 </a:t>
+            </a:r>
+            <a:r>
+              <a:rPr lang="en-US" altLang="ko-KR">
+                <a:solidFill>
+                  <a:schemeClr val="tx1"/>
+                </a:solidFill>
+              </a:rPr>
+              <a:t>788</a:t>
+            </a:r>
+            <a:r>
+              <a:rPr lang="ko-KR" altLang="en-US">
+                <a:solidFill>
+                  <a:schemeClr val="tx1"/>
+                </a:solidFill>
+              </a:rPr>
+              <a:t>명</a:t>
+            </a:r>
+            <a:r>
+              <a:rPr lang="en-US" altLang="ko-KR">
+                <a:solidFill>
+                  <a:schemeClr val="tx1"/>
+                </a:solidFill>
+              </a:rPr>
+              <a:t>,</a:t>
+            </a:r>
+            <a:r>
+              <a:rPr lang="ko-KR" altLang="en-US">
+                <a:solidFill>
+                  <a:schemeClr val="tx1"/>
+                </a:solidFill>
+              </a:rPr>
+              <a:t> 여성 </a:t>
+            </a:r>
+            <a:r>
+              <a:rPr lang="en-US" altLang="ko-KR">
+                <a:solidFill>
+                  <a:schemeClr val="tx1"/>
+                </a:solidFill>
+              </a:rPr>
+              <a:t>615</a:t>
+            </a:r>
+            <a:r>
+              <a:rPr lang="ko-KR" altLang="en-US">
+                <a:solidFill>
+                  <a:schemeClr val="tx1"/>
+                </a:solidFill>
+              </a:rPr>
+              <a:t>명</a:t>
+            </a:r>
+            <a:r>
+              <a:rPr lang="en-US" altLang="ko-KR">
+                <a:solidFill>
+                  <a:schemeClr val="tx1"/>
+                </a:solidFill>
+              </a:rPr>
+              <a:t>, </a:t>
+            </a:r>
+            <a:r>
+              <a:rPr lang="ko-KR" altLang="en-US">
+                <a:solidFill>
+                  <a:schemeClr val="tx1"/>
+                </a:solidFill>
+              </a:rPr>
+              <a:t>총 </a:t>
+            </a:r>
+            <a:r>
+              <a:rPr lang="en-US" altLang="ko-KR">
+                <a:solidFill>
+                  <a:schemeClr val="tx1"/>
+                </a:solidFill>
+              </a:rPr>
+              <a:t>1403</a:t>
+            </a:r>
+            <a:r>
+              <a:rPr lang="ko-KR" altLang="en-US">
+                <a:solidFill>
+                  <a:schemeClr val="tx1"/>
+                </a:solidFill>
+              </a:rPr>
+              <a:t>명이라는 많은 인원이 거주하고 있습니다</a:t>
+            </a:r>
+            <a:r>
+              <a:rPr lang="en-US" altLang="ko-KR">
+                <a:solidFill>
+                  <a:schemeClr val="tx1"/>
+                </a:solidFill>
+              </a:rPr>
+              <a:t>.</a:t>
+            </a:r>
           </a:p>
           <a:p>
+            <a:pPr latinLnBrk="0">
+              <a:lnSpc>
+                <a:spcPct val="130000"/>
+              </a:lnSpc>
+              <a:spcBef>
+                <a:spcPts val="576"/>
+              </a:spcBef>
+              <a:spcAft>
+                <a:spcPct val="2000"/>
+              </a:spcAft>
+              <a:defRPr lang="ko-KR" altLang="en-US"/>
+            </a:pPr>
+            <a:r>
+              <a:rPr lang="ko-KR" altLang="en-US">
+                <a:solidFill>
+                  <a:schemeClr val="tx1"/>
+                </a:solidFill>
+              </a:rPr>
+              <a:t>◎ 이런 기숙사에서 빨래를 할 수 있는 방법은 각 본관 </a:t>
+            </a:r>
+            <a:r>
+              <a:rPr lang="en-US" altLang="ko-KR">
+                <a:solidFill>
+                  <a:schemeClr val="tx1"/>
+                </a:solidFill>
+              </a:rPr>
+              <a:t>1</a:t>
+            </a:r>
+            <a:r>
+              <a:rPr lang="ko-KR" altLang="en-US">
+                <a:solidFill>
+                  <a:schemeClr val="tx1"/>
+                </a:solidFill>
+              </a:rPr>
+              <a:t>층에 있는 세탁실을 이용하는 것인데 그 안에는 세탁기가 </a:t>
+            </a:r>
+            <a:r>
+              <a:rPr lang="en-US" altLang="ko-KR">
+                <a:solidFill>
+                  <a:schemeClr val="tx1"/>
+                </a:solidFill>
+              </a:rPr>
+              <a:t>10</a:t>
+            </a:r>
+            <a:r>
+              <a:rPr lang="ko-KR" altLang="en-US">
+                <a:solidFill>
+                  <a:schemeClr val="tx1"/>
+                </a:solidFill>
+              </a:rPr>
+              <a:t>대 정도밖에 없습니다</a:t>
+            </a:r>
+            <a:r>
+              <a:rPr lang="en-US" altLang="ko-KR">
+                <a:solidFill>
+                  <a:schemeClr val="tx1"/>
+                </a:solidFill>
+              </a:rPr>
+              <a:t>.</a:t>
+            </a:r>
+            <a:r>
+              <a:rPr lang="ko-KR" altLang="en-US">
+                <a:solidFill>
+                  <a:schemeClr val="tx1"/>
+                </a:solidFill>
+              </a:rPr>
+              <a:t> </a:t>
+            </a:r>
+            <a:endParaRPr lang="en-US" altLang="ko-KR">
+              <a:solidFill>
+                <a:schemeClr val="tx1"/>
+              </a:solidFill>
+            </a:endParaRPr>
+          </a:p>
+          <a:p>
+            <a:pPr latinLnBrk="0">
+              <a:lnSpc>
+                <a:spcPct val="130000"/>
+              </a:lnSpc>
+              <a:spcBef>
+                <a:spcPts val="576"/>
+              </a:spcBef>
+              <a:spcAft>
+                <a:spcPct val="2000"/>
+              </a:spcAft>
+              <a:defRPr lang="ko-KR" altLang="en-US"/>
+            </a:pPr>
+            <a:r>
+              <a:rPr lang="ko-KR" altLang="en-US">
+                <a:solidFill>
+                  <a:schemeClr val="tx1"/>
+                </a:solidFill>
+              </a:rPr>
+              <a:t>◎ 그러다 보니 빨래를 하러 내려가도 자리가 없어 다시 올라오는 학생들이 많습니다</a:t>
+            </a:r>
+            <a:r>
+              <a:rPr lang="en-US" altLang="ko-KR">
+                <a:solidFill>
+                  <a:schemeClr val="tx1"/>
+                </a:solidFill>
+              </a:rPr>
+              <a:t>.</a:t>
+            </a:r>
+          </a:p>
+          <a:p>
+            <a:pPr latinLnBrk="0">
+              <a:lnSpc>
+                <a:spcPct val="130000"/>
+              </a:lnSpc>
+              <a:spcBef>
+                <a:spcPts val="576"/>
+              </a:spcBef>
+              <a:spcAft>
+                <a:spcPct val="2000"/>
+              </a:spcAft>
+              <a:defRPr lang="ko-KR" altLang="en-US"/>
+            </a:pPr>
+            <a:r>
+              <a:rPr lang="ko-KR" altLang="en-US">
+                <a:solidFill>
+                  <a:schemeClr val="tx1"/>
+                </a:solidFill>
+              </a:rPr>
+              <a:t>◎ 그래서 실시간으로 사용중이지 않은 세탁기를 알려주는 프로그램이 있다면 학생들의 불편함을 덜어줄 수 있을 것이라 생각해서 본 프로젝트를 고안하였습니다</a:t>
+            </a:r>
+            <a:r>
+              <a:rPr lang="en-US" altLang="ko-KR">
+                <a:solidFill>
+                  <a:schemeClr val="tx1"/>
+                </a:solidFill>
+              </a:rPr>
+              <a:t>.</a:t>
+            </a:r>
+          </a:p>
+        </p:txBody>
+      </p:sp>
+      <p:grpSp>
+        <p:nvGrpSpPr>
+          <p:cNvPr id="47" name="그룹 46">
+            <a:extLst>
+              <a:ext uri="{FF2B5EF4-FFF2-40B4-BE49-F238E27FC236}">
+                <a16:creationId xmlns:a16="http://schemas.microsoft.com/office/drawing/2014/main" id="{B7CF5A84-AAF4-4DEC-8020-7DA0B541FA26}"/>
+              </a:ext>
+            </a:extLst>
+          </p:cNvPr>
+          <p:cNvGrpSpPr/>
+          <p:nvPr/>
+        </p:nvGrpSpPr>
+        <p:grpSpPr>
+          <a:xfrm>
+            <a:off x="7811196" y="908552"/>
+            <a:ext cx="3367024" cy="1416368"/>
+            <a:chOff x="7811197" y="1227679"/>
+            <a:chExt cx="3367024" cy="1416368"/>
+          </a:xfrm>
+        </p:grpSpPr>
+        <p:sp>
+          <p:nvSpPr>
+            <p:cNvPr id="48" name="타원 47">
+              <a:extLst>
+                <a:ext uri="{FF2B5EF4-FFF2-40B4-BE49-F238E27FC236}">
+                  <a16:creationId xmlns:a16="http://schemas.microsoft.com/office/drawing/2014/main" id="{64FE7DB7-C539-4AC6-BA5F-1569543D7357}"/>
+                </a:ext>
+              </a:extLst>
+            </p:cNvPr>
+            <p:cNvSpPr/>
+            <p:nvPr/>
+          </p:nvSpPr>
+          <p:spPr>
+            <a:xfrm>
+              <a:off x="9761853" y="1227679"/>
+              <a:ext cx="1416368" cy="1416368"/>
+            </a:xfrm>
+            <a:prstGeom prst="ellipse">
+              <a:avLst/>
+            </a:prstGeom>
+            <a:solidFill>
+              <a:schemeClr val="bg1"/>
+            </a:solidFill>
+            <a:ln w="38100">
+              <a:solidFill>
+                <a:schemeClr val="bg1">
+                  <a:lumMod val="95000"/>
+                </a:schemeClr>
+              </a:solidFill>
+            </a:ln>
+            <a:effectLst/>
+          </p:spPr>
+          <p:style>
+            <a:lnRef idx="2">
+              <a:schemeClr val="accent1">
+                <a:shade val="50000"/>
+              </a:schemeClr>
+            </a:lnRef>
+            <a:fillRef idx="1">
+              <a:schemeClr val="accent1"/>
+            </a:fillRef>
+            <a:effectRef idx="0">
+              <a:schemeClr val="accent1"/>
+            </a:effectRef>
+            <a:fontRef idx="minor">
+              <a:schemeClr val="lt1"/>
+            </a:fontRef>
+          </p:style>
+          <p:txBody>
+            <a:bodyPr rot="0" spcFirstLastPara="0" vertOverflow="overflow" horzOverflow="overflow" vert="horz" wrap="square" lIns="91440" tIns="45720" rIns="91440" bIns="45720" numCol="1" spcCol="0" rtlCol="0" fromWordArt="0" anchor="ctr" anchorCtr="0" forceAA="0" compatLnSpc="1">
+              <a:prstTxWarp prst="textNoShape">
+                <a:avLst/>
+              </a:prstTxWarp>
+              <a:noAutofit/>
+            </a:bodyPr>
+            <a:lstStyle/>
+            <a:p>
+              <a:pPr algn="ctr"/>
+              <a:endParaRPr lang="ko-KR" altLang="en-US"/>
+            </a:p>
+          </p:txBody>
+        </p:sp>
+        <p:sp>
+          <p:nvSpPr>
+            <p:cNvPr id="46" name="타원 45">
+              <a:extLst>
+                <a:ext uri="{FF2B5EF4-FFF2-40B4-BE49-F238E27FC236}">
+                  <a16:creationId xmlns:a16="http://schemas.microsoft.com/office/drawing/2014/main" id="{38119A48-3764-480E-AE26-4BF32D8EB6F0}"/>
+                </a:ext>
+              </a:extLst>
+            </p:cNvPr>
+            <p:cNvSpPr/>
+            <p:nvPr/>
+          </p:nvSpPr>
+          <p:spPr>
+            <a:xfrm>
+              <a:off x="7811197" y="1227679"/>
+              <a:ext cx="1416368" cy="1416368"/>
+            </a:xfrm>
+            <a:prstGeom prst="ellipse">
+              <a:avLst/>
+            </a:prstGeom>
+            <a:solidFill>
+              <a:schemeClr val="bg1"/>
+            </a:solidFill>
+            <a:ln w="38100">
+              <a:solidFill>
+                <a:schemeClr val="bg1">
+                  <a:lumMod val="95000"/>
+                </a:schemeClr>
+              </a:solidFill>
+            </a:ln>
+            <a:effectLst/>
+          </p:spPr>
+          <p:style>
+            <a:lnRef idx="2">
+              <a:schemeClr val="accent1">
+                <a:shade val="50000"/>
+              </a:schemeClr>
+            </a:lnRef>
+            <a:fillRef idx="1">
+              <a:schemeClr val="accent1"/>
+            </a:fillRef>
+            <a:effectRef idx="0">
+              <a:schemeClr val="accent1"/>
+            </a:effectRef>
+            <a:fontRef idx="minor">
+              <a:schemeClr val="lt1"/>
+            </a:fontRef>
+          </p:style>
+          <p:txBody>
+            <a:bodyPr rot="0" spcFirstLastPara="0" vertOverflow="overflow" horzOverflow="overflow" vert="horz" wrap="square" lIns="91440" tIns="45720" rIns="91440" bIns="45720" numCol="1" spcCol="0" rtlCol="0" fromWordArt="0" anchor="ctr" anchorCtr="0" forceAA="0" compatLnSpc="1">
+              <a:prstTxWarp prst="textNoShape">
+                <a:avLst/>
+              </a:prstTxWarp>
+              <a:noAutofit/>
+            </a:bodyPr>
+            <a:lstStyle/>
+            <a:p>
+              <a:pPr algn="ctr"/>
+              <a:endParaRPr lang="ko-KR" altLang="en-US"/>
+            </a:p>
+          </p:txBody>
+        </p:sp>
+        <p:pic>
+          <p:nvPicPr>
+            <p:cNvPr id="43" name="그래픽 42" descr="여성 프로필">
+              <a:extLst>
+                <a:ext uri="{FF2B5EF4-FFF2-40B4-BE49-F238E27FC236}">
+                  <a16:creationId xmlns:a16="http://schemas.microsoft.com/office/drawing/2014/main" id="{A659DBFA-8905-4325-B0AB-F205DDD4CE0A}"/>
+                </a:ext>
+              </a:extLst>
+            </p:cNvPr>
+            <p:cNvPicPr>
+              <a:picLocks noChangeAspect="1"/>
+            </p:cNvPicPr>
+            <p:nvPr/>
+          </p:nvPicPr>
+          <p:blipFill>
+            <a:blip r:embed="rId3">
+              <a:extLst>
+                <a:ext uri="{28A0092B-C50C-407E-A947-70E740481C1C}">
+                  <a14:useLocalDpi xmlns:a14="http://schemas.microsoft.com/office/drawing/2010/main" val="0"/>
+                </a:ext>
+                <a:ext uri="{96DAC541-7B7A-43D3-8B79-37D633B846F1}">
+                  <asvg:svgBlip xmlns:asvg="http://schemas.microsoft.com/office/drawing/2016/SVG/main" r:embed="rId4"/>
+                </a:ext>
+              </a:extLst>
+            </a:blip>
+            <a:stretch>
+              <a:fillRect/>
+            </a:stretch>
+          </p:blipFill>
+          <p:spPr>
+            <a:xfrm>
+              <a:off x="10012837" y="1479156"/>
+              <a:ext cx="914400" cy="914400"/>
+            </a:xfrm>
+            <a:prstGeom prst="rect">
+              <a:avLst/>
+            </a:prstGeom>
+          </p:spPr>
+        </p:pic>
+        <p:pic>
+          <p:nvPicPr>
+            <p:cNvPr id="45" name="그래픽 44" descr="숫 프로필">
+              <a:extLst>
+                <a:ext uri="{FF2B5EF4-FFF2-40B4-BE49-F238E27FC236}">
+                  <a16:creationId xmlns:a16="http://schemas.microsoft.com/office/drawing/2014/main" id="{5C60DDAA-E91F-42D6-ACA5-E6A2CE2F4285}"/>
+                </a:ext>
+              </a:extLst>
+            </p:cNvPr>
+            <p:cNvPicPr>
+              <a:picLocks noChangeAspect="1"/>
+            </p:cNvPicPr>
+            <p:nvPr/>
+          </p:nvPicPr>
+          <p:blipFill>
+            <a:blip r:embed="rId5">
+              <a:extLst>
+                <a:ext uri="{28A0092B-C50C-407E-A947-70E740481C1C}">
+                  <a14:useLocalDpi xmlns:a14="http://schemas.microsoft.com/office/drawing/2010/main" val="0"/>
+                </a:ext>
+                <a:ext uri="{96DAC541-7B7A-43D3-8B79-37D633B846F1}">
+                  <asvg:svgBlip xmlns:asvg="http://schemas.microsoft.com/office/drawing/2016/SVG/main" r:embed="rId6"/>
+                </a:ext>
+              </a:extLst>
+            </a:blip>
+            <a:stretch>
+              <a:fillRect/>
+            </a:stretch>
+          </p:blipFill>
+          <p:spPr>
+            <a:xfrm>
+              <a:off x="8063230" y="1478949"/>
+              <a:ext cx="914400" cy="914400"/>
+            </a:xfrm>
+            <a:prstGeom prst="rect">
+              <a:avLst/>
+            </a:prstGeom>
+          </p:spPr>
+        </p:pic>
+      </p:grpSp>
+      <p:sp>
+        <p:nvSpPr>
+          <p:cNvPr id="49" name="TextBox 48">
+            <a:extLst>
+              <a:ext uri="{FF2B5EF4-FFF2-40B4-BE49-F238E27FC236}">
+                <a16:creationId xmlns:a16="http://schemas.microsoft.com/office/drawing/2014/main" id="{C65280BD-ACFE-4013-8063-52E2DB9EDCAC}"/>
+              </a:ext>
+            </a:extLst>
+          </p:cNvPr>
+          <p:cNvSpPr txBox="1"/>
+          <p:nvPr/>
+        </p:nvSpPr>
+        <p:spPr>
+          <a:xfrm>
+            <a:off x="7876415" y="2450705"/>
+            <a:ext cx="1285929" cy="369332"/>
+          </a:xfrm>
+          <a:prstGeom prst="rect">
+            <a:avLst/>
+          </a:prstGeom>
+          <a:noFill/>
+        </p:spPr>
+        <p:txBody>
+          <a:bodyPr wrap="none" rtlCol="0">
+            <a:spAutoFit/>
+          </a:bodyPr>
+          <a:lstStyle/>
+          <a:p>
+            <a:r>
+              <a:rPr lang="ko-KR" altLang="en-US"/>
+              <a:t>남성 </a:t>
+            </a:r>
+            <a:r>
+              <a:rPr lang="en-US" altLang="ko-KR"/>
+              <a:t>788</a:t>
+            </a:r>
+            <a:r>
+              <a:rPr lang="ko-KR" altLang="en-US"/>
+              <a:t>명</a:t>
+            </a:r>
+          </a:p>
+        </p:txBody>
+      </p:sp>
+      <p:sp>
+        <p:nvSpPr>
+          <p:cNvPr id="51" name="TextBox 50">
+            <a:extLst>
+              <a:ext uri="{FF2B5EF4-FFF2-40B4-BE49-F238E27FC236}">
+                <a16:creationId xmlns:a16="http://schemas.microsoft.com/office/drawing/2014/main" id="{8B8A6B4E-171B-4BD7-99FB-CF5E1B7DE91D}"/>
+              </a:ext>
+            </a:extLst>
+          </p:cNvPr>
+          <p:cNvSpPr txBox="1"/>
+          <p:nvPr/>
+        </p:nvSpPr>
+        <p:spPr>
+          <a:xfrm>
+            <a:off x="9827071" y="2449923"/>
+            <a:ext cx="1285929" cy="369332"/>
+          </a:xfrm>
+          <a:prstGeom prst="rect">
+            <a:avLst/>
+          </a:prstGeom>
+          <a:noFill/>
+        </p:spPr>
+        <p:txBody>
+          <a:bodyPr wrap="none" rtlCol="0">
+            <a:spAutoFit/>
+          </a:bodyPr>
+          <a:lstStyle/>
+          <a:p>
+            <a:r>
+              <a:rPr lang="ko-KR" altLang="en-US"/>
+              <a:t>여성 </a:t>
+            </a:r>
+            <a:r>
+              <a:rPr lang="en-US" altLang="ko-KR"/>
+              <a:t>615</a:t>
+            </a:r>
+            <a:r>
+              <a:rPr lang="ko-KR" altLang="en-US"/>
+              <a:t>명</a:t>
+            </a:r>
+          </a:p>
+        </p:txBody>
+      </p:sp>
+      <p:pic>
+        <p:nvPicPr>
+          <p:cNvPr id="52" name="Picture 2" descr="https://ssudorm.ssu.ac.kr:444/images/SShostel/templates/B0001/introduce/wash_s.jpg">
+            <a:extLst>
+              <a:ext uri="{FF2B5EF4-FFF2-40B4-BE49-F238E27FC236}">
+                <a16:creationId xmlns:a16="http://schemas.microsoft.com/office/drawing/2014/main" id="{6B617882-9645-4C98-96F1-D2424118E077}"/>
+              </a:ext>
+            </a:extLst>
+          </p:cNvPr>
+          <p:cNvPicPr>
+            <a:picLocks noChangeAspect="1" noChangeArrowheads="1"/>
+          </p:cNvPicPr>
+          <p:nvPr/>
+        </p:nvPicPr>
+        <p:blipFill>
+          <a:blip r:embed="rId2">
+            <a:extLst>
+              <a:ext uri="{28A0092B-C50C-407E-A947-70E740481C1C}">
+                <a14:useLocalDpi xmlns:a14="http://schemas.microsoft.com/office/drawing/2010/main" val="0"/>
+              </a:ext>
+            </a:extLst>
+          </a:blip>
+          <a:srcRect/>
+          <a:stretch>
+            <a:fillRect/>
+          </a:stretch>
+        </p:blipFill>
+        <p:spPr bwMode="auto">
+          <a:xfrm>
+            <a:off x="7980488" y="5171618"/>
+            <a:ext cx="3264407" cy="1224153"/>
+          </a:xfrm>
+          <a:prstGeom prst="rect">
+            <a:avLst/>
+          </a:prstGeom>
+          <a:noFill/>
+          <a:extLst>
+            <a:ext uri="{909E8E84-426E-40DD-AFC4-6F175D3DCCD1}">
+              <a14:hiddenFill xmlns:a14="http://schemas.microsoft.com/office/drawing/2010/main">
+                <a:solidFill>
+                  <a:srgbClr val="FFFFFF"/>
+                </a:solidFill>
+              </a14:hiddenFill>
+            </a:ext>
+          </a:extLst>
+        </p:spPr>
+      </p:pic>
+      <p:sp>
+        <p:nvSpPr>
+          <p:cNvPr id="53" name="화살표: 아래쪽 52">
+            <a:extLst>
+              <a:ext uri="{FF2B5EF4-FFF2-40B4-BE49-F238E27FC236}">
+                <a16:creationId xmlns:a16="http://schemas.microsoft.com/office/drawing/2014/main" id="{564B1079-BE6E-4B64-BBC7-AE2EBCE00460}"/>
+              </a:ext>
+            </a:extLst>
+          </p:cNvPr>
+          <p:cNvSpPr/>
+          <p:nvPr/>
+        </p:nvSpPr>
+        <p:spPr>
+          <a:xfrm>
+            <a:off x="8362950" y="3007035"/>
+            <a:ext cx="371475" cy="416716"/>
+          </a:xfrm>
+          <a:prstGeom prst="downArrow">
+            <a:avLst/>
+          </a:prstGeom>
+          <a:solidFill>
+            <a:schemeClr val="bg1">
+              <a:lumMod val="50000"/>
+            </a:schemeClr>
+          </a:solidFill>
+          <a:ln w="38100">
+            <a:noFill/>
+          </a:ln>
+          <a:effectLst/>
+        </p:spPr>
+        <p:style>
+          <a:lnRef idx="2">
+            <a:schemeClr val="accent1">
+              <a:shade val="50000"/>
+            </a:schemeClr>
+          </a:lnRef>
+          <a:fillRef idx="1">
+            <a:schemeClr val="accent1"/>
+          </a:fillRef>
+          <a:effectRef idx="0">
+            <a:schemeClr val="accent1"/>
+          </a:effectRef>
+          <a:fontRef idx="minor">
+            <a:schemeClr val="lt1"/>
+          </a:fontRef>
+        </p:style>
+        <p:txBody>
+          <a:bodyPr rot="0" spcFirstLastPara="0" vertOverflow="overflow" horzOverflow="overflow" vert="horz" wrap="square" lIns="91440" tIns="45720" rIns="91440" bIns="45720" numCol="1" spcCol="0" rtlCol="0" fromWordArt="0" anchor="ctr" anchorCtr="0" forceAA="0" compatLnSpc="1">
+            <a:prstTxWarp prst="textNoShape">
+              <a:avLst/>
+            </a:prstTxWarp>
+            <a:noAutofit/>
+          </a:bodyPr>
+          <a:lstStyle/>
+          <a:p>
+            <a:pPr algn="ctr"/>
+            <a:endParaRPr lang="ko-KR" altLang="en-US"/>
+          </a:p>
+        </p:txBody>
+      </p:sp>
+      <p:sp>
+        <p:nvSpPr>
+          <p:cNvPr id="55" name="화살표: 아래쪽 54">
+            <a:extLst>
+              <a:ext uri="{FF2B5EF4-FFF2-40B4-BE49-F238E27FC236}">
+                <a16:creationId xmlns:a16="http://schemas.microsoft.com/office/drawing/2014/main" id="{68636AF3-CA50-4F05-97DE-EB5F4AEB698B}"/>
+              </a:ext>
+            </a:extLst>
+          </p:cNvPr>
+          <p:cNvSpPr/>
+          <p:nvPr/>
+        </p:nvSpPr>
+        <p:spPr>
+          <a:xfrm>
+            <a:off x="10284297" y="2969704"/>
+            <a:ext cx="371475" cy="416716"/>
+          </a:xfrm>
+          <a:prstGeom prst="downArrow">
+            <a:avLst/>
+          </a:prstGeom>
+          <a:solidFill>
+            <a:schemeClr val="bg1">
+              <a:lumMod val="50000"/>
+            </a:schemeClr>
+          </a:solidFill>
+          <a:ln w="38100">
+            <a:noFill/>
+          </a:ln>
+          <a:effectLst/>
+        </p:spPr>
+        <p:style>
+          <a:lnRef idx="2">
+            <a:schemeClr val="accent1">
+              <a:shade val="50000"/>
+            </a:schemeClr>
+          </a:lnRef>
+          <a:fillRef idx="1">
+            <a:schemeClr val="accent1"/>
+          </a:fillRef>
+          <a:effectRef idx="0">
+            <a:schemeClr val="accent1"/>
+          </a:effectRef>
+          <a:fontRef idx="minor">
+            <a:schemeClr val="lt1"/>
+          </a:fontRef>
+        </p:style>
+        <p:txBody>
+          <a:bodyPr rot="0" spcFirstLastPara="0" vertOverflow="overflow" horzOverflow="overflow" vert="horz" wrap="square" lIns="91440" tIns="45720" rIns="91440" bIns="45720" numCol="1" spcCol="0" rtlCol="0" fromWordArt="0" anchor="ctr" anchorCtr="0" forceAA="0" compatLnSpc="1">
+            <a:prstTxWarp prst="textNoShape">
+              <a:avLst/>
+            </a:prstTxWarp>
+            <a:noAutofit/>
+          </a:bodyPr>
+          <a:lstStyle/>
+          <a:p>
+            <a:pPr algn="ctr"/>
             <a:endParaRPr lang="ko-KR" altLang="en-US"/>
           </a:p>
         </p:txBody>
@@ -1495,12 +3604,1995 @@
             </a:r>
             <a:r>
               <a:rPr lang="ko-KR" altLang="en-US"/>
-              <a:t>프로젝트 상세 설명</a:t>
+              <a:t>프로젝트 목표</a:t>
             </a:r>
             <a:endParaRPr lang="en-US" altLang="ko-KR"/>
           </a:p>
           <a:p>
             <a:endParaRPr lang="ko-KR" altLang="en-US"/>
+          </a:p>
+        </p:txBody>
+      </p:sp>
+      <p:sp>
+        <p:nvSpPr>
+          <p:cNvPr id="6" name="직사각형 5">
+            <a:extLst>
+              <a:ext uri="{FF2B5EF4-FFF2-40B4-BE49-F238E27FC236}">
+                <a16:creationId xmlns:a16="http://schemas.microsoft.com/office/drawing/2014/main" id="{7AAB7879-728A-44A4-B084-3839FDFD95CE}"/>
+              </a:ext>
+            </a:extLst>
+          </p:cNvPr>
+          <p:cNvSpPr/>
+          <p:nvPr/>
+        </p:nvSpPr>
+        <p:spPr>
+          <a:xfrm>
+            <a:off x="8564115" y="1182224"/>
+            <a:ext cx="2684910" cy="1310460"/>
+          </a:xfrm>
+          <a:prstGeom prst="rect">
+            <a:avLst/>
+          </a:prstGeom>
+          <a:solidFill>
+            <a:srgbClr val="6BDEE1"/>
+          </a:solidFill>
+          <a:ln>
+            <a:noFill/>
+          </a:ln>
+        </p:spPr>
+        <p:style>
+          <a:lnRef idx="2">
+            <a:schemeClr val="accent1">
+              <a:shade val="20000"/>
+            </a:schemeClr>
+          </a:lnRef>
+          <a:fillRef idx="1">
+            <a:schemeClr val="accent1"/>
+          </a:fillRef>
+          <a:effectRef idx="0">
+            <a:schemeClr val="accent1"/>
+          </a:effectRef>
+          <a:fontRef idx="minor">
+            <a:schemeClr val="lt1"/>
+          </a:fontRef>
+        </p:style>
+        <p:txBody>
+          <a:bodyPr vert="horz" wrap="square" tIns="45720" rIns="91440" bIns="45720" anchor="ctr"/>
+          <a:lstStyle/>
+          <a:p>
+            <a:pPr algn="ctr" latinLnBrk="0">
+              <a:defRPr/>
+            </a:pPr>
+            <a:endParaRPr lang="ko-KR" altLang="en-US"/>
+          </a:p>
+        </p:txBody>
+      </p:sp>
+      <p:sp>
+        <p:nvSpPr>
+          <p:cNvPr id="7" name="직사각형 6">
+            <a:extLst>
+              <a:ext uri="{FF2B5EF4-FFF2-40B4-BE49-F238E27FC236}">
+                <a16:creationId xmlns:a16="http://schemas.microsoft.com/office/drawing/2014/main" id="{39EBF399-CA27-47B4-A7A1-31AE7B10378C}"/>
+              </a:ext>
+            </a:extLst>
+          </p:cNvPr>
+          <p:cNvSpPr/>
+          <p:nvPr/>
+        </p:nvSpPr>
+        <p:spPr>
+          <a:xfrm>
+            <a:off x="8457700" y="1068271"/>
+            <a:ext cx="2905625" cy="1538366"/>
+          </a:xfrm>
+          <a:prstGeom prst="rect">
+            <a:avLst/>
+          </a:prstGeom>
+          <a:noFill/>
+          <a:ln w="19050">
+            <a:solidFill>
+              <a:srgbClr val="EA5A47"/>
+            </a:solidFill>
+            <a:round/>
+          </a:ln>
+        </p:spPr>
+        <p:style>
+          <a:lnRef idx="2">
+            <a:schemeClr val="accent1">
+              <a:shade val="20000"/>
+            </a:schemeClr>
+          </a:lnRef>
+          <a:fillRef idx="1">
+            <a:schemeClr val="accent1"/>
+          </a:fillRef>
+          <a:effectRef idx="0">
+            <a:schemeClr val="accent1"/>
+          </a:effectRef>
+          <a:fontRef idx="minor">
+            <a:schemeClr val="lt1"/>
+          </a:fontRef>
+        </p:style>
+        <p:txBody>
+          <a:bodyPr vert="horz" wrap="square" tIns="45720" rIns="91440" bIns="45720" anchor="ctr"/>
+          <a:lstStyle/>
+          <a:p>
+            <a:pPr algn="ctr" latinLnBrk="0">
+              <a:defRPr/>
+            </a:pPr>
+            <a:endParaRPr lang="ko-KR" altLang="en-US"/>
+          </a:p>
+        </p:txBody>
+      </p:sp>
+      <p:sp>
+        <p:nvSpPr>
+          <p:cNvPr id="8" name="직사각형 7">
+            <a:extLst>
+              <a:ext uri="{FF2B5EF4-FFF2-40B4-BE49-F238E27FC236}">
+                <a16:creationId xmlns:a16="http://schemas.microsoft.com/office/drawing/2014/main" id="{D5DDC5E7-67DE-4A6A-8C00-21C60D7C3D8A}"/>
+              </a:ext>
+            </a:extLst>
+          </p:cNvPr>
+          <p:cNvSpPr/>
+          <p:nvPr/>
+        </p:nvSpPr>
+        <p:spPr>
+          <a:xfrm>
+            <a:off x="8685606" y="1296177"/>
+            <a:ext cx="539719" cy="227906"/>
+          </a:xfrm>
+          <a:prstGeom prst="rect">
+            <a:avLst/>
+          </a:prstGeom>
+          <a:solidFill>
+            <a:srgbClr val="ACF0F2"/>
+          </a:solidFill>
+          <a:ln>
+            <a:noFill/>
+          </a:ln>
+        </p:spPr>
+        <p:style>
+          <a:lnRef idx="2">
+            <a:schemeClr val="accent1">
+              <a:shade val="20000"/>
+            </a:schemeClr>
+          </a:lnRef>
+          <a:fillRef idx="1">
+            <a:schemeClr val="accent1"/>
+          </a:fillRef>
+          <a:effectRef idx="0">
+            <a:schemeClr val="accent1"/>
+          </a:effectRef>
+          <a:fontRef idx="minor">
+            <a:schemeClr val="lt1"/>
+          </a:fontRef>
+        </p:style>
+        <p:txBody>
+          <a:bodyPr vert="horz" wrap="square" tIns="45720" rIns="91440" bIns="45720" anchor="ctr"/>
+          <a:lstStyle/>
+          <a:p>
+            <a:pPr algn="ctr" latinLnBrk="0">
+              <a:defRPr/>
+            </a:pPr>
+            <a:endParaRPr lang="ko-KR" altLang="en-US"/>
+          </a:p>
+        </p:txBody>
+      </p:sp>
+      <p:sp>
+        <p:nvSpPr>
+          <p:cNvPr id="9" name="직사각형 8">
+            <a:extLst>
+              <a:ext uri="{FF2B5EF4-FFF2-40B4-BE49-F238E27FC236}">
+                <a16:creationId xmlns:a16="http://schemas.microsoft.com/office/drawing/2014/main" id="{A4B2FC75-8F2D-475F-AED8-B1E3F6A8B6F7}"/>
+              </a:ext>
+            </a:extLst>
+          </p:cNvPr>
+          <p:cNvSpPr/>
+          <p:nvPr/>
+        </p:nvSpPr>
+        <p:spPr>
+          <a:xfrm>
+            <a:off x="8685606" y="1609548"/>
+            <a:ext cx="539719" cy="769183"/>
+          </a:xfrm>
+          <a:prstGeom prst="rect">
+            <a:avLst/>
+          </a:prstGeom>
+          <a:solidFill>
+            <a:srgbClr val="ACF0F2"/>
+          </a:solidFill>
+          <a:ln>
+            <a:noFill/>
+          </a:ln>
+        </p:spPr>
+        <p:style>
+          <a:lnRef idx="2">
+            <a:schemeClr val="accent1">
+              <a:shade val="20000"/>
+            </a:schemeClr>
+          </a:lnRef>
+          <a:fillRef idx="1">
+            <a:schemeClr val="accent1"/>
+          </a:fillRef>
+          <a:effectRef idx="0">
+            <a:schemeClr val="accent1"/>
+          </a:effectRef>
+          <a:fontRef idx="minor">
+            <a:schemeClr val="lt1"/>
+          </a:fontRef>
+        </p:style>
+        <p:txBody>
+          <a:bodyPr vert="horz" wrap="square" tIns="45720" rIns="91440" bIns="45720" anchor="ctr"/>
+          <a:lstStyle/>
+          <a:p>
+            <a:pPr algn="ctr" latinLnBrk="0">
+              <a:defRPr/>
+            </a:pPr>
+            <a:endParaRPr lang="ko-KR" altLang="en-US"/>
+          </a:p>
+        </p:txBody>
+      </p:sp>
+      <p:sp>
+        <p:nvSpPr>
+          <p:cNvPr id="10" name="직사각형 9">
+            <a:extLst>
+              <a:ext uri="{FF2B5EF4-FFF2-40B4-BE49-F238E27FC236}">
+                <a16:creationId xmlns:a16="http://schemas.microsoft.com/office/drawing/2014/main" id="{D9B8E708-B948-4765-A6F3-CA448AF726B8}"/>
+              </a:ext>
+            </a:extLst>
+          </p:cNvPr>
+          <p:cNvSpPr/>
+          <p:nvPr/>
+        </p:nvSpPr>
+        <p:spPr>
+          <a:xfrm>
+            <a:off x="9326591" y="1296177"/>
+            <a:ext cx="539719" cy="227906"/>
+          </a:xfrm>
+          <a:prstGeom prst="rect">
+            <a:avLst/>
+          </a:prstGeom>
+          <a:solidFill>
+            <a:srgbClr val="ACF0F2"/>
+          </a:solidFill>
+          <a:ln>
+            <a:noFill/>
+          </a:ln>
+        </p:spPr>
+        <p:style>
+          <a:lnRef idx="2">
+            <a:schemeClr val="accent1">
+              <a:shade val="20000"/>
+            </a:schemeClr>
+          </a:lnRef>
+          <a:fillRef idx="1">
+            <a:schemeClr val="accent1"/>
+          </a:fillRef>
+          <a:effectRef idx="0">
+            <a:schemeClr val="accent1"/>
+          </a:effectRef>
+          <a:fontRef idx="minor">
+            <a:schemeClr val="lt1"/>
+          </a:fontRef>
+        </p:style>
+        <p:txBody>
+          <a:bodyPr vert="horz" wrap="square" tIns="45720" rIns="91440" bIns="45720" anchor="ctr"/>
+          <a:lstStyle/>
+          <a:p>
+            <a:pPr algn="ctr" latinLnBrk="0">
+              <a:defRPr/>
+            </a:pPr>
+            <a:endParaRPr lang="ko-KR" altLang="en-US"/>
+          </a:p>
+        </p:txBody>
+      </p:sp>
+      <p:sp>
+        <p:nvSpPr>
+          <p:cNvPr id="11" name="직사각형 10">
+            <a:extLst>
+              <a:ext uri="{FF2B5EF4-FFF2-40B4-BE49-F238E27FC236}">
+                <a16:creationId xmlns:a16="http://schemas.microsoft.com/office/drawing/2014/main" id="{D15617BF-0B32-4AAF-983E-CB3C37AD10D1}"/>
+              </a:ext>
+            </a:extLst>
+          </p:cNvPr>
+          <p:cNvSpPr/>
+          <p:nvPr/>
+        </p:nvSpPr>
+        <p:spPr>
+          <a:xfrm>
+            <a:off x="9326591" y="1609548"/>
+            <a:ext cx="539719" cy="769183"/>
+          </a:xfrm>
+          <a:prstGeom prst="rect">
+            <a:avLst/>
+          </a:prstGeom>
+          <a:solidFill>
+            <a:srgbClr val="ACF0F2"/>
+          </a:solidFill>
+          <a:ln>
+            <a:noFill/>
+          </a:ln>
+        </p:spPr>
+        <p:style>
+          <a:lnRef idx="2">
+            <a:schemeClr val="accent1">
+              <a:shade val="20000"/>
+            </a:schemeClr>
+          </a:lnRef>
+          <a:fillRef idx="1">
+            <a:schemeClr val="accent1"/>
+          </a:fillRef>
+          <a:effectRef idx="0">
+            <a:schemeClr val="accent1"/>
+          </a:effectRef>
+          <a:fontRef idx="minor">
+            <a:schemeClr val="lt1"/>
+          </a:fontRef>
+        </p:style>
+        <p:txBody>
+          <a:bodyPr vert="horz" wrap="square" tIns="45720" rIns="91440" bIns="45720" anchor="ctr"/>
+          <a:lstStyle/>
+          <a:p>
+            <a:pPr algn="ctr" latinLnBrk="0">
+              <a:defRPr/>
+            </a:pPr>
+            <a:endParaRPr lang="ko-KR" altLang="en-US"/>
+          </a:p>
+        </p:txBody>
+      </p:sp>
+      <p:sp>
+        <p:nvSpPr>
+          <p:cNvPr id="12" name="직사각형 11">
+            <a:extLst>
+              <a:ext uri="{FF2B5EF4-FFF2-40B4-BE49-F238E27FC236}">
+                <a16:creationId xmlns:a16="http://schemas.microsoft.com/office/drawing/2014/main" id="{DB4ED9D0-D00E-40D7-B145-1A210D1D03C2}"/>
+              </a:ext>
+            </a:extLst>
+          </p:cNvPr>
+          <p:cNvSpPr/>
+          <p:nvPr/>
+        </p:nvSpPr>
+        <p:spPr>
+          <a:xfrm>
+            <a:off x="9967577" y="1296177"/>
+            <a:ext cx="539719" cy="227906"/>
+          </a:xfrm>
+          <a:prstGeom prst="rect">
+            <a:avLst/>
+          </a:prstGeom>
+          <a:solidFill>
+            <a:srgbClr val="ACF0F2"/>
+          </a:solidFill>
+          <a:ln>
+            <a:noFill/>
+          </a:ln>
+        </p:spPr>
+        <p:style>
+          <a:lnRef idx="2">
+            <a:schemeClr val="accent1">
+              <a:shade val="20000"/>
+            </a:schemeClr>
+          </a:lnRef>
+          <a:fillRef idx="1">
+            <a:schemeClr val="accent1"/>
+          </a:fillRef>
+          <a:effectRef idx="0">
+            <a:schemeClr val="accent1"/>
+          </a:effectRef>
+          <a:fontRef idx="minor">
+            <a:schemeClr val="lt1"/>
+          </a:fontRef>
+        </p:style>
+        <p:txBody>
+          <a:bodyPr vert="horz" wrap="square" tIns="45720" rIns="91440" bIns="45720" anchor="ctr"/>
+          <a:lstStyle/>
+          <a:p>
+            <a:pPr algn="ctr" latinLnBrk="0">
+              <a:defRPr/>
+            </a:pPr>
+            <a:endParaRPr lang="ko-KR" altLang="en-US"/>
+          </a:p>
+        </p:txBody>
+      </p:sp>
+      <p:sp>
+        <p:nvSpPr>
+          <p:cNvPr id="13" name="직사각형 12">
+            <a:extLst>
+              <a:ext uri="{FF2B5EF4-FFF2-40B4-BE49-F238E27FC236}">
+                <a16:creationId xmlns:a16="http://schemas.microsoft.com/office/drawing/2014/main" id="{72D81FF4-48CA-493E-85AB-27987526C09C}"/>
+              </a:ext>
+            </a:extLst>
+          </p:cNvPr>
+          <p:cNvSpPr/>
+          <p:nvPr/>
+        </p:nvSpPr>
+        <p:spPr>
+          <a:xfrm>
+            <a:off x="9967577" y="1609548"/>
+            <a:ext cx="539719" cy="769183"/>
+          </a:xfrm>
+          <a:prstGeom prst="rect">
+            <a:avLst/>
+          </a:prstGeom>
+          <a:solidFill>
+            <a:srgbClr val="ACF0F2"/>
+          </a:solidFill>
+          <a:ln>
+            <a:noFill/>
+          </a:ln>
+        </p:spPr>
+        <p:style>
+          <a:lnRef idx="2">
+            <a:schemeClr val="accent1">
+              <a:shade val="20000"/>
+            </a:schemeClr>
+          </a:lnRef>
+          <a:fillRef idx="1">
+            <a:schemeClr val="accent1"/>
+          </a:fillRef>
+          <a:effectRef idx="0">
+            <a:schemeClr val="accent1"/>
+          </a:effectRef>
+          <a:fontRef idx="minor">
+            <a:schemeClr val="lt1"/>
+          </a:fontRef>
+        </p:style>
+        <p:txBody>
+          <a:bodyPr vert="horz" wrap="square" tIns="45720" rIns="91440" bIns="45720" anchor="ctr"/>
+          <a:lstStyle/>
+          <a:p>
+            <a:pPr algn="ctr" latinLnBrk="0">
+              <a:defRPr/>
+            </a:pPr>
+            <a:endParaRPr lang="ko-KR" altLang="en-US"/>
+          </a:p>
+        </p:txBody>
+      </p:sp>
+      <p:grpSp>
+        <p:nvGrpSpPr>
+          <p:cNvPr id="14" name="그룹 13">
+            <a:extLst>
+              <a:ext uri="{FF2B5EF4-FFF2-40B4-BE49-F238E27FC236}">
+                <a16:creationId xmlns:a16="http://schemas.microsoft.com/office/drawing/2014/main" id="{01B008B1-EC7E-4100-ABBC-2B4FC31B6F60}"/>
+              </a:ext>
+            </a:extLst>
+          </p:cNvPr>
+          <p:cNvGrpSpPr/>
+          <p:nvPr/>
+        </p:nvGrpSpPr>
+        <p:grpSpPr>
+          <a:xfrm>
+            <a:off x="8792022" y="1710086"/>
+            <a:ext cx="349396" cy="569765"/>
+            <a:chOff x="5942457" y="2636901"/>
+            <a:chExt cx="441579" cy="720090"/>
+          </a:xfrm>
+        </p:grpSpPr>
+        <p:cxnSp>
+          <p:nvCxnSpPr>
+            <p:cNvPr id="29" name="직선 연결선 28">
+              <a:extLst>
+                <a:ext uri="{FF2B5EF4-FFF2-40B4-BE49-F238E27FC236}">
+                  <a16:creationId xmlns:a16="http://schemas.microsoft.com/office/drawing/2014/main" id="{26C3C855-B08A-49EF-823F-F1E90B8379D7}"/>
+                </a:ext>
+              </a:extLst>
+            </p:cNvPr>
+            <p:cNvCxnSpPr/>
+            <p:nvPr/>
+          </p:nvCxnSpPr>
+          <p:spPr>
+            <a:xfrm>
+              <a:off x="5942457" y="2636901"/>
+              <a:ext cx="432054" cy="0"/>
+            </a:xfrm>
+            <a:prstGeom prst="line">
+              <a:avLst/>
+            </a:prstGeom>
+            <a:ln w="25400">
+              <a:solidFill>
+                <a:schemeClr val="lt1"/>
+              </a:solidFill>
+            </a:ln>
+          </p:spPr>
+          <p:style>
+            <a:lnRef idx="1">
+              <a:schemeClr val="accent1"/>
+            </a:lnRef>
+            <a:fillRef idx="0">
+              <a:schemeClr val="accent1"/>
+            </a:fillRef>
+            <a:effectRef idx="0">
+              <a:schemeClr val="accent1"/>
+            </a:effectRef>
+            <a:fontRef idx="minor">
+              <a:schemeClr val="tx1"/>
+            </a:fontRef>
+          </p:style>
+        </p:cxnSp>
+        <p:cxnSp>
+          <p:nvCxnSpPr>
+            <p:cNvPr id="30" name="직선 연결선 29">
+              <a:extLst>
+                <a:ext uri="{FF2B5EF4-FFF2-40B4-BE49-F238E27FC236}">
+                  <a16:creationId xmlns:a16="http://schemas.microsoft.com/office/drawing/2014/main" id="{355218FD-3708-4892-AB27-12F99D938B3E}"/>
+                </a:ext>
+              </a:extLst>
+            </p:cNvPr>
+            <p:cNvCxnSpPr/>
+            <p:nvPr/>
+          </p:nvCxnSpPr>
+          <p:spPr>
+            <a:xfrm>
+              <a:off x="5944362" y="2780919"/>
+              <a:ext cx="432054" cy="0"/>
+            </a:xfrm>
+            <a:prstGeom prst="line">
+              <a:avLst/>
+            </a:prstGeom>
+            <a:ln w="25400">
+              <a:solidFill>
+                <a:schemeClr val="lt1"/>
+              </a:solidFill>
+            </a:ln>
+          </p:spPr>
+          <p:style>
+            <a:lnRef idx="1">
+              <a:schemeClr val="accent1"/>
+            </a:lnRef>
+            <a:fillRef idx="0">
+              <a:schemeClr val="accent1"/>
+            </a:fillRef>
+            <a:effectRef idx="0">
+              <a:schemeClr val="accent1"/>
+            </a:effectRef>
+            <a:fontRef idx="minor">
+              <a:schemeClr val="tx1"/>
+            </a:fontRef>
+          </p:style>
+        </p:cxnSp>
+        <p:cxnSp>
+          <p:nvCxnSpPr>
+            <p:cNvPr id="31" name="직선 연결선 30">
+              <a:extLst>
+                <a:ext uri="{FF2B5EF4-FFF2-40B4-BE49-F238E27FC236}">
+                  <a16:creationId xmlns:a16="http://schemas.microsoft.com/office/drawing/2014/main" id="{BC23F620-A492-48B0-A951-F49C81530AB8}"/>
+                </a:ext>
+              </a:extLst>
+            </p:cNvPr>
+            <p:cNvCxnSpPr/>
+            <p:nvPr/>
+          </p:nvCxnSpPr>
+          <p:spPr>
+            <a:xfrm>
+              <a:off x="5946267" y="2924937"/>
+              <a:ext cx="432054" cy="0"/>
+            </a:xfrm>
+            <a:prstGeom prst="line">
+              <a:avLst/>
+            </a:prstGeom>
+            <a:ln w="25400">
+              <a:solidFill>
+                <a:schemeClr val="lt1"/>
+              </a:solidFill>
+            </a:ln>
+          </p:spPr>
+          <p:style>
+            <a:lnRef idx="1">
+              <a:schemeClr val="accent1"/>
+            </a:lnRef>
+            <a:fillRef idx="0">
+              <a:schemeClr val="accent1"/>
+            </a:fillRef>
+            <a:effectRef idx="0">
+              <a:schemeClr val="accent1"/>
+            </a:effectRef>
+            <a:fontRef idx="minor">
+              <a:schemeClr val="tx1"/>
+            </a:fontRef>
+          </p:style>
+        </p:cxnSp>
+        <p:cxnSp>
+          <p:nvCxnSpPr>
+            <p:cNvPr id="32" name="직선 연결선 31">
+              <a:extLst>
+                <a:ext uri="{FF2B5EF4-FFF2-40B4-BE49-F238E27FC236}">
+                  <a16:creationId xmlns:a16="http://schemas.microsoft.com/office/drawing/2014/main" id="{977EE95C-9400-47E3-83FE-5A380312629B}"/>
+                </a:ext>
+              </a:extLst>
+            </p:cNvPr>
+            <p:cNvCxnSpPr/>
+            <p:nvPr/>
+          </p:nvCxnSpPr>
+          <p:spPr>
+            <a:xfrm>
+              <a:off x="5948172" y="3068955"/>
+              <a:ext cx="432054" cy="0"/>
+            </a:xfrm>
+            <a:prstGeom prst="line">
+              <a:avLst/>
+            </a:prstGeom>
+            <a:ln w="25400">
+              <a:solidFill>
+                <a:schemeClr val="lt1"/>
+              </a:solidFill>
+            </a:ln>
+          </p:spPr>
+          <p:style>
+            <a:lnRef idx="1">
+              <a:schemeClr val="accent1"/>
+            </a:lnRef>
+            <a:fillRef idx="0">
+              <a:schemeClr val="accent1"/>
+            </a:fillRef>
+            <a:effectRef idx="0">
+              <a:schemeClr val="accent1"/>
+            </a:effectRef>
+            <a:fontRef idx="minor">
+              <a:schemeClr val="tx1"/>
+            </a:fontRef>
+          </p:style>
+        </p:cxnSp>
+        <p:cxnSp>
+          <p:nvCxnSpPr>
+            <p:cNvPr id="33" name="직선 연결선 32">
+              <a:extLst>
+                <a:ext uri="{FF2B5EF4-FFF2-40B4-BE49-F238E27FC236}">
+                  <a16:creationId xmlns:a16="http://schemas.microsoft.com/office/drawing/2014/main" id="{4CDBA3D2-DA02-400E-9843-F90C13132C27}"/>
+                </a:ext>
+              </a:extLst>
+            </p:cNvPr>
+            <p:cNvCxnSpPr/>
+            <p:nvPr/>
+          </p:nvCxnSpPr>
+          <p:spPr>
+            <a:xfrm>
+              <a:off x="5950077" y="3212973"/>
+              <a:ext cx="432054" cy="0"/>
+            </a:xfrm>
+            <a:prstGeom prst="line">
+              <a:avLst/>
+            </a:prstGeom>
+            <a:ln w="25400">
+              <a:solidFill>
+                <a:schemeClr val="lt1"/>
+              </a:solidFill>
+            </a:ln>
+          </p:spPr>
+          <p:style>
+            <a:lnRef idx="1">
+              <a:schemeClr val="accent1"/>
+            </a:lnRef>
+            <a:fillRef idx="0">
+              <a:schemeClr val="accent1"/>
+            </a:fillRef>
+            <a:effectRef idx="0">
+              <a:schemeClr val="accent1"/>
+            </a:effectRef>
+            <a:fontRef idx="minor">
+              <a:schemeClr val="tx1"/>
+            </a:fontRef>
+          </p:style>
+        </p:cxnSp>
+        <p:cxnSp>
+          <p:nvCxnSpPr>
+            <p:cNvPr id="34" name="직선 연결선 33">
+              <a:extLst>
+                <a:ext uri="{FF2B5EF4-FFF2-40B4-BE49-F238E27FC236}">
+                  <a16:creationId xmlns:a16="http://schemas.microsoft.com/office/drawing/2014/main" id="{E6D83ADA-0DC5-4245-8D4D-73CEF17DA1BE}"/>
+                </a:ext>
+              </a:extLst>
+            </p:cNvPr>
+            <p:cNvCxnSpPr/>
+            <p:nvPr/>
+          </p:nvCxnSpPr>
+          <p:spPr>
+            <a:xfrm>
+              <a:off x="5951982" y="3356991"/>
+              <a:ext cx="432054" cy="0"/>
+            </a:xfrm>
+            <a:prstGeom prst="line">
+              <a:avLst/>
+            </a:prstGeom>
+            <a:ln w="25400">
+              <a:solidFill>
+                <a:schemeClr val="lt1"/>
+              </a:solidFill>
+            </a:ln>
+          </p:spPr>
+          <p:style>
+            <a:lnRef idx="1">
+              <a:schemeClr val="accent1"/>
+            </a:lnRef>
+            <a:fillRef idx="0">
+              <a:schemeClr val="accent1"/>
+            </a:fillRef>
+            <a:effectRef idx="0">
+              <a:schemeClr val="accent1"/>
+            </a:effectRef>
+            <a:fontRef idx="minor">
+              <a:schemeClr val="tx1"/>
+            </a:fontRef>
+          </p:style>
+        </p:cxnSp>
+      </p:grpSp>
+      <p:grpSp>
+        <p:nvGrpSpPr>
+          <p:cNvPr id="15" name="그룹 14">
+            <a:extLst>
+              <a:ext uri="{FF2B5EF4-FFF2-40B4-BE49-F238E27FC236}">
+                <a16:creationId xmlns:a16="http://schemas.microsoft.com/office/drawing/2014/main" id="{205CF3EF-F758-454D-9D70-1DF75C858335}"/>
+              </a:ext>
+            </a:extLst>
+          </p:cNvPr>
+          <p:cNvGrpSpPr/>
+          <p:nvPr/>
+        </p:nvGrpSpPr>
+        <p:grpSpPr>
+          <a:xfrm>
+            <a:off x="9421753" y="1721843"/>
+            <a:ext cx="349396" cy="569765"/>
+            <a:chOff x="5942457" y="2636901"/>
+            <a:chExt cx="441579" cy="720090"/>
+          </a:xfrm>
+        </p:grpSpPr>
+        <p:cxnSp>
+          <p:nvCxnSpPr>
+            <p:cNvPr id="23" name="직선 연결선 22">
+              <a:extLst>
+                <a:ext uri="{FF2B5EF4-FFF2-40B4-BE49-F238E27FC236}">
+                  <a16:creationId xmlns:a16="http://schemas.microsoft.com/office/drawing/2014/main" id="{1ABC927E-EF6A-408A-B7E9-0C5D352350D3}"/>
+                </a:ext>
+              </a:extLst>
+            </p:cNvPr>
+            <p:cNvCxnSpPr/>
+            <p:nvPr/>
+          </p:nvCxnSpPr>
+          <p:spPr>
+            <a:xfrm>
+              <a:off x="5942457" y="2636901"/>
+              <a:ext cx="432054" cy="0"/>
+            </a:xfrm>
+            <a:prstGeom prst="line">
+              <a:avLst/>
+            </a:prstGeom>
+            <a:ln w="25400">
+              <a:solidFill>
+                <a:schemeClr val="lt1"/>
+              </a:solidFill>
+            </a:ln>
+          </p:spPr>
+          <p:style>
+            <a:lnRef idx="1">
+              <a:schemeClr val="accent1"/>
+            </a:lnRef>
+            <a:fillRef idx="0">
+              <a:schemeClr val="accent1"/>
+            </a:fillRef>
+            <a:effectRef idx="0">
+              <a:schemeClr val="accent1"/>
+            </a:effectRef>
+            <a:fontRef idx="minor">
+              <a:schemeClr val="tx1"/>
+            </a:fontRef>
+          </p:style>
+        </p:cxnSp>
+        <p:cxnSp>
+          <p:nvCxnSpPr>
+            <p:cNvPr id="24" name="직선 연결선 23">
+              <a:extLst>
+                <a:ext uri="{FF2B5EF4-FFF2-40B4-BE49-F238E27FC236}">
+                  <a16:creationId xmlns:a16="http://schemas.microsoft.com/office/drawing/2014/main" id="{CE3D4C2E-6864-462C-B40C-3169B09D8548}"/>
+                </a:ext>
+              </a:extLst>
+            </p:cNvPr>
+            <p:cNvCxnSpPr/>
+            <p:nvPr/>
+          </p:nvCxnSpPr>
+          <p:spPr>
+            <a:xfrm>
+              <a:off x="5944362" y="2780919"/>
+              <a:ext cx="432054" cy="0"/>
+            </a:xfrm>
+            <a:prstGeom prst="line">
+              <a:avLst/>
+            </a:prstGeom>
+            <a:ln w="25400">
+              <a:solidFill>
+                <a:schemeClr val="lt1"/>
+              </a:solidFill>
+            </a:ln>
+          </p:spPr>
+          <p:style>
+            <a:lnRef idx="1">
+              <a:schemeClr val="accent1"/>
+            </a:lnRef>
+            <a:fillRef idx="0">
+              <a:schemeClr val="accent1"/>
+            </a:fillRef>
+            <a:effectRef idx="0">
+              <a:schemeClr val="accent1"/>
+            </a:effectRef>
+            <a:fontRef idx="minor">
+              <a:schemeClr val="tx1"/>
+            </a:fontRef>
+          </p:style>
+        </p:cxnSp>
+        <p:cxnSp>
+          <p:nvCxnSpPr>
+            <p:cNvPr id="25" name="직선 연결선 24">
+              <a:extLst>
+                <a:ext uri="{FF2B5EF4-FFF2-40B4-BE49-F238E27FC236}">
+                  <a16:creationId xmlns:a16="http://schemas.microsoft.com/office/drawing/2014/main" id="{44C1FF85-1B04-4599-8A4A-5BE3549C8742}"/>
+                </a:ext>
+              </a:extLst>
+            </p:cNvPr>
+            <p:cNvCxnSpPr/>
+            <p:nvPr/>
+          </p:nvCxnSpPr>
+          <p:spPr>
+            <a:xfrm>
+              <a:off x="5946267" y="2924937"/>
+              <a:ext cx="432054" cy="0"/>
+            </a:xfrm>
+            <a:prstGeom prst="line">
+              <a:avLst/>
+            </a:prstGeom>
+            <a:ln w="25400">
+              <a:solidFill>
+                <a:schemeClr val="lt1"/>
+              </a:solidFill>
+            </a:ln>
+          </p:spPr>
+          <p:style>
+            <a:lnRef idx="1">
+              <a:schemeClr val="accent1"/>
+            </a:lnRef>
+            <a:fillRef idx="0">
+              <a:schemeClr val="accent1"/>
+            </a:fillRef>
+            <a:effectRef idx="0">
+              <a:schemeClr val="accent1"/>
+            </a:effectRef>
+            <a:fontRef idx="minor">
+              <a:schemeClr val="tx1"/>
+            </a:fontRef>
+          </p:style>
+        </p:cxnSp>
+        <p:cxnSp>
+          <p:nvCxnSpPr>
+            <p:cNvPr id="26" name="직선 연결선 25">
+              <a:extLst>
+                <a:ext uri="{FF2B5EF4-FFF2-40B4-BE49-F238E27FC236}">
+                  <a16:creationId xmlns:a16="http://schemas.microsoft.com/office/drawing/2014/main" id="{F8F77B6B-ECE0-463A-A12F-A149260AACFB}"/>
+                </a:ext>
+              </a:extLst>
+            </p:cNvPr>
+            <p:cNvCxnSpPr/>
+            <p:nvPr/>
+          </p:nvCxnSpPr>
+          <p:spPr>
+            <a:xfrm>
+              <a:off x="5948172" y="3068955"/>
+              <a:ext cx="432054" cy="0"/>
+            </a:xfrm>
+            <a:prstGeom prst="line">
+              <a:avLst/>
+            </a:prstGeom>
+            <a:ln w="25400">
+              <a:solidFill>
+                <a:schemeClr val="lt1"/>
+              </a:solidFill>
+            </a:ln>
+          </p:spPr>
+          <p:style>
+            <a:lnRef idx="1">
+              <a:schemeClr val="accent1"/>
+            </a:lnRef>
+            <a:fillRef idx="0">
+              <a:schemeClr val="accent1"/>
+            </a:fillRef>
+            <a:effectRef idx="0">
+              <a:schemeClr val="accent1"/>
+            </a:effectRef>
+            <a:fontRef idx="minor">
+              <a:schemeClr val="tx1"/>
+            </a:fontRef>
+          </p:style>
+        </p:cxnSp>
+        <p:cxnSp>
+          <p:nvCxnSpPr>
+            <p:cNvPr id="27" name="직선 연결선 26">
+              <a:extLst>
+                <a:ext uri="{FF2B5EF4-FFF2-40B4-BE49-F238E27FC236}">
+                  <a16:creationId xmlns:a16="http://schemas.microsoft.com/office/drawing/2014/main" id="{AF134249-5879-4D87-861A-5DFF2A4F4686}"/>
+                </a:ext>
+              </a:extLst>
+            </p:cNvPr>
+            <p:cNvCxnSpPr/>
+            <p:nvPr/>
+          </p:nvCxnSpPr>
+          <p:spPr>
+            <a:xfrm>
+              <a:off x="5950077" y="3212973"/>
+              <a:ext cx="432054" cy="0"/>
+            </a:xfrm>
+            <a:prstGeom prst="line">
+              <a:avLst/>
+            </a:prstGeom>
+            <a:ln w="25400">
+              <a:solidFill>
+                <a:schemeClr val="lt1"/>
+              </a:solidFill>
+            </a:ln>
+          </p:spPr>
+          <p:style>
+            <a:lnRef idx="1">
+              <a:schemeClr val="accent1"/>
+            </a:lnRef>
+            <a:fillRef idx="0">
+              <a:schemeClr val="accent1"/>
+            </a:fillRef>
+            <a:effectRef idx="0">
+              <a:schemeClr val="accent1"/>
+            </a:effectRef>
+            <a:fontRef idx="minor">
+              <a:schemeClr val="tx1"/>
+            </a:fontRef>
+          </p:style>
+        </p:cxnSp>
+        <p:cxnSp>
+          <p:nvCxnSpPr>
+            <p:cNvPr id="28" name="직선 연결선 27">
+              <a:extLst>
+                <a:ext uri="{FF2B5EF4-FFF2-40B4-BE49-F238E27FC236}">
+                  <a16:creationId xmlns:a16="http://schemas.microsoft.com/office/drawing/2014/main" id="{6F042FB3-E941-48E5-A490-7FF022635C9C}"/>
+                </a:ext>
+              </a:extLst>
+            </p:cNvPr>
+            <p:cNvCxnSpPr/>
+            <p:nvPr/>
+          </p:nvCxnSpPr>
+          <p:spPr>
+            <a:xfrm>
+              <a:off x="5951982" y="3356991"/>
+              <a:ext cx="432054" cy="0"/>
+            </a:xfrm>
+            <a:prstGeom prst="line">
+              <a:avLst/>
+            </a:prstGeom>
+            <a:ln w="25400">
+              <a:solidFill>
+                <a:schemeClr val="lt1"/>
+              </a:solidFill>
+            </a:ln>
+          </p:spPr>
+          <p:style>
+            <a:lnRef idx="1">
+              <a:schemeClr val="accent1"/>
+            </a:lnRef>
+            <a:fillRef idx="0">
+              <a:schemeClr val="accent1"/>
+            </a:fillRef>
+            <a:effectRef idx="0">
+              <a:schemeClr val="accent1"/>
+            </a:effectRef>
+            <a:fontRef idx="minor">
+              <a:schemeClr val="tx1"/>
+            </a:fontRef>
+          </p:style>
+        </p:cxnSp>
+      </p:grpSp>
+      <p:grpSp>
+        <p:nvGrpSpPr>
+          <p:cNvPr id="16" name="그룹 15">
+            <a:extLst>
+              <a:ext uri="{FF2B5EF4-FFF2-40B4-BE49-F238E27FC236}">
+                <a16:creationId xmlns:a16="http://schemas.microsoft.com/office/drawing/2014/main" id="{6E7C0A25-CDEF-4158-9A56-A7C140CF956D}"/>
+              </a:ext>
+            </a:extLst>
+          </p:cNvPr>
+          <p:cNvGrpSpPr/>
+          <p:nvPr/>
+        </p:nvGrpSpPr>
+        <p:grpSpPr>
+          <a:xfrm>
+            <a:off x="10062739" y="1714306"/>
+            <a:ext cx="349396" cy="569765"/>
+            <a:chOff x="5942457" y="2636901"/>
+            <a:chExt cx="441579" cy="720090"/>
+          </a:xfrm>
+        </p:grpSpPr>
+        <p:cxnSp>
+          <p:nvCxnSpPr>
+            <p:cNvPr id="17" name="직선 연결선 16">
+              <a:extLst>
+                <a:ext uri="{FF2B5EF4-FFF2-40B4-BE49-F238E27FC236}">
+                  <a16:creationId xmlns:a16="http://schemas.microsoft.com/office/drawing/2014/main" id="{C3D2AA4D-9118-40DD-BC9F-B695F2EAD107}"/>
+                </a:ext>
+              </a:extLst>
+            </p:cNvPr>
+            <p:cNvCxnSpPr/>
+            <p:nvPr/>
+          </p:nvCxnSpPr>
+          <p:spPr>
+            <a:xfrm>
+              <a:off x="5942457" y="2636901"/>
+              <a:ext cx="432054" cy="0"/>
+            </a:xfrm>
+            <a:prstGeom prst="line">
+              <a:avLst/>
+            </a:prstGeom>
+            <a:ln w="25400">
+              <a:solidFill>
+                <a:schemeClr val="lt1"/>
+              </a:solidFill>
+            </a:ln>
+          </p:spPr>
+          <p:style>
+            <a:lnRef idx="1">
+              <a:schemeClr val="accent1"/>
+            </a:lnRef>
+            <a:fillRef idx="0">
+              <a:schemeClr val="accent1"/>
+            </a:fillRef>
+            <a:effectRef idx="0">
+              <a:schemeClr val="accent1"/>
+            </a:effectRef>
+            <a:fontRef idx="minor">
+              <a:schemeClr val="tx1"/>
+            </a:fontRef>
+          </p:style>
+        </p:cxnSp>
+        <p:cxnSp>
+          <p:nvCxnSpPr>
+            <p:cNvPr id="18" name="직선 연결선 17">
+              <a:extLst>
+                <a:ext uri="{FF2B5EF4-FFF2-40B4-BE49-F238E27FC236}">
+                  <a16:creationId xmlns:a16="http://schemas.microsoft.com/office/drawing/2014/main" id="{BEE34002-4B3B-42AA-ABAD-26D245DFABDD}"/>
+                </a:ext>
+              </a:extLst>
+            </p:cNvPr>
+            <p:cNvCxnSpPr/>
+            <p:nvPr/>
+          </p:nvCxnSpPr>
+          <p:spPr>
+            <a:xfrm>
+              <a:off x="5944362" y="2780919"/>
+              <a:ext cx="432054" cy="0"/>
+            </a:xfrm>
+            <a:prstGeom prst="line">
+              <a:avLst/>
+            </a:prstGeom>
+            <a:ln w="25400">
+              <a:solidFill>
+                <a:schemeClr val="lt1"/>
+              </a:solidFill>
+            </a:ln>
+          </p:spPr>
+          <p:style>
+            <a:lnRef idx="1">
+              <a:schemeClr val="accent1"/>
+            </a:lnRef>
+            <a:fillRef idx="0">
+              <a:schemeClr val="accent1"/>
+            </a:fillRef>
+            <a:effectRef idx="0">
+              <a:schemeClr val="accent1"/>
+            </a:effectRef>
+            <a:fontRef idx="minor">
+              <a:schemeClr val="tx1"/>
+            </a:fontRef>
+          </p:style>
+        </p:cxnSp>
+        <p:cxnSp>
+          <p:nvCxnSpPr>
+            <p:cNvPr id="19" name="직선 연결선 18">
+              <a:extLst>
+                <a:ext uri="{FF2B5EF4-FFF2-40B4-BE49-F238E27FC236}">
+                  <a16:creationId xmlns:a16="http://schemas.microsoft.com/office/drawing/2014/main" id="{1F19B425-4FDF-4C1E-9965-CAEF571C9A8F}"/>
+                </a:ext>
+              </a:extLst>
+            </p:cNvPr>
+            <p:cNvCxnSpPr/>
+            <p:nvPr/>
+          </p:nvCxnSpPr>
+          <p:spPr>
+            <a:xfrm>
+              <a:off x="5946267" y="2924937"/>
+              <a:ext cx="432054" cy="0"/>
+            </a:xfrm>
+            <a:prstGeom prst="line">
+              <a:avLst/>
+            </a:prstGeom>
+            <a:ln w="25400">
+              <a:solidFill>
+                <a:schemeClr val="lt1"/>
+              </a:solidFill>
+            </a:ln>
+          </p:spPr>
+          <p:style>
+            <a:lnRef idx="1">
+              <a:schemeClr val="accent1"/>
+            </a:lnRef>
+            <a:fillRef idx="0">
+              <a:schemeClr val="accent1"/>
+            </a:fillRef>
+            <a:effectRef idx="0">
+              <a:schemeClr val="accent1"/>
+            </a:effectRef>
+            <a:fontRef idx="minor">
+              <a:schemeClr val="tx1"/>
+            </a:fontRef>
+          </p:style>
+        </p:cxnSp>
+        <p:cxnSp>
+          <p:nvCxnSpPr>
+            <p:cNvPr id="20" name="직선 연결선 19">
+              <a:extLst>
+                <a:ext uri="{FF2B5EF4-FFF2-40B4-BE49-F238E27FC236}">
+                  <a16:creationId xmlns:a16="http://schemas.microsoft.com/office/drawing/2014/main" id="{922FA6C7-D0B2-4557-98AB-B843D1FFB279}"/>
+                </a:ext>
+              </a:extLst>
+            </p:cNvPr>
+            <p:cNvCxnSpPr/>
+            <p:nvPr/>
+          </p:nvCxnSpPr>
+          <p:spPr>
+            <a:xfrm>
+              <a:off x="5948172" y="3068955"/>
+              <a:ext cx="432054" cy="0"/>
+            </a:xfrm>
+            <a:prstGeom prst="line">
+              <a:avLst/>
+            </a:prstGeom>
+            <a:ln w="25400">
+              <a:solidFill>
+                <a:schemeClr val="lt1"/>
+              </a:solidFill>
+            </a:ln>
+          </p:spPr>
+          <p:style>
+            <a:lnRef idx="1">
+              <a:schemeClr val="accent1"/>
+            </a:lnRef>
+            <a:fillRef idx="0">
+              <a:schemeClr val="accent1"/>
+            </a:fillRef>
+            <a:effectRef idx="0">
+              <a:schemeClr val="accent1"/>
+            </a:effectRef>
+            <a:fontRef idx="minor">
+              <a:schemeClr val="tx1"/>
+            </a:fontRef>
+          </p:style>
+        </p:cxnSp>
+        <p:cxnSp>
+          <p:nvCxnSpPr>
+            <p:cNvPr id="21" name="직선 연결선 20">
+              <a:extLst>
+                <a:ext uri="{FF2B5EF4-FFF2-40B4-BE49-F238E27FC236}">
+                  <a16:creationId xmlns:a16="http://schemas.microsoft.com/office/drawing/2014/main" id="{49F82A89-B23F-4E9A-BCD2-E37325665998}"/>
+                </a:ext>
+              </a:extLst>
+            </p:cNvPr>
+            <p:cNvCxnSpPr/>
+            <p:nvPr/>
+          </p:nvCxnSpPr>
+          <p:spPr>
+            <a:xfrm>
+              <a:off x="5950077" y="3212973"/>
+              <a:ext cx="432054" cy="0"/>
+            </a:xfrm>
+            <a:prstGeom prst="line">
+              <a:avLst/>
+            </a:prstGeom>
+            <a:ln w="25400">
+              <a:solidFill>
+                <a:schemeClr val="lt1"/>
+              </a:solidFill>
+            </a:ln>
+          </p:spPr>
+          <p:style>
+            <a:lnRef idx="1">
+              <a:schemeClr val="accent1"/>
+            </a:lnRef>
+            <a:fillRef idx="0">
+              <a:schemeClr val="accent1"/>
+            </a:fillRef>
+            <a:effectRef idx="0">
+              <a:schemeClr val="accent1"/>
+            </a:effectRef>
+            <a:fontRef idx="minor">
+              <a:schemeClr val="tx1"/>
+            </a:fontRef>
+          </p:style>
+        </p:cxnSp>
+        <p:cxnSp>
+          <p:nvCxnSpPr>
+            <p:cNvPr id="22" name="직선 연결선 21">
+              <a:extLst>
+                <a:ext uri="{FF2B5EF4-FFF2-40B4-BE49-F238E27FC236}">
+                  <a16:creationId xmlns:a16="http://schemas.microsoft.com/office/drawing/2014/main" id="{9DD9FECF-D58B-4F23-998E-F955B6015A23}"/>
+                </a:ext>
+              </a:extLst>
+            </p:cNvPr>
+            <p:cNvCxnSpPr/>
+            <p:nvPr/>
+          </p:nvCxnSpPr>
+          <p:spPr>
+            <a:xfrm>
+              <a:off x="5951982" y="3356991"/>
+              <a:ext cx="432054" cy="0"/>
+            </a:xfrm>
+            <a:prstGeom prst="line">
+              <a:avLst/>
+            </a:prstGeom>
+            <a:ln w="25400">
+              <a:solidFill>
+                <a:schemeClr val="lt1"/>
+              </a:solidFill>
+            </a:ln>
+          </p:spPr>
+          <p:style>
+            <a:lnRef idx="1">
+              <a:schemeClr val="accent1"/>
+            </a:lnRef>
+            <a:fillRef idx="0">
+              <a:schemeClr val="accent1"/>
+            </a:fillRef>
+            <a:effectRef idx="0">
+              <a:schemeClr val="accent1"/>
+            </a:effectRef>
+            <a:fontRef idx="minor">
+              <a:schemeClr val="tx1"/>
+            </a:fontRef>
+          </p:style>
+        </p:cxnSp>
+      </p:grpSp>
+      <p:sp>
+        <p:nvSpPr>
+          <p:cNvPr id="5" name="타원형 설명선 6">
+            <a:extLst>
+              <a:ext uri="{FF2B5EF4-FFF2-40B4-BE49-F238E27FC236}">
+                <a16:creationId xmlns:a16="http://schemas.microsoft.com/office/drawing/2014/main" id="{2CF3A983-F82F-4FD0-A033-63A71295B645}"/>
+              </a:ext>
+            </a:extLst>
+          </p:cNvPr>
+          <p:cNvSpPr/>
+          <p:nvPr/>
+        </p:nvSpPr>
+        <p:spPr>
+          <a:xfrm>
+            <a:off x="6860951" y="754900"/>
+            <a:ext cx="1508320" cy="1538366"/>
+          </a:xfrm>
+          <a:prstGeom prst="wedgeEllipseCallout">
+            <a:avLst>
+              <a:gd name="adj1" fmla="val 62249"/>
+              <a:gd name="adj2" fmla="val 19396"/>
+            </a:avLst>
+          </a:prstGeom>
+          <a:solidFill>
+            <a:schemeClr val="lt1"/>
+          </a:solidFill>
+          <a:ln>
+            <a:solidFill>
+              <a:srgbClr val="EA5A47"/>
+            </a:solidFill>
+          </a:ln>
+        </p:spPr>
+        <p:style>
+          <a:lnRef idx="2">
+            <a:schemeClr val="accent1">
+              <a:shade val="20000"/>
+            </a:schemeClr>
+          </a:lnRef>
+          <a:fillRef idx="1">
+            <a:schemeClr val="accent1"/>
+          </a:fillRef>
+          <a:effectRef idx="0">
+            <a:schemeClr val="accent1"/>
+          </a:effectRef>
+          <a:fontRef idx="minor">
+            <a:schemeClr val="lt1"/>
+          </a:fontRef>
+        </p:style>
+        <p:txBody>
+          <a:bodyPr vert="horz" wrap="square" tIns="45720" rIns="91440" bIns="45720" anchor="ctr"/>
+          <a:lstStyle/>
+          <a:p>
+            <a:pPr algn="ctr" latinLnBrk="0">
+              <a:defRPr/>
+            </a:pPr>
+            <a:r>
+              <a:rPr lang="ko-KR" altLang="en-US">
+                <a:solidFill>
+                  <a:srgbClr val="EA5A47"/>
+                </a:solidFill>
+              </a:rPr>
+              <a:t>사용중 </a:t>
+            </a:r>
+            <a:r>
+              <a:rPr lang="en-US" altLang="ko-KR">
+                <a:solidFill>
+                  <a:srgbClr val="EA5A47"/>
+                </a:solidFill>
+              </a:rPr>
+              <a:t>or</a:t>
+            </a:r>
+            <a:r>
+              <a:rPr lang="ko-KR" altLang="en-US">
+                <a:solidFill>
+                  <a:srgbClr val="EA5A47"/>
+                </a:solidFill>
+              </a:rPr>
+              <a:t> 사용가능</a:t>
+            </a:r>
+          </a:p>
+        </p:txBody>
+      </p:sp>
+      <p:pic>
+        <p:nvPicPr>
+          <p:cNvPr id="35" name="그림 34">
+            <a:extLst>
+              <a:ext uri="{FF2B5EF4-FFF2-40B4-BE49-F238E27FC236}">
+                <a16:creationId xmlns:a16="http://schemas.microsoft.com/office/drawing/2014/main" id="{E97301E9-B38E-4926-9A17-6CA9CE3A5BD3}"/>
+              </a:ext>
+            </a:extLst>
+          </p:cNvPr>
+          <p:cNvPicPr>
+            <a:picLocks noChangeAspect="1"/>
+          </p:cNvPicPr>
+          <p:nvPr/>
+        </p:nvPicPr>
+        <p:blipFill rotWithShape="1">
+          <a:blip r:embed="rId2"/>
+          <a:srcRect t="10221"/>
+          <a:stretch/>
+        </p:blipFill>
+        <p:spPr>
+          <a:xfrm>
+            <a:off x="7209587" y="3174744"/>
+            <a:ext cx="1931831" cy="2939558"/>
+          </a:xfrm>
+          <a:prstGeom prst="rect">
+            <a:avLst/>
+          </a:prstGeom>
+          <a:effectLst>
+            <a:outerShdw blurRad="50800" dist="38100" dir="2700000" algn="tl" rotWithShape="0">
+              <a:prstClr val="black">
+                <a:alpha val="40000"/>
+              </a:prstClr>
+            </a:outerShdw>
+          </a:effectLst>
+        </p:spPr>
+      </p:pic>
+      <p:pic>
+        <p:nvPicPr>
+          <p:cNvPr id="36" name="그림 35">
+            <a:extLst>
+              <a:ext uri="{FF2B5EF4-FFF2-40B4-BE49-F238E27FC236}">
+                <a16:creationId xmlns:a16="http://schemas.microsoft.com/office/drawing/2014/main" id="{8CE8C0D2-A5BF-4352-A356-37D0C5DF31C7}"/>
+              </a:ext>
+            </a:extLst>
+          </p:cNvPr>
+          <p:cNvPicPr>
+            <a:picLocks noChangeAspect="1"/>
+          </p:cNvPicPr>
+          <p:nvPr/>
+        </p:nvPicPr>
+        <p:blipFill rotWithShape="1">
+          <a:blip r:embed="rId3"/>
+          <a:srcRect t="10221"/>
+          <a:stretch/>
+        </p:blipFill>
+        <p:spPr>
+          <a:xfrm>
+            <a:off x="9421753" y="3167207"/>
+            <a:ext cx="1931831" cy="2939558"/>
+          </a:xfrm>
+          <a:prstGeom prst="rect">
+            <a:avLst/>
+          </a:prstGeom>
+          <a:effectLst>
+            <a:outerShdw blurRad="50800" dist="38100" dir="2700000" algn="tl" rotWithShape="0">
+              <a:prstClr val="black">
+                <a:alpha val="40000"/>
+              </a:prstClr>
+            </a:outerShdw>
+          </a:effectLst>
+        </p:spPr>
+      </p:pic>
+      <p:sp>
+        <p:nvSpPr>
+          <p:cNvPr id="37" name="직사각형 36">
+            <a:extLst>
+              <a:ext uri="{FF2B5EF4-FFF2-40B4-BE49-F238E27FC236}">
+                <a16:creationId xmlns:a16="http://schemas.microsoft.com/office/drawing/2014/main" id="{8E1698C0-CEAF-422C-97D6-8762F7456D35}"/>
+              </a:ext>
+            </a:extLst>
+          </p:cNvPr>
+          <p:cNvSpPr/>
+          <p:nvPr/>
+        </p:nvSpPr>
+        <p:spPr>
+          <a:xfrm>
+            <a:off x="10598775" y="1296177"/>
+            <a:ext cx="539719" cy="227906"/>
+          </a:xfrm>
+          <a:prstGeom prst="rect">
+            <a:avLst/>
+          </a:prstGeom>
+          <a:solidFill>
+            <a:srgbClr val="ACF0F2"/>
+          </a:solidFill>
+          <a:ln>
+            <a:noFill/>
+          </a:ln>
+        </p:spPr>
+        <p:style>
+          <a:lnRef idx="2">
+            <a:schemeClr val="accent1">
+              <a:shade val="20000"/>
+            </a:schemeClr>
+          </a:lnRef>
+          <a:fillRef idx="1">
+            <a:schemeClr val="accent1"/>
+          </a:fillRef>
+          <a:effectRef idx="0">
+            <a:schemeClr val="accent1"/>
+          </a:effectRef>
+          <a:fontRef idx="minor">
+            <a:schemeClr val="lt1"/>
+          </a:fontRef>
+        </p:style>
+        <p:txBody>
+          <a:bodyPr vert="horz" wrap="square" tIns="45720" rIns="91440" bIns="45720" anchor="ctr"/>
+          <a:lstStyle/>
+          <a:p>
+            <a:pPr algn="ctr" latinLnBrk="0">
+              <a:defRPr/>
+            </a:pPr>
+            <a:endParaRPr lang="ko-KR" altLang="en-US"/>
+          </a:p>
+        </p:txBody>
+      </p:sp>
+      <p:sp>
+        <p:nvSpPr>
+          <p:cNvPr id="38" name="직사각형 37">
+            <a:extLst>
+              <a:ext uri="{FF2B5EF4-FFF2-40B4-BE49-F238E27FC236}">
+                <a16:creationId xmlns:a16="http://schemas.microsoft.com/office/drawing/2014/main" id="{23E454E6-35E0-40F8-8FFE-76C22E133A3D}"/>
+              </a:ext>
+            </a:extLst>
+          </p:cNvPr>
+          <p:cNvSpPr/>
+          <p:nvPr/>
+        </p:nvSpPr>
+        <p:spPr>
+          <a:xfrm>
+            <a:off x="10598775" y="1609548"/>
+            <a:ext cx="539719" cy="769183"/>
+          </a:xfrm>
+          <a:prstGeom prst="rect">
+            <a:avLst/>
+          </a:prstGeom>
+          <a:solidFill>
+            <a:srgbClr val="ACF0F2"/>
+          </a:solidFill>
+          <a:ln>
+            <a:noFill/>
+          </a:ln>
+        </p:spPr>
+        <p:style>
+          <a:lnRef idx="2">
+            <a:schemeClr val="accent1">
+              <a:shade val="20000"/>
+            </a:schemeClr>
+          </a:lnRef>
+          <a:fillRef idx="1">
+            <a:schemeClr val="accent1"/>
+          </a:fillRef>
+          <a:effectRef idx="0">
+            <a:schemeClr val="accent1"/>
+          </a:effectRef>
+          <a:fontRef idx="minor">
+            <a:schemeClr val="lt1"/>
+          </a:fontRef>
+        </p:style>
+        <p:txBody>
+          <a:bodyPr vert="horz" wrap="square" tIns="45720" rIns="91440" bIns="45720" anchor="ctr"/>
+          <a:lstStyle/>
+          <a:p>
+            <a:pPr algn="ctr" latinLnBrk="0">
+              <a:defRPr/>
+            </a:pPr>
+            <a:endParaRPr lang="ko-KR" altLang="en-US"/>
+          </a:p>
+        </p:txBody>
+      </p:sp>
+      <p:grpSp>
+        <p:nvGrpSpPr>
+          <p:cNvPr id="39" name="그룹 38">
+            <a:extLst>
+              <a:ext uri="{FF2B5EF4-FFF2-40B4-BE49-F238E27FC236}">
+                <a16:creationId xmlns:a16="http://schemas.microsoft.com/office/drawing/2014/main" id="{51162747-B599-4EF7-A7F1-86A505D3B6AD}"/>
+              </a:ext>
+            </a:extLst>
+          </p:cNvPr>
+          <p:cNvGrpSpPr/>
+          <p:nvPr/>
+        </p:nvGrpSpPr>
+        <p:grpSpPr>
+          <a:xfrm>
+            <a:off x="10693937" y="1714306"/>
+            <a:ext cx="349396" cy="569765"/>
+            <a:chOff x="5942457" y="2636901"/>
+            <a:chExt cx="441579" cy="720090"/>
+          </a:xfrm>
+        </p:grpSpPr>
+        <p:cxnSp>
+          <p:nvCxnSpPr>
+            <p:cNvPr id="40" name="직선 연결선 39">
+              <a:extLst>
+                <a:ext uri="{FF2B5EF4-FFF2-40B4-BE49-F238E27FC236}">
+                  <a16:creationId xmlns:a16="http://schemas.microsoft.com/office/drawing/2014/main" id="{6BBF6EA5-44B2-48BB-8573-A6614416CA0B}"/>
+                </a:ext>
+              </a:extLst>
+            </p:cNvPr>
+            <p:cNvCxnSpPr/>
+            <p:nvPr/>
+          </p:nvCxnSpPr>
+          <p:spPr>
+            <a:xfrm>
+              <a:off x="5942457" y="2636901"/>
+              <a:ext cx="432054" cy="0"/>
+            </a:xfrm>
+            <a:prstGeom prst="line">
+              <a:avLst/>
+            </a:prstGeom>
+            <a:ln w="25400">
+              <a:solidFill>
+                <a:schemeClr val="lt1"/>
+              </a:solidFill>
+            </a:ln>
+          </p:spPr>
+          <p:style>
+            <a:lnRef idx="1">
+              <a:schemeClr val="accent1"/>
+            </a:lnRef>
+            <a:fillRef idx="0">
+              <a:schemeClr val="accent1"/>
+            </a:fillRef>
+            <a:effectRef idx="0">
+              <a:schemeClr val="accent1"/>
+            </a:effectRef>
+            <a:fontRef idx="minor">
+              <a:schemeClr val="tx1"/>
+            </a:fontRef>
+          </p:style>
+        </p:cxnSp>
+        <p:cxnSp>
+          <p:nvCxnSpPr>
+            <p:cNvPr id="41" name="직선 연결선 40">
+              <a:extLst>
+                <a:ext uri="{FF2B5EF4-FFF2-40B4-BE49-F238E27FC236}">
+                  <a16:creationId xmlns:a16="http://schemas.microsoft.com/office/drawing/2014/main" id="{036A3868-D60F-4C38-B59A-55C52CE88015}"/>
+                </a:ext>
+              </a:extLst>
+            </p:cNvPr>
+            <p:cNvCxnSpPr/>
+            <p:nvPr/>
+          </p:nvCxnSpPr>
+          <p:spPr>
+            <a:xfrm>
+              <a:off x="5944362" y="2780919"/>
+              <a:ext cx="432054" cy="0"/>
+            </a:xfrm>
+            <a:prstGeom prst="line">
+              <a:avLst/>
+            </a:prstGeom>
+            <a:ln w="25400">
+              <a:solidFill>
+                <a:schemeClr val="lt1"/>
+              </a:solidFill>
+            </a:ln>
+          </p:spPr>
+          <p:style>
+            <a:lnRef idx="1">
+              <a:schemeClr val="accent1"/>
+            </a:lnRef>
+            <a:fillRef idx="0">
+              <a:schemeClr val="accent1"/>
+            </a:fillRef>
+            <a:effectRef idx="0">
+              <a:schemeClr val="accent1"/>
+            </a:effectRef>
+            <a:fontRef idx="minor">
+              <a:schemeClr val="tx1"/>
+            </a:fontRef>
+          </p:style>
+        </p:cxnSp>
+        <p:cxnSp>
+          <p:nvCxnSpPr>
+            <p:cNvPr id="42" name="직선 연결선 41">
+              <a:extLst>
+                <a:ext uri="{FF2B5EF4-FFF2-40B4-BE49-F238E27FC236}">
+                  <a16:creationId xmlns:a16="http://schemas.microsoft.com/office/drawing/2014/main" id="{64AFD227-2CD3-4094-B823-6B8367E9BE1B}"/>
+                </a:ext>
+              </a:extLst>
+            </p:cNvPr>
+            <p:cNvCxnSpPr/>
+            <p:nvPr/>
+          </p:nvCxnSpPr>
+          <p:spPr>
+            <a:xfrm>
+              <a:off x="5946267" y="2924937"/>
+              <a:ext cx="432054" cy="0"/>
+            </a:xfrm>
+            <a:prstGeom prst="line">
+              <a:avLst/>
+            </a:prstGeom>
+            <a:ln w="25400">
+              <a:solidFill>
+                <a:schemeClr val="lt1"/>
+              </a:solidFill>
+            </a:ln>
+          </p:spPr>
+          <p:style>
+            <a:lnRef idx="1">
+              <a:schemeClr val="accent1"/>
+            </a:lnRef>
+            <a:fillRef idx="0">
+              <a:schemeClr val="accent1"/>
+            </a:fillRef>
+            <a:effectRef idx="0">
+              <a:schemeClr val="accent1"/>
+            </a:effectRef>
+            <a:fontRef idx="minor">
+              <a:schemeClr val="tx1"/>
+            </a:fontRef>
+          </p:style>
+        </p:cxnSp>
+        <p:cxnSp>
+          <p:nvCxnSpPr>
+            <p:cNvPr id="43" name="직선 연결선 42">
+              <a:extLst>
+                <a:ext uri="{FF2B5EF4-FFF2-40B4-BE49-F238E27FC236}">
+                  <a16:creationId xmlns:a16="http://schemas.microsoft.com/office/drawing/2014/main" id="{A5322D95-FF39-44AD-BD94-CD832C2C7749}"/>
+                </a:ext>
+              </a:extLst>
+            </p:cNvPr>
+            <p:cNvCxnSpPr/>
+            <p:nvPr/>
+          </p:nvCxnSpPr>
+          <p:spPr>
+            <a:xfrm>
+              <a:off x="5948172" y="3068955"/>
+              <a:ext cx="432054" cy="0"/>
+            </a:xfrm>
+            <a:prstGeom prst="line">
+              <a:avLst/>
+            </a:prstGeom>
+            <a:ln w="25400">
+              <a:solidFill>
+                <a:schemeClr val="lt1"/>
+              </a:solidFill>
+            </a:ln>
+          </p:spPr>
+          <p:style>
+            <a:lnRef idx="1">
+              <a:schemeClr val="accent1"/>
+            </a:lnRef>
+            <a:fillRef idx="0">
+              <a:schemeClr val="accent1"/>
+            </a:fillRef>
+            <a:effectRef idx="0">
+              <a:schemeClr val="accent1"/>
+            </a:effectRef>
+            <a:fontRef idx="minor">
+              <a:schemeClr val="tx1"/>
+            </a:fontRef>
+          </p:style>
+        </p:cxnSp>
+        <p:cxnSp>
+          <p:nvCxnSpPr>
+            <p:cNvPr id="44" name="직선 연결선 43">
+              <a:extLst>
+                <a:ext uri="{FF2B5EF4-FFF2-40B4-BE49-F238E27FC236}">
+                  <a16:creationId xmlns:a16="http://schemas.microsoft.com/office/drawing/2014/main" id="{A751C77E-5297-4CB4-84D0-61FE222B88D1}"/>
+                </a:ext>
+              </a:extLst>
+            </p:cNvPr>
+            <p:cNvCxnSpPr/>
+            <p:nvPr/>
+          </p:nvCxnSpPr>
+          <p:spPr>
+            <a:xfrm>
+              <a:off x="5950077" y="3212973"/>
+              <a:ext cx="432054" cy="0"/>
+            </a:xfrm>
+            <a:prstGeom prst="line">
+              <a:avLst/>
+            </a:prstGeom>
+            <a:ln w="25400">
+              <a:solidFill>
+                <a:schemeClr val="lt1"/>
+              </a:solidFill>
+            </a:ln>
+          </p:spPr>
+          <p:style>
+            <a:lnRef idx="1">
+              <a:schemeClr val="accent1"/>
+            </a:lnRef>
+            <a:fillRef idx="0">
+              <a:schemeClr val="accent1"/>
+            </a:fillRef>
+            <a:effectRef idx="0">
+              <a:schemeClr val="accent1"/>
+            </a:effectRef>
+            <a:fontRef idx="minor">
+              <a:schemeClr val="tx1"/>
+            </a:fontRef>
+          </p:style>
+        </p:cxnSp>
+        <p:cxnSp>
+          <p:nvCxnSpPr>
+            <p:cNvPr id="45" name="직선 연결선 44">
+              <a:extLst>
+                <a:ext uri="{FF2B5EF4-FFF2-40B4-BE49-F238E27FC236}">
+                  <a16:creationId xmlns:a16="http://schemas.microsoft.com/office/drawing/2014/main" id="{19EE735B-34A2-47EA-85DD-77B7D11A9AF7}"/>
+                </a:ext>
+              </a:extLst>
+            </p:cNvPr>
+            <p:cNvCxnSpPr/>
+            <p:nvPr/>
+          </p:nvCxnSpPr>
+          <p:spPr>
+            <a:xfrm>
+              <a:off x="5951982" y="3356991"/>
+              <a:ext cx="432054" cy="0"/>
+            </a:xfrm>
+            <a:prstGeom prst="line">
+              <a:avLst/>
+            </a:prstGeom>
+            <a:ln w="25400">
+              <a:solidFill>
+                <a:schemeClr val="lt1"/>
+              </a:solidFill>
+            </a:ln>
+          </p:spPr>
+          <p:style>
+            <a:lnRef idx="1">
+              <a:schemeClr val="accent1"/>
+            </a:lnRef>
+            <a:fillRef idx="0">
+              <a:schemeClr val="accent1"/>
+            </a:fillRef>
+            <a:effectRef idx="0">
+              <a:schemeClr val="accent1"/>
+            </a:effectRef>
+            <a:fontRef idx="minor">
+              <a:schemeClr val="tx1"/>
+            </a:fontRef>
+          </p:style>
+        </p:cxnSp>
+      </p:grpSp>
+      <p:sp>
+        <p:nvSpPr>
+          <p:cNvPr id="47" name="사각형: 둥근 모서리 46">
+            <a:extLst>
+              <a:ext uri="{FF2B5EF4-FFF2-40B4-BE49-F238E27FC236}">
+                <a16:creationId xmlns:a16="http://schemas.microsoft.com/office/drawing/2014/main" id="{DCC4B84D-F272-404C-AC94-671D30CB1E47}"/>
+              </a:ext>
+            </a:extLst>
+          </p:cNvPr>
+          <p:cNvSpPr/>
+          <p:nvPr/>
+        </p:nvSpPr>
+        <p:spPr>
+          <a:xfrm>
+            <a:off x="618621" y="634547"/>
+            <a:ext cx="5961995" cy="5588905"/>
+          </a:xfrm>
+          <a:prstGeom prst="roundRect">
+            <a:avLst>
+              <a:gd name="adj" fmla="val 0"/>
+            </a:avLst>
+          </a:prstGeom>
+          <a:solidFill>
+            <a:schemeClr val="bg1">
+              <a:alpha val="95000"/>
+            </a:schemeClr>
+          </a:solidFill>
+          <a:ln w="38100">
+            <a:solidFill>
+              <a:schemeClr val="bg1">
+                <a:lumMod val="95000"/>
+              </a:schemeClr>
+            </a:solidFill>
+          </a:ln>
+          <a:effectLst>
+            <a:glow rad="63500">
+              <a:schemeClr val="accent3">
+                <a:satMod val="175000"/>
+                <a:alpha val="5000"/>
+              </a:schemeClr>
+            </a:glow>
+          </a:effectLst>
+        </p:spPr>
+        <p:style>
+          <a:lnRef idx="2">
+            <a:schemeClr val="accent1">
+              <a:shade val="50000"/>
+            </a:schemeClr>
+          </a:lnRef>
+          <a:fillRef idx="1">
+            <a:schemeClr val="accent1"/>
+          </a:fillRef>
+          <a:effectRef idx="0">
+            <a:schemeClr val="accent1"/>
+          </a:effectRef>
+          <a:fontRef idx="minor">
+            <a:schemeClr val="lt1"/>
+          </a:fontRef>
+        </p:style>
+        <p:txBody>
+          <a:bodyPr rot="0" spcFirstLastPara="0" vertOverflow="overflow" horzOverflow="overflow" vert="horz" wrap="square" lIns="360000" tIns="360000" rIns="360000" bIns="360000" numCol="1" spcCol="0" rtlCol="0" fromWordArt="0" anchor="ctr" anchorCtr="0" forceAA="0" compatLnSpc="1">
+            <a:prstTxWarp prst="textNoShape">
+              <a:avLst/>
+            </a:prstTxWarp>
+            <a:noAutofit/>
+          </a:bodyPr>
+          <a:lstStyle/>
+          <a:p>
+            <a:pPr latinLnBrk="0">
+              <a:lnSpc>
+                <a:spcPct val="150000"/>
+              </a:lnSpc>
+              <a:spcBef>
+                <a:spcPts val="576"/>
+              </a:spcBef>
+              <a:spcAft>
+                <a:spcPct val="2000"/>
+              </a:spcAft>
+              <a:defRPr lang="ko-KR" altLang="en-US"/>
+            </a:pPr>
+            <a:r>
+              <a:rPr lang="ko-KR" altLang="en-US">
+                <a:solidFill>
+                  <a:schemeClr val="tx1"/>
+                </a:solidFill>
+              </a:rPr>
+              <a:t>◎ 본 프로젝트와 유사한 사업으로는 도서관의 남은 자리를 확인하거나 실시간 빈자리를 확인할 수 있도록 하는 숭실대도서관</a:t>
+            </a:r>
+            <a:r>
+              <a:rPr lang="en-US" altLang="ko-KR">
+                <a:solidFill>
+                  <a:schemeClr val="tx1"/>
+                </a:solidFill>
+              </a:rPr>
+              <a:t>,</a:t>
+            </a:r>
+            <a:r>
+              <a:rPr lang="ko-KR" altLang="en-US">
+                <a:solidFill>
+                  <a:schemeClr val="tx1"/>
+                </a:solidFill>
+              </a:rPr>
+              <a:t> 교내 전자사물함의 빈자리를 확인해주는 프로그램도 있습니다</a:t>
+            </a:r>
+            <a:r>
+              <a:rPr lang="en-US" altLang="ko-KR">
+                <a:solidFill>
+                  <a:schemeClr val="tx1"/>
+                </a:solidFill>
+              </a:rPr>
+              <a:t>.</a:t>
+            </a:r>
+            <a:r>
+              <a:rPr lang="ko-KR" altLang="en-US">
+                <a:solidFill>
+                  <a:schemeClr val="tx1"/>
+                </a:solidFill>
+              </a:rPr>
+              <a:t> </a:t>
+            </a:r>
+            <a:endParaRPr lang="en-US" altLang="ko-KR">
+              <a:solidFill>
+                <a:schemeClr val="tx1"/>
+              </a:solidFill>
+            </a:endParaRPr>
+          </a:p>
+          <a:p>
+            <a:pPr latinLnBrk="0">
+              <a:lnSpc>
+                <a:spcPct val="150000"/>
+              </a:lnSpc>
+              <a:spcBef>
+                <a:spcPts val="576"/>
+              </a:spcBef>
+              <a:spcAft>
+                <a:spcPct val="2000"/>
+              </a:spcAft>
+              <a:defRPr lang="ko-KR" altLang="en-US"/>
+            </a:pPr>
+            <a:r>
+              <a:rPr lang="ko-KR" altLang="en-US">
+                <a:solidFill>
+                  <a:schemeClr val="tx1"/>
+                </a:solidFill>
+              </a:rPr>
+              <a:t>◎ 하지만 이와 같이 학생들의 학교생활을 위한 프로그램이 많이 있지만 그 밖의 일상생활을 위한 것은 없습니다</a:t>
+            </a:r>
+            <a:r>
+              <a:rPr lang="en-US" altLang="ko-KR">
+                <a:solidFill>
+                  <a:schemeClr val="tx1"/>
+                </a:solidFill>
+              </a:rPr>
+              <a:t>.</a:t>
+            </a:r>
+          </a:p>
+          <a:p>
+            <a:pPr latinLnBrk="0">
+              <a:lnSpc>
+                <a:spcPct val="150000"/>
+              </a:lnSpc>
+              <a:spcBef>
+                <a:spcPts val="576"/>
+              </a:spcBef>
+              <a:spcAft>
+                <a:spcPct val="2000"/>
+              </a:spcAft>
+              <a:defRPr lang="ko-KR" altLang="en-US"/>
+            </a:pPr>
+            <a:r>
+              <a:rPr lang="ko-KR" altLang="en-US">
+                <a:solidFill>
+                  <a:schemeClr val="tx1"/>
+                </a:solidFill>
+              </a:rPr>
+              <a:t>◎ 세탁기의 빈자리를 실시간으로 확인하고</a:t>
+            </a:r>
+            <a:r>
+              <a:rPr lang="en-US" altLang="ko-KR">
+                <a:solidFill>
+                  <a:schemeClr val="tx1"/>
+                </a:solidFill>
+              </a:rPr>
+              <a:t>, </a:t>
+            </a:r>
+            <a:r>
+              <a:rPr lang="ko-KR" altLang="en-US">
+                <a:solidFill>
+                  <a:schemeClr val="tx1"/>
+                </a:solidFill>
+              </a:rPr>
+              <a:t>사용중인 세탁기의 경우 얼마만큼 시간이 남았는 지 확인하도록 하는 프로그램을 개발한 후</a:t>
+            </a:r>
+            <a:r>
+              <a:rPr lang="en-US" altLang="ko-KR">
+                <a:solidFill>
+                  <a:schemeClr val="tx1"/>
+                </a:solidFill>
+              </a:rPr>
+              <a:t>, </a:t>
+            </a:r>
+            <a:r>
+              <a:rPr lang="ko-KR" altLang="en-US">
+                <a:solidFill>
+                  <a:schemeClr val="tx1"/>
+                </a:solidFill>
+              </a:rPr>
+              <a:t>그 밖의 일상생활에서 원격으로 확인이 필요한 것에 대해 발전하여 진출하는 것이 본 프로젝트의 목표입니다</a:t>
+            </a:r>
+            <a:r>
+              <a:rPr lang="en-US" altLang="ko-KR">
+                <a:solidFill>
+                  <a:schemeClr val="tx1"/>
+                </a:solidFill>
+              </a:rPr>
+              <a:t>.</a:t>
+            </a:r>
           </a:p>
         </p:txBody>
       </p:sp>
@@ -1534,6 +5626,376 @@
           <a:chExt cx="0" cy="0"/>
         </a:xfrm>
       </p:grpSpPr>
+      <p:grpSp>
+        <p:nvGrpSpPr>
+          <p:cNvPr id="9" name="그룹 8">
+            <a:extLst>
+              <a:ext uri="{FF2B5EF4-FFF2-40B4-BE49-F238E27FC236}">
+                <a16:creationId xmlns:a16="http://schemas.microsoft.com/office/drawing/2014/main" id="{D8BE8F7B-22AE-40D7-BB83-1640894E4CAB}"/>
+              </a:ext>
+            </a:extLst>
+          </p:cNvPr>
+          <p:cNvGrpSpPr/>
+          <p:nvPr/>
+        </p:nvGrpSpPr>
+        <p:grpSpPr>
+          <a:xfrm>
+            <a:off x="6696942" y="871192"/>
+            <a:ext cx="5119633" cy="5122433"/>
+            <a:chOff x="5148432" y="2349225"/>
+            <a:chExt cx="2880000" cy="2881575"/>
+          </a:xfrm>
+        </p:grpSpPr>
+        <p:sp>
+          <p:nvSpPr>
+            <p:cNvPr id="10" name="원형 화살표 9">
+              <a:extLst>
+                <a:ext uri="{FF2B5EF4-FFF2-40B4-BE49-F238E27FC236}">
+                  <a16:creationId xmlns:a16="http://schemas.microsoft.com/office/drawing/2014/main" id="{4877C662-17B2-40E9-B610-12230EA78112}"/>
+                </a:ext>
+              </a:extLst>
+            </p:cNvPr>
+            <p:cNvSpPr/>
+            <p:nvPr/>
+          </p:nvSpPr>
+          <p:spPr>
+            <a:xfrm>
+              <a:off x="5148432" y="2350800"/>
+              <a:ext cx="2880000" cy="2880000"/>
+            </a:xfrm>
+            <a:prstGeom prst="circularArrow">
+              <a:avLst>
+                <a:gd name="adj1" fmla="val 12500"/>
+                <a:gd name="adj2" fmla="val 1142319"/>
+                <a:gd name="adj3" fmla="val 20457681"/>
+                <a:gd name="adj4" fmla="val 10800000"/>
+                <a:gd name="adj5" fmla="val 12500"/>
+              </a:avLst>
+            </a:prstGeom>
+            <a:solidFill>
+              <a:srgbClr val="42C7F1">
+                <a:alpha val="40000"/>
+              </a:srgbClr>
+            </a:solidFill>
+            <a:ln>
+              <a:noFill/>
+            </a:ln>
+          </p:spPr>
+          <p:style>
+            <a:lnRef idx="2">
+              <a:schemeClr val="accent1">
+                <a:shade val="20000"/>
+              </a:schemeClr>
+            </a:lnRef>
+            <a:fillRef idx="1">
+              <a:schemeClr val="accent1"/>
+            </a:fillRef>
+            <a:effectRef idx="0">
+              <a:schemeClr val="accent1"/>
+            </a:effectRef>
+            <a:fontRef idx="minor">
+              <a:schemeClr val="lt1"/>
+            </a:fontRef>
+          </p:style>
+          <p:txBody>
+            <a:bodyPr vert="horz" wrap="square" lIns="91440" tIns="45720" rIns="91440" bIns="45720" anchor="ctr">
+              <a:noAutofit/>
+            </a:bodyPr>
+            <a:lstStyle/>
+            <a:p>
+              <a:pPr algn="ctr" latinLnBrk="0">
+                <a:defRPr lang="ko-KR" altLang="en-US"/>
+              </a:pPr>
+              <a:endParaRPr lang="en-US" altLang="ko-KR"/>
+            </a:p>
+          </p:txBody>
+        </p:sp>
+        <p:sp>
+          <p:nvSpPr>
+            <p:cNvPr id="11" name="원형 화살표 10">
+              <a:extLst>
+                <a:ext uri="{FF2B5EF4-FFF2-40B4-BE49-F238E27FC236}">
+                  <a16:creationId xmlns:a16="http://schemas.microsoft.com/office/drawing/2014/main" id="{042DAB88-DC00-44E0-A11B-44618BC3F2FE}"/>
+                </a:ext>
+              </a:extLst>
+            </p:cNvPr>
+            <p:cNvSpPr/>
+            <p:nvPr/>
+          </p:nvSpPr>
+          <p:spPr>
+            <a:xfrm flipH="1" flipV="1">
+              <a:off x="5148432" y="2349225"/>
+              <a:ext cx="2880000" cy="2880000"/>
+            </a:xfrm>
+            <a:prstGeom prst="circularArrow">
+              <a:avLst>
+                <a:gd name="adj1" fmla="val 12500"/>
+                <a:gd name="adj2" fmla="val 1142319"/>
+                <a:gd name="adj3" fmla="val 20457681"/>
+                <a:gd name="adj4" fmla="val 10800000"/>
+                <a:gd name="adj5" fmla="val 12500"/>
+              </a:avLst>
+            </a:prstGeom>
+            <a:solidFill>
+              <a:schemeClr val="accent4">
+                <a:lumMod val="40000"/>
+                <a:lumOff val="60000"/>
+                <a:alpha val="40000"/>
+              </a:schemeClr>
+            </a:solidFill>
+            <a:ln>
+              <a:noFill/>
+            </a:ln>
+          </p:spPr>
+          <p:style>
+            <a:lnRef idx="2">
+              <a:schemeClr val="accent1">
+                <a:shade val="20000"/>
+              </a:schemeClr>
+            </a:lnRef>
+            <a:fillRef idx="1">
+              <a:schemeClr val="accent1"/>
+            </a:fillRef>
+            <a:effectRef idx="0">
+              <a:schemeClr val="accent1"/>
+            </a:effectRef>
+            <a:fontRef idx="minor">
+              <a:schemeClr val="lt1"/>
+            </a:fontRef>
+          </p:style>
+          <p:txBody>
+            <a:bodyPr vert="horz" wrap="square" lIns="91440" tIns="45720" rIns="91440" bIns="45720" anchor="ctr">
+              <a:noAutofit/>
+            </a:bodyPr>
+            <a:lstStyle/>
+            <a:p>
+              <a:pPr algn="ctr" latinLnBrk="0">
+                <a:defRPr lang="ko-KR" altLang="en-US"/>
+              </a:pPr>
+              <a:endParaRPr lang="en-US" altLang="ko-KR"/>
+            </a:p>
+          </p:txBody>
+        </p:sp>
+      </p:grpSp>
+      <p:sp>
+        <p:nvSpPr>
+          <p:cNvPr id="14" name="사각형: 둥근 모서리 13">
+            <a:extLst>
+              <a:ext uri="{FF2B5EF4-FFF2-40B4-BE49-F238E27FC236}">
+                <a16:creationId xmlns:a16="http://schemas.microsoft.com/office/drawing/2014/main" id="{B67332CE-B8C3-4CE7-AD92-FD22B46E7B6C}"/>
+              </a:ext>
+            </a:extLst>
+          </p:cNvPr>
+          <p:cNvSpPr/>
+          <p:nvPr/>
+        </p:nvSpPr>
+        <p:spPr>
+          <a:xfrm>
+            <a:off x="618621" y="634547"/>
+            <a:ext cx="5961995" cy="5588905"/>
+          </a:xfrm>
+          <a:prstGeom prst="roundRect">
+            <a:avLst>
+              <a:gd name="adj" fmla="val 0"/>
+            </a:avLst>
+          </a:prstGeom>
+          <a:solidFill>
+            <a:schemeClr val="bg1">
+              <a:alpha val="95000"/>
+            </a:schemeClr>
+          </a:solidFill>
+          <a:ln w="38100">
+            <a:solidFill>
+              <a:schemeClr val="bg1">
+                <a:lumMod val="95000"/>
+              </a:schemeClr>
+            </a:solidFill>
+          </a:ln>
+          <a:effectLst>
+            <a:glow rad="63500">
+              <a:schemeClr val="accent3">
+                <a:satMod val="175000"/>
+                <a:alpha val="5000"/>
+              </a:schemeClr>
+            </a:glow>
+          </a:effectLst>
+        </p:spPr>
+        <p:style>
+          <a:lnRef idx="2">
+            <a:schemeClr val="accent1">
+              <a:shade val="50000"/>
+            </a:schemeClr>
+          </a:lnRef>
+          <a:fillRef idx="1">
+            <a:schemeClr val="accent1"/>
+          </a:fillRef>
+          <a:effectRef idx="0">
+            <a:schemeClr val="accent1"/>
+          </a:effectRef>
+          <a:fontRef idx="minor">
+            <a:schemeClr val="lt1"/>
+          </a:fontRef>
+        </p:style>
+        <p:txBody>
+          <a:bodyPr rot="0" spcFirstLastPara="0" vertOverflow="overflow" horzOverflow="overflow" vert="horz" wrap="square" lIns="360000" tIns="360000" rIns="360000" bIns="360000" numCol="1" spcCol="0" rtlCol="0" fromWordArt="0" anchor="ctr" anchorCtr="0" forceAA="0" compatLnSpc="1">
+            <a:prstTxWarp prst="textNoShape">
+              <a:avLst/>
+            </a:prstTxWarp>
+            <a:noAutofit/>
+          </a:bodyPr>
+          <a:lstStyle/>
+          <a:p>
+            <a:pPr latinLnBrk="0">
+              <a:lnSpc>
+                <a:spcPct val="150000"/>
+              </a:lnSpc>
+              <a:spcBef>
+                <a:spcPts val="576"/>
+              </a:spcBef>
+              <a:spcAft>
+                <a:spcPct val="2000"/>
+              </a:spcAft>
+              <a:defRPr lang="ko-KR" altLang="en-US"/>
+            </a:pPr>
+            <a:r>
+              <a:rPr lang="ko-KR" altLang="en-US">
+                <a:solidFill>
+                  <a:schemeClr val="tx1"/>
+                </a:solidFill>
+              </a:rPr>
+              <a:t>◎ 우선 학생들이 빈 세탁기가 있는 지 확인할 시간과 비용을 감소하게 해줍니다</a:t>
+            </a:r>
+            <a:r>
+              <a:rPr lang="en-US" altLang="ko-KR">
+                <a:solidFill>
+                  <a:schemeClr val="tx1"/>
+                </a:solidFill>
+              </a:rPr>
+              <a:t>.</a:t>
+            </a:r>
+          </a:p>
+          <a:p>
+            <a:pPr latinLnBrk="0">
+              <a:lnSpc>
+                <a:spcPct val="150000"/>
+              </a:lnSpc>
+              <a:spcBef>
+                <a:spcPts val="576"/>
+              </a:spcBef>
+              <a:spcAft>
+                <a:spcPct val="2000"/>
+              </a:spcAft>
+              <a:defRPr lang="ko-KR" altLang="en-US"/>
+            </a:pPr>
+            <a:r>
+              <a:rPr lang="ko-KR" altLang="en-US">
+                <a:solidFill>
+                  <a:schemeClr val="tx1"/>
+                </a:solidFill>
+              </a:rPr>
+              <a:t>◎ 세탁 관련 불만 및 분쟁을 막아줍니다</a:t>
+            </a:r>
+            <a:r>
+              <a:rPr lang="en-US" altLang="ko-KR">
+                <a:solidFill>
+                  <a:schemeClr val="tx1"/>
+                </a:solidFill>
+              </a:rPr>
+              <a:t>.</a:t>
+            </a:r>
+          </a:p>
+          <a:p>
+            <a:pPr latinLnBrk="0">
+              <a:lnSpc>
+                <a:spcPct val="150000"/>
+              </a:lnSpc>
+              <a:spcBef>
+                <a:spcPts val="576"/>
+              </a:spcBef>
+              <a:spcAft>
+                <a:spcPct val="2000"/>
+              </a:spcAft>
+              <a:defRPr lang="ko-KR" altLang="en-US"/>
+            </a:pPr>
+            <a:r>
+              <a:rPr lang="ko-KR" altLang="en-US">
+                <a:solidFill>
+                  <a:schemeClr val="tx1"/>
+                </a:solidFill>
+              </a:rPr>
+              <a:t>◎ 해당 프로젝트를 응용하여 다른 서비스로도 발전할 수 있습니다</a:t>
+            </a:r>
+            <a:r>
+              <a:rPr lang="en-US" altLang="ko-KR">
+                <a:solidFill>
+                  <a:schemeClr val="tx1"/>
+                </a:solidFill>
+              </a:rPr>
+              <a:t>.</a:t>
+            </a:r>
+          </a:p>
+          <a:p>
+            <a:pPr latinLnBrk="0">
+              <a:lnSpc>
+                <a:spcPct val="150000"/>
+              </a:lnSpc>
+              <a:spcBef>
+                <a:spcPts val="576"/>
+              </a:spcBef>
+              <a:spcAft>
+                <a:spcPct val="2000"/>
+              </a:spcAft>
+              <a:defRPr lang="ko-KR" altLang="en-US"/>
+            </a:pPr>
+            <a:r>
+              <a:rPr lang="ko-KR" altLang="en-US">
+                <a:solidFill>
+                  <a:schemeClr val="tx1"/>
+                </a:solidFill>
+              </a:rPr>
+              <a:t>◎ 학교와 학생간의 소통 매개체를 만듦으로써 학교 생활에 많은 도움을 줄 수 있습니다</a:t>
+            </a:r>
+            <a:r>
+              <a:rPr lang="en-US" altLang="ko-KR">
+                <a:solidFill>
+                  <a:schemeClr val="tx1"/>
+                </a:solidFill>
+              </a:rPr>
+              <a:t>.</a:t>
+            </a:r>
+          </a:p>
+          <a:p>
+            <a:pPr latinLnBrk="0">
+              <a:lnSpc>
+                <a:spcPct val="150000"/>
+              </a:lnSpc>
+              <a:spcBef>
+                <a:spcPts val="576"/>
+              </a:spcBef>
+              <a:spcAft>
+                <a:spcPct val="2000"/>
+              </a:spcAft>
+              <a:defRPr lang="ko-KR" altLang="en-US"/>
+            </a:pPr>
+            <a:r>
+              <a:rPr lang="ko-KR" altLang="en-US">
+                <a:solidFill>
+                  <a:schemeClr val="tx1"/>
+                </a:solidFill>
+              </a:rPr>
+              <a:t>◎ 적은 예산으로도 다양한 장소에 빠르고 쉽게 구현할 수 있습니다</a:t>
+            </a:r>
+            <a:r>
+              <a:rPr lang="en-US" altLang="ko-KR">
+                <a:solidFill>
+                  <a:schemeClr val="tx1"/>
+                </a:solidFill>
+              </a:rPr>
+              <a:t>.</a:t>
+            </a:r>
+          </a:p>
+        </p:txBody>
+      </p:sp>
       <p:sp>
         <p:nvSpPr>
           <p:cNvPr id="2" name="텍스트 개체 틀 1">
@@ -1572,10 +6034,162 @@
       </p:sp>
       <p:sp>
         <p:nvSpPr>
-          <p:cNvPr id="3" name="TextBox 2">
+          <p:cNvPr id="4" name="내용 개체 틀 2">
             <a:extLst>
               <a:ext uri="{FF2B5EF4-FFF2-40B4-BE49-F238E27FC236}">
-                <a16:creationId xmlns:a16="http://schemas.microsoft.com/office/drawing/2014/main" id="{BD76A2B9-852D-493E-B973-75D6FEE18EDF}"/>
+                <a16:creationId xmlns:a16="http://schemas.microsoft.com/office/drawing/2014/main" id="{A03AE263-A7E3-4392-9FDC-A5DC94B2E0AD}"/>
+              </a:ext>
+            </a:extLst>
+          </p:cNvPr>
+          <p:cNvSpPr>
+            <a:spLocks noGrp="1"/>
+          </p:cNvSpPr>
+          <p:nvPr/>
+        </p:nvSpPr>
+        <p:spPr>
+          <a:xfrm>
+            <a:off x="784681" y="2396649"/>
+            <a:ext cx="4161600" cy="3768230"/>
+          </a:xfrm>
+        </p:spPr>
+        <p:txBody>
+          <a:bodyPr vert="horz" wrap="square" lIns="91440" tIns="45720" rIns="91440" bIns="45720" anchor="t">
+            <a:normAutofit/>
+          </a:bodyPr>
+          <a:lstStyle>
+            <a:lvl1pPr marL="0" indent="0" algn="l" defTabSz="232257" rtl="0">
+              <a:lnSpc>
+                <a:spcPct val="150000"/>
+              </a:lnSpc>
+              <a:spcBef>
+                <a:spcPct val="5000"/>
+              </a:spcBef>
+              <a:spcAft>
+                <a:spcPct val="12000"/>
+              </a:spcAft>
+              <a:buClr>
+                <a:srgbClr val="000000"/>
+              </a:buClr>
+              <a:buSzPct val="100000"/>
+              <a:buFont typeface="Arial"/>
+              <a:buNone/>
+              <a:defRPr kumimoji="0" sz="1500" b="0" i="0" u="none" strike="noStrike" kern="1200" cap="none" spc="0" normalizeH="0" baseline="0">
+                <a:solidFill>
+                  <a:srgbClr val="808080"/>
+                </a:solidFill>
+                <a:latin typeface="+mn-lt"/>
+                <a:ea typeface="+mn-ea"/>
+                <a:cs typeface="+mn-cs"/>
+              </a:defRPr>
+            </a:lvl1pPr>
+          </a:lstStyle>
+          <a:p>
+            <a:pPr latinLnBrk="0">
+              <a:spcBef>
+                <a:spcPts val="576"/>
+              </a:spcBef>
+              <a:spcAft>
+                <a:spcPct val="2000"/>
+              </a:spcAft>
+              <a:defRPr lang="ko-KR" altLang="en-US"/>
+            </a:pPr>
+            <a:endParaRPr lang="en-US" altLang="ko-KR" dirty="0">
+              <a:solidFill>
+                <a:schemeClr val="bg1">
+                  <a:lumMod val="30000"/>
+                </a:schemeClr>
+              </a:solidFill>
+            </a:endParaRPr>
+          </a:p>
+        </p:txBody>
+      </p:sp>
+      <p:grpSp>
+        <p:nvGrpSpPr>
+          <p:cNvPr id="8" name="그룹 7">
+            <a:extLst>
+              <a:ext uri="{FF2B5EF4-FFF2-40B4-BE49-F238E27FC236}">
+                <a16:creationId xmlns:a16="http://schemas.microsoft.com/office/drawing/2014/main" id="{7CC4C41E-D2EB-4F96-BDA7-FB728A239EF4}"/>
+              </a:ext>
+            </a:extLst>
+          </p:cNvPr>
+          <p:cNvGrpSpPr/>
+          <p:nvPr/>
+        </p:nvGrpSpPr>
+        <p:grpSpPr>
+          <a:xfrm>
+            <a:off x="6180229" y="123702"/>
+            <a:ext cx="6185686" cy="6610593"/>
+            <a:chOff x="4043086" y="1069382"/>
+            <a:chExt cx="5123450" cy="5475390"/>
+          </a:xfrm>
+        </p:grpSpPr>
+        <p:pic>
+          <p:nvPicPr>
+            <p:cNvPr id="12" name="그림 11">
+              <a:extLst>
+                <a:ext uri="{FF2B5EF4-FFF2-40B4-BE49-F238E27FC236}">
+                  <a16:creationId xmlns:a16="http://schemas.microsoft.com/office/drawing/2014/main" id="{4666C276-42F4-45E8-80CB-BC5B0CE94A58}"/>
+                </a:ext>
+              </a:extLst>
+            </p:cNvPr>
+            <p:cNvPicPr>
+              <a:picLocks noChangeAspect="1"/>
+            </p:cNvPicPr>
+            <p:nvPr/>
+          </p:nvPicPr>
+          <p:blipFill rotWithShape="1">
+            <a:blip r:embed="rId2"/>
+            <a:stretch>
+              <a:fillRect/>
+            </a:stretch>
+          </p:blipFill>
+          <p:spPr>
+            <a:xfrm>
+              <a:off x="4043086" y="1069382"/>
+              <a:ext cx="2301239" cy="1451609"/>
+            </a:xfrm>
+            <a:prstGeom prst="rect">
+              <a:avLst/>
+            </a:prstGeom>
+          </p:spPr>
+        </p:pic>
+        <p:pic>
+          <p:nvPicPr>
+            <p:cNvPr id="13" name="그림 12">
+              <a:extLst>
+                <a:ext uri="{FF2B5EF4-FFF2-40B4-BE49-F238E27FC236}">
+                  <a16:creationId xmlns:a16="http://schemas.microsoft.com/office/drawing/2014/main" id="{2E0E680B-0EFF-4A6C-B209-AE3DB818954C}"/>
+                </a:ext>
+              </a:extLst>
+            </p:cNvPr>
+            <p:cNvPicPr>
+              <a:picLocks noChangeAspect="1"/>
+            </p:cNvPicPr>
+            <p:nvPr/>
+          </p:nvPicPr>
+          <p:blipFill rotWithShape="1">
+            <a:blip r:embed="rId3"/>
+            <a:stretch>
+              <a:fillRect/>
+            </a:stretch>
+          </p:blipFill>
+          <p:spPr>
+            <a:xfrm>
+              <a:off x="6865297" y="5093163"/>
+              <a:ext cx="2301239" cy="1451609"/>
+            </a:xfrm>
+            <a:prstGeom prst="rect">
+              <a:avLst/>
+            </a:prstGeom>
+          </p:spPr>
+        </p:pic>
+      </p:grpSp>
+      <p:sp>
+        <p:nvSpPr>
+          <p:cNvPr id="7" name="TextBox 6">
+            <a:extLst>
+              <a:ext uri="{FF2B5EF4-FFF2-40B4-BE49-F238E27FC236}">
+                <a16:creationId xmlns:a16="http://schemas.microsoft.com/office/drawing/2014/main" id="{7B0EC4DB-DA67-4256-B7FC-CCCA1F934F42}"/>
               </a:ext>
             </a:extLst>
           </p:cNvPr>
@@ -1584,28 +6198,112 @@
         </p:nvSpPr>
         <p:spPr>
           <a:xfrm>
-            <a:off x="6096000" y="5486400"/>
-            <a:ext cx="5194051" cy="369332"/>
+            <a:off x="7952682" y="2250856"/>
+            <a:ext cx="2608155" cy="2356286"/>
           </a:xfrm>
           <a:prstGeom prst="rect">
             <a:avLst/>
           </a:prstGeom>
-          <a:noFill/>
         </p:spPr>
         <p:txBody>
-          <a:bodyPr wrap="none" rtlCol="0">
+          <a:bodyPr vert="horz" wrap="square" lIns="91440" tIns="45720" rIns="91440" bIns="45720" anchor="t">
             <a:spAutoFit/>
           </a:bodyPr>
           <a:lstStyle/>
           <a:p>
-            <a:r>
-              <a:rPr lang="en-US" altLang="ko-KR"/>
-              <a:t>+ </a:t>
-            </a:r>
-            <a:r>
-              <a:rPr lang="ko-KR" altLang="en-US"/>
-              <a:t>세탁기 서비스 뿐만 아니라 다른 서비스로 발전 가능</a:t>
-            </a:r>
+            <a:pPr algn="ctr" latinLnBrk="0">
+              <a:lnSpc>
+                <a:spcPct val="150000"/>
+              </a:lnSpc>
+              <a:defRPr lang="ko-KR" altLang="en-US"/>
+            </a:pPr>
+            <a:r>
+              <a:rPr lang="ko-KR" altLang="en-US" sz="2000">
+                <a:latin typeface="+mj-lt"/>
+                <a:cs typeface="Arial"/>
+              </a:rPr>
+              <a:t>시간과 비용</a:t>
+            </a:r>
+            <a:endParaRPr lang="en-US" altLang="ko-KR" sz="2000">
+              <a:latin typeface="+mj-lt"/>
+              <a:cs typeface="Arial"/>
+            </a:endParaRPr>
+          </a:p>
+          <a:p>
+            <a:pPr algn="ctr" latinLnBrk="0">
+              <a:lnSpc>
+                <a:spcPct val="150000"/>
+              </a:lnSpc>
+              <a:defRPr lang="ko-KR" altLang="en-US"/>
+            </a:pPr>
+            <a:r>
+              <a:rPr lang="ko-KR" altLang="en-US" sz="2000">
+                <a:latin typeface="+mj-lt"/>
+                <a:cs typeface="Arial"/>
+              </a:rPr>
+              <a:t>불만 및 분쟁</a:t>
+            </a:r>
+            <a:endParaRPr lang="en-US" altLang="ko-KR" sz="2000">
+              <a:latin typeface="+mj-lt"/>
+              <a:cs typeface="Arial"/>
+            </a:endParaRPr>
+          </a:p>
+          <a:p>
+            <a:pPr algn="ctr" latinLnBrk="0">
+              <a:lnSpc>
+                <a:spcPct val="150000"/>
+              </a:lnSpc>
+              <a:defRPr lang="ko-KR" altLang="en-US"/>
+            </a:pPr>
+            <a:r>
+              <a:rPr lang="ko-KR" altLang="en-US" sz="2000">
+                <a:latin typeface="+mj-lt"/>
+                <a:cs typeface="Arial"/>
+              </a:rPr>
+              <a:t>발전 가능성</a:t>
+            </a:r>
+            <a:endParaRPr lang="en-US" altLang="ko-KR" sz="2000">
+              <a:latin typeface="+mj-lt"/>
+              <a:cs typeface="Arial"/>
+            </a:endParaRPr>
+          </a:p>
+          <a:p>
+            <a:pPr algn="ctr" latinLnBrk="0">
+              <a:lnSpc>
+                <a:spcPct val="150000"/>
+              </a:lnSpc>
+              <a:defRPr lang="ko-KR" altLang="en-US"/>
+            </a:pPr>
+            <a:r>
+              <a:rPr lang="ko-KR" altLang="en-US" sz="2000">
+                <a:latin typeface="+mj-lt"/>
+                <a:cs typeface="Arial"/>
+              </a:rPr>
+              <a:t>윤택한 생활</a:t>
+            </a:r>
+            <a:endParaRPr lang="en-US" altLang="ko-KR" sz="2000">
+              <a:latin typeface="+mj-lt"/>
+              <a:cs typeface="Arial"/>
+            </a:endParaRPr>
+          </a:p>
+          <a:p>
+            <a:pPr algn="ctr" latinLnBrk="0">
+              <a:lnSpc>
+                <a:spcPct val="150000"/>
+              </a:lnSpc>
+              <a:defRPr lang="ko-KR" altLang="en-US"/>
+            </a:pPr>
+            <a:r>
+              <a:rPr lang="ko-KR" altLang="en-US" sz="2000">
+                <a:latin typeface="+mj-lt"/>
+                <a:cs typeface="Arial"/>
+              </a:rPr>
+              <a:t>쉬운 구현</a:t>
+            </a:r>
+            <a:endParaRPr lang="en-US" altLang="ko-KR" sz="2000">
+              <a:latin typeface="+mj-lt"/>
+              <a:cs typeface="Arial"/>
+            </a:endParaRPr>
           </a:p>
         </p:txBody>
       </p:sp>
@@ -5471,8 +10169,8 @@
         </p:nvSpPr>
         <p:spPr>
           <a:xfrm>
-            <a:off x="8815409" y="3070065"/>
-            <a:ext cx="1944763" cy="830997"/>
+            <a:off x="8797776" y="3070065"/>
+            <a:ext cx="1980030" cy="738664"/>
           </a:xfrm>
           <a:prstGeom prst="rect">
             <a:avLst/>
@@ -5495,10 +10193,9 @@
           <a:p>
             <a:pPr algn="ctr"/>
             <a:r>
-              <a:rPr lang="en-US" altLang="ko-KR" sz="2400"/>
-              <a:t>?</a:t>
-            </a:r>
-            <a:endParaRPr lang="ko-KR" altLang="en-US" sz="2400"/>
+              <a:rPr lang="ko-KR" altLang="en-US"/>
+              <a:t>노트북 및 데스크탑</a:t>
+            </a:r>
           </a:p>
         </p:txBody>
       </p:sp>
@@ -5712,7 +10409,7 @@
         </p:blipFill>
         <p:spPr bwMode="auto">
           <a:xfrm>
-            <a:off x="1543232" y="1320800"/>
+            <a:off x="1543232" y="1130300"/>
             <a:ext cx="3810000" cy="2214880"/>
           </a:xfrm>
           <a:prstGeom prst="rect">
@@ -5744,8 +10441,8 @@
         </p:nvSpPr>
         <p:spPr>
           <a:xfrm>
-            <a:off x="2382077" y="3606800"/>
-            <a:ext cx="2132315" cy="1714380"/>
+            <a:off x="1100044" y="3416300"/>
+            <a:ext cx="4696376" cy="2171620"/>
           </a:xfrm>
           <a:prstGeom prst="rect">
             <a:avLst/>
@@ -5753,7 +10450,7 @@
           <a:noFill/>
         </p:spPr>
         <p:txBody>
-          <a:bodyPr wrap="none" rtlCol="0">
+          <a:bodyPr wrap="square" rtlCol="0">
             <a:spAutoFit/>
           </a:bodyPr>
           <a:lstStyle/>
@@ -5764,10 +10461,10 @@
               </a:lnSpc>
             </a:pPr>
             <a:r>
-              <a:rPr lang="ko-KR" altLang="en-US"/>
+              <a:rPr lang="ko-KR" altLang="en-US" sz="1600"/>
               <a:t>데이터베이스 도구</a:t>
             </a:r>
-            <a:endParaRPr lang="en-US" altLang="ko-KR"/>
+            <a:endParaRPr lang="en-US" altLang="ko-KR" sz="1600"/>
           </a:p>
           <a:p>
             <a:pPr algn="ctr">
@@ -5776,24 +10473,32 @@
               </a:lnSpc>
             </a:pPr>
             <a:r>
-              <a:rPr lang="ko-KR" altLang="en-US"/>
+              <a:rPr lang="en-US" altLang="ko-KR" sz="1600"/>
+              <a:t>(</a:t>
+            </a:r>
+            <a:r>
+              <a:rPr lang="ko-KR" altLang="en-US" sz="1600"/>
               <a:t>관계형 데이터베이스</a:t>
             </a:r>
-            <a:endParaRPr lang="en-US" altLang="ko-KR"/>
+            <a:r>
+              <a:rPr lang="en-US" altLang="ko-KR" sz="1600"/>
+              <a:t>)</a:t>
+            </a:r>
           </a:p>
           <a:p>
             <a:pPr algn="ctr">
               <a:lnSpc>
                 <a:spcPct val="150000"/>
               </a:lnSpc>
+              <a:defRPr/>
             </a:pPr>
             <a:r>
-              <a:rPr lang="ko-KR" altLang="en-US"/>
-              <a:t>장점</a:t>
-            </a:r>
-            <a:r>
-              <a:rPr lang="en-US" altLang="ko-KR"/>
-              <a:t>?</a:t>
+              <a:rPr lang="ko-KR" altLang="en-US" sz="2000"/>
+              <a:t>대중적이면서 무료 라이센스이다</a:t>
+            </a:r>
+            <a:r>
+              <a:rPr lang="en-US" altLang="ko-KR" sz="2000"/>
+              <a:t>.</a:t>
             </a:r>
           </a:p>
           <a:p>
@@ -5801,16 +10506,28 @@
               <a:lnSpc>
                 <a:spcPct val="150000"/>
               </a:lnSpc>
+              <a:defRPr/>
             </a:pPr>
             <a:r>
-              <a:rPr lang="ko-KR" altLang="en-US"/>
-              <a:t>용도</a:t>
-            </a:r>
-            <a:r>
-              <a:rPr lang="en-US" altLang="ko-KR"/>
-              <a:t>?</a:t>
-            </a:r>
-            <a:endParaRPr lang="ko-KR" altLang="en-US"/>
+              <a:rPr lang="ko-KR" altLang="en-US" sz="2000"/>
+              <a:t>백업, 복원 기능이 잘 되어있다</a:t>
+            </a:r>
+            <a:r>
+              <a:rPr lang="en-US" altLang="ko-KR" sz="2000"/>
+              <a:t>.</a:t>
+            </a:r>
+          </a:p>
+          <a:p>
+            <a:pPr algn="ctr">
+              <a:lnSpc>
+                <a:spcPct val="150000"/>
+              </a:lnSpc>
+              <a:defRPr/>
+            </a:pPr>
+            <a:r>
+              <a:rPr lang="ko-KR" altLang="en-US" sz="2000"/>
+              <a:t>서버 관리 면에서 안정화가 잘 되어있다</a:t>
+            </a:r>
           </a:p>
         </p:txBody>
       </p:sp>
@@ -5843,7 +10560,7 @@
         </p:blipFill>
         <p:spPr bwMode="auto">
           <a:xfrm>
-            <a:off x="5868512" y="2015173"/>
+            <a:off x="5868512" y="1824673"/>
             <a:ext cx="5209222" cy="1759521"/>
           </a:xfrm>
           <a:prstGeom prst="rect">
@@ -5875,8 +10592,8 @@
         </p:nvSpPr>
         <p:spPr>
           <a:xfrm>
-            <a:off x="7753753" y="3645842"/>
-            <a:ext cx="1980029" cy="1714380"/>
+            <a:off x="6204449" y="3455342"/>
+            <a:ext cx="5078634" cy="2171620"/>
           </a:xfrm>
           <a:prstGeom prst="rect">
             <a:avLst/>
@@ -5895,10 +10612,10 @@
               </a:lnSpc>
             </a:pPr>
             <a:r>
-              <a:rPr lang="ko-KR" altLang="en-US"/>
+              <a:rPr lang="ko-KR" altLang="en-US" sz="1600"/>
               <a:t>프로그램 실행 도구</a:t>
             </a:r>
-            <a:endParaRPr lang="en-US" altLang="ko-KR"/>
+            <a:endParaRPr lang="en-US" altLang="ko-KR" sz="1600"/>
           </a:p>
           <a:p>
             <a:pPr algn="ctr">
@@ -5907,10 +10624,17 @@
               </a:lnSpc>
             </a:pPr>
             <a:r>
-              <a:rPr lang="ko-KR" altLang="en-US"/>
+              <a:rPr lang="en-US" altLang="ko-KR" sz="1600"/>
+              <a:t>(</a:t>
+            </a:r>
+            <a:r>
+              <a:rPr lang="ko-KR" altLang="en-US" sz="1600"/>
               <a:t>프로그래밍 언어</a:t>
             </a:r>
-            <a:endParaRPr lang="en-US" altLang="ko-KR"/>
+            <a:r>
+              <a:rPr lang="en-US" altLang="ko-KR" sz="1600"/>
+              <a:t>)</a:t>
+            </a:r>
           </a:p>
           <a:p>
             <a:pPr algn="ctr">
@@ -5919,12 +10643,12 @@
               </a:lnSpc>
             </a:pPr>
             <a:r>
-              <a:rPr lang="ko-KR" altLang="en-US"/>
-              <a:t>장점</a:t>
-            </a:r>
-            <a:r>
-              <a:rPr lang="en-US" altLang="ko-KR"/>
-              <a:t>?</a:t>
+              <a:rPr lang="ko-KR" altLang="en-US" sz="2000"/>
+              <a:t>문법이 쉬워 입문용으로 적합하다</a:t>
+            </a:r>
+            <a:r>
+              <a:rPr lang="en-US" altLang="ko-KR" sz="2000"/>
+              <a:t>.</a:t>
             </a:r>
           </a:p>
           <a:p>
@@ -5934,14 +10658,29 @@
               </a:lnSpc>
             </a:pPr>
             <a:r>
-              <a:rPr lang="ko-KR" altLang="en-US"/>
-              <a:t>용도</a:t>
-            </a:r>
-            <a:r>
-              <a:rPr lang="en-US" altLang="ko-KR"/>
-              <a:t>?</a:t>
-            </a:r>
-            <a:endParaRPr lang="ko-KR" altLang="en-US"/>
+              <a:rPr lang="ko-KR" altLang="en-US" sz="2000"/>
+              <a:t>다양한 오픈소스들을 활용할 수 있다</a:t>
+            </a:r>
+            <a:r>
+              <a:rPr lang="en-US" altLang="ko-KR" sz="2000"/>
+              <a:t>.</a:t>
+            </a:r>
+          </a:p>
+          <a:p>
+            <a:pPr algn="ctr">
+              <a:lnSpc>
+                <a:spcPct val="150000"/>
+              </a:lnSpc>
+            </a:pPr>
+            <a:r>
+              <a:rPr lang="ko-KR" altLang="en-US" sz="2000"/>
+              <a:t>공동 작업과 유지 보수가 쉬워서 생산성이 높다</a:t>
+            </a:r>
+            <a:r>
+              <a:rPr lang="en-US" altLang="ko-KR" sz="2000"/>
+              <a:t>.</a:t>
+            </a:r>
+            <a:endParaRPr lang="en-US" altLang="ko-KR" sz="2000" dirty="0"/>
           </a:p>
         </p:txBody>
       </p:sp>
@@ -5980,7 +10719,7 @@
           <p:cNvPr id="2" name="텍스트 개체 틀 1">
             <a:extLst>
               <a:ext uri="{FF2B5EF4-FFF2-40B4-BE49-F238E27FC236}">
-                <a16:creationId xmlns:a16="http://schemas.microsoft.com/office/drawing/2014/main" id="{9364F0E8-E470-4E36-8127-7498B5584BE1}"/>
+                <a16:creationId xmlns:a16="http://schemas.microsoft.com/office/drawing/2014/main" id="{300725F9-7B22-407E-9EED-1E0A8FD9F947}"/>
               </a:ext>
             </a:extLst>
           </p:cNvPr>
@@ -5998,11 +10737,11 @@
           <a:p>
             <a:r>
               <a:rPr lang="en-US" altLang="ko-KR"/>
-              <a:t>6. </a:t>
+              <a:t>5. </a:t>
             </a:r>
             <a:r>
               <a:rPr lang="ko-KR" altLang="en-US"/>
-              <a:t>추진 계획</a:t>
+              <a:t>시스템 구현 계획</a:t>
             </a:r>
             <a:endParaRPr lang="en-US" altLang="ko-KR"/>
           </a:p>
@@ -6011,10 +10750,385 @@
           </a:p>
         </p:txBody>
       </p:sp>
+      <p:sp>
+        <p:nvSpPr>
+          <p:cNvPr id="3" name="TextBox 2">
+            <a:extLst>
+              <a:ext uri="{FF2B5EF4-FFF2-40B4-BE49-F238E27FC236}">
+                <a16:creationId xmlns:a16="http://schemas.microsoft.com/office/drawing/2014/main" id="{F53EB918-7FFA-41C1-9A6B-6D0C2B2E1DD6}"/>
+              </a:ext>
+            </a:extLst>
+          </p:cNvPr>
+          <p:cNvSpPr txBox="1"/>
+          <p:nvPr/>
+        </p:nvSpPr>
+        <p:spPr>
+          <a:xfrm>
+            <a:off x="716724" y="554085"/>
+            <a:ext cx="1653017" cy="400110"/>
+          </a:xfrm>
+          <a:prstGeom prst="rect">
+            <a:avLst/>
+          </a:prstGeom>
+          <a:noFill/>
+        </p:spPr>
+        <p:txBody>
+          <a:bodyPr wrap="none" rtlCol="0">
+            <a:spAutoFit/>
+          </a:bodyPr>
+          <a:lstStyle/>
+          <a:p>
+            <a:r>
+              <a:rPr lang="en-US" altLang="ko-KR" sz="2000"/>
+              <a:t>※ </a:t>
+            </a:r>
+            <a:r>
+              <a:rPr lang="ko-KR" altLang="en-US" sz="2000"/>
+              <a:t>소프트웨어</a:t>
+            </a:r>
+          </a:p>
+        </p:txBody>
+      </p:sp>
+      <p:pic>
+        <p:nvPicPr>
+          <p:cNvPr id="6150" name="Picture 6" descr="mysql logo에 대한 이미지 검색결과">
+            <a:extLst>
+              <a:ext uri="{FF2B5EF4-FFF2-40B4-BE49-F238E27FC236}">
+                <a16:creationId xmlns:a16="http://schemas.microsoft.com/office/drawing/2014/main" id="{B191A070-EF65-4896-B6CA-2B7261860AD2}"/>
+              </a:ext>
+            </a:extLst>
+          </p:cNvPr>
+          <p:cNvPicPr>
+            <a:picLocks noChangeAspect="1" noChangeArrowheads="1"/>
+          </p:cNvPicPr>
+          <p:nvPr/>
+        </p:nvPicPr>
+        <p:blipFill rotWithShape="1">
+          <a:blip r:embed="rId2">
+            <a:extLst>
+              <a:ext uri="{28A0092B-C50C-407E-A947-70E740481C1C}">
+                <a14:useLocalDpi xmlns:a14="http://schemas.microsoft.com/office/drawing/2010/main" val="0"/>
+              </a:ext>
+            </a:extLst>
+          </a:blip>
+          <a:srcRect t="18666" b="23200"/>
+          <a:stretch/>
+        </p:blipFill>
+        <p:spPr bwMode="auto">
+          <a:xfrm>
+            <a:off x="1543232" y="1130300"/>
+            <a:ext cx="3810000" cy="2214880"/>
+          </a:xfrm>
+          <a:prstGeom prst="rect">
+            <a:avLst/>
+          </a:prstGeom>
+          <a:noFill/>
+          <a:extLst>
+            <a:ext uri="{909E8E84-426E-40DD-AFC4-6F175D3DCCD1}">
+              <a14:hiddenFill xmlns:a14="http://schemas.microsoft.com/office/drawing/2010/main">
+                <a:solidFill>
+                  <a:srgbClr val="FFFFFF"/>
+                </a:solidFill>
+              </a14:hiddenFill>
+            </a:ext>
+          </a:extLst>
+        </p:spPr>
+      </p:pic>
+      <p:pic>
+        <p:nvPicPr>
+          <p:cNvPr id="6152" name="Picture 8" descr="python logo에 대한 이미지 검색결과">
+            <a:extLst>
+              <a:ext uri="{FF2B5EF4-FFF2-40B4-BE49-F238E27FC236}">
+                <a16:creationId xmlns:a16="http://schemas.microsoft.com/office/drawing/2014/main" id="{0BB3B5C9-D880-46E4-9542-099399724EA3}"/>
+              </a:ext>
+            </a:extLst>
+          </p:cNvPr>
+          <p:cNvPicPr>
+            <a:picLocks noChangeAspect="1" noChangeArrowheads="1"/>
+          </p:cNvPicPr>
+          <p:nvPr/>
+        </p:nvPicPr>
+        <p:blipFill>
+          <a:blip r:embed="rId3">
+            <a:extLst>
+              <a:ext uri="{28A0092B-C50C-407E-A947-70E740481C1C}">
+                <a14:useLocalDpi xmlns:a14="http://schemas.microsoft.com/office/drawing/2010/main" val="0"/>
+              </a:ext>
+            </a:extLst>
+          </a:blip>
+          <a:srcRect/>
+          <a:stretch>
+            <a:fillRect/>
+          </a:stretch>
+        </p:blipFill>
+        <p:spPr bwMode="auto">
+          <a:xfrm>
+            <a:off x="5868512" y="1824673"/>
+            <a:ext cx="5209222" cy="1759521"/>
+          </a:xfrm>
+          <a:prstGeom prst="rect">
+            <a:avLst/>
+          </a:prstGeom>
+          <a:noFill/>
+          <a:extLst>
+            <a:ext uri="{909E8E84-426E-40DD-AFC4-6F175D3DCCD1}">
+              <a14:hiddenFill xmlns:a14="http://schemas.microsoft.com/office/drawing/2010/main">
+                <a:solidFill>
+                  <a:srgbClr val="FFFFFF"/>
+                </a:solidFill>
+              </a14:hiddenFill>
+            </a:ext>
+          </a:extLst>
+        </p:spPr>
+      </p:pic>
+      <p:sp>
+        <p:nvSpPr>
+          <p:cNvPr id="10" name="사각형: 둥근 모서리 9">
+            <a:extLst>
+              <a:ext uri="{FF2B5EF4-FFF2-40B4-BE49-F238E27FC236}">
+                <a16:creationId xmlns:a16="http://schemas.microsoft.com/office/drawing/2014/main" id="{205DF3EB-12D2-4D72-A5BF-6AC4D28406B3}"/>
+              </a:ext>
+            </a:extLst>
+          </p:cNvPr>
+          <p:cNvSpPr/>
+          <p:nvPr/>
+        </p:nvSpPr>
+        <p:spPr>
+          <a:xfrm>
+            <a:off x="1478095" y="3534352"/>
+            <a:ext cx="4162929" cy="2510025"/>
+          </a:xfrm>
+          <a:prstGeom prst="roundRect">
+            <a:avLst>
+              <a:gd name="adj" fmla="val 0"/>
+            </a:avLst>
+          </a:prstGeom>
+          <a:solidFill>
+            <a:schemeClr val="bg1">
+              <a:alpha val="95000"/>
+            </a:schemeClr>
+          </a:solidFill>
+          <a:ln w="38100">
+            <a:solidFill>
+              <a:schemeClr val="bg1">
+                <a:lumMod val="95000"/>
+              </a:schemeClr>
+            </a:solidFill>
+          </a:ln>
+          <a:effectLst>
+            <a:glow rad="63500">
+              <a:schemeClr val="accent3">
+                <a:satMod val="175000"/>
+                <a:alpha val="5000"/>
+              </a:schemeClr>
+            </a:glow>
+          </a:effectLst>
+        </p:spPr>
+        <p:style>
+          <a:lnRef idx="2">
+            <a:schemeClr val="accent1">
+              <a:shade val="50000"/>
+            </a:schemeClr>
+          </a:lnRef>
+          <a:fillRef idx="1">
+            <a:schemeClr val="accent1"/>
+          </a:fillRef>
+          <a:effectRef idx="0">
+            <a:schemeClr val="accent1"/>
+          </a:effectRef>
+          <a:fontRef idx="minor">
+            <a:schemeClr val="lt1"/>
+          </a:fontRef>
+        </p:style>
+        <p:txBody>
+          <a:bodyPr rot="0" spcFirstLastPara="0" vertOverflow="overflow" horzOverflow="overflow" vert="horz" wrap="square" lIns="360000" tIns="360000" rIns="360000" bIns="360000" numCol="1" spcCol="0" rtlCol="0" fromWordArt="0" anchor="ctr" anchorCtr="0" forceAA="0" compatLnSpc="1">
+            <a:prstTxWarp prst="textNoShape">
+              <a:avLst/>
+            </a:prstTxWarp>
+            <a:noAutofit/>
+          </a:bodyPr>
+          <a:lstStyle/>
+          <a:p>
+            <a:pPr latinLnBrk="0">
+              <a:lnSpc>
+                <a:spcPct val="150000"/>
+              </a:lnSpc>
+              <a:spcBef>
+                <a:spcPts val="576"/>
+              </a:spcBef>
+              <a:spcAft>
+                <a:spcPct val="2000"/>
+              </a:spcAft>
+              <a:defRPr lang="ko-KR" altLang="en-US"/>
+            </a:pPr>
+            <a:r>
+              <a:rPr lang="ko-KR" altLang="en-US">
+                <a:solidFill>
+                  <a:schemeClr val="tx1"/>
+                </a:solidFill>
+              </a:rPr>
+              <a:t>◎ 데이터를 저장할 테이블을 만들고 파이썬 프로그램으로부터 데이터를 주고 받는다</a:t>
+            </a:r>
+            <a:r>
+              <a:rPr lang="en-US" altLang="ko-KR">
+                <a:solidFill>
+                  <a:schemeClr val="tx1"/>
+                </a:solidFill>
+              </a:rPr>
+              <a:t>.</a:t>
+            </a:r>
+          </a:p>
+        </p:txBody>
+      </p:sp>
+      <p:sp>
+        <p:nvSpPr>
+          <p:cNvPr id="11" name="사각형: 둥근 모서리 10">
+            <a:extLst>
+              <a:ext uri="{FF2B5EF4-FFF2-40B4-BE49-F238E27FC236}">
+                <a16:creationId xmlns:a16="http://schemas.microsoft.com/office/drawing/2014/main" id="{20205B02-C901-43B2-AF6E-043463435AE0}"/>
+              </a:ext>
+            </a:extLst>
+          </p:cNvPr>
+          <p:cNvSpPr/>
+          <p:nvPr/>
+        </p:nvSpPr>
+        <p:spPr>
+          <a:xfrm>
+            <a:off x="6096000" y="3534352"/>
+            <a:ext cx="5209222" cy="2510025"/>
+          </a:xfrm>
+          <a:prstGeom prst="roundRect">
+            <a:avLst>
+              <a:gd name="adj" fmla="val 0"/>
+            </a:avLst>
+          </a:prstGeom>
+          <a:solidFill>
+            <a:schemeClr val="bg1">
+              <a:alpha val="95000"/>
+            </a:schemeClr>
+          </a:solidFill>
+          <a:ln w="38100">
+            <a:solidFill>
+              <a:schemeClr val="bg1">
+                <a:lumMod val="95000"/>
+              </a:schemeClr>
+            </a:solidFill>
+          </a:ln>
+          <a:effectLst>
+            <a:glow rad="63500">
+              <a:schemeClr val="accent3">
+                <a:satMod val="175000"/>
+                <a:alpha val="5000"/>
+              </a:schemeClr>
+            </a:glow>
+          </a:effectLst>
+        </p:spPr>
+        <p:style>
+          <a:lnRef idx="2">
+            <a:schemeClr val="accent1">
+              <a:shade val="50000"/>
+            </a:schemeClr>
+          </a:lnRef>
+          <a:fillRef idx="1">
+            <a:schemeClr val="accent1"/>
+          </a:fillRef>
+          <a:effectRef idx="0">
+            <a:schemeClr val="accent1"/>
+          </a:effectRef>
+          <a:fontRef idx="minor">
+            <a:schemeClr val="lt1"/>
+          </a:fontRef>
+        </p:style>
+        <p:txBody>
+          <a:bodyPr rot="0" spcFirstLastPara="0" vertOverflow="overflow" horzOverflow="overflow" vert="horz" wrap="square" lIns="360000" tIns="360000" rIns="360000" bIns="360000" numCol="1" spcCol="0" rtlCol="0" fromWordArt="0" anchor="ctr" anchorCtr="0" forceAA="0" compatLnSpc="1">
+            <a:prstTxWarp prst="textNoShape">
+              <a:avLst/>
+            </a:prstTxWarp>
+            <a:noAutofit/>
+          </a:bodyPr>
+          <a:lstStyle/>
+          <a:p>
+            <a:pPr latinLnBrk="0">
+              <a:lnSpc>
+                <a:spcPct val="150000"/>
+              </a:lnSpc>
+              <a:spcBef>
+                <a:spcPts val="576"/>
+              </a:spcBef>
+              <a:spcAft>
+                <a:spcPct val="2000"/>
+              </a:spcAft>
+              <a:defRPr lang="ko-KR" altLang="en-US"/>
+            </a:pPr>
+            <a:r>
+              <a:rPr lang="ko-KR" altLang="en-US">
+                <a:solidFill>
+                  <a:schemeClr val="tx1"/>
+                </a:solidFill>
+              </a:rPr>
+              <a:t>◎ 카메라 모듈을 이용하여 </a:t>
+            </a:r>
+            <a:r>
+              <a:rPr lang="en-US" altLang="ko-KR">
+                <a:solidFill>
+                  <a:schemeClr val="tx1"/>
+                </a:solidFill>
+              </a:rPr>
+              <a:t>LED</a:t>
+            </a:r>
+            <a:r>
+              <a:rPr lang="ko-KR" altLang="en-US">
+                <a:solidFill>
+                  <a:schemeClr val="tx1"/>
+                </a:solidFill>
+              </a:rPr>
+              <a:t>의 불빛을 읽고 해당 불빛의 값을 상태값으로 바꾸어 서버에 지속적으로 업데이트한다</a:t>
+            </a:r>
+            <a:r>
+              <a:rPr lang="en-US" altLang="ko-KR">
+                <a:solidFill>
+                  <a:schemeClr val="tx1"/>
+                </a:solidFill>
+              </a:rPr>
+              <a:t>.</a:t>
+            </a:r>
+          </a:p>
+          <a:p>
+            <a:pPr latinLnBrk="0">
+              <a:lnSpc>
+                <a:spcPct val="150000"/>
+              </a:lnSpc>
+              <a:spcBef>
+                <a:spcPts val="576"/>
+              </a:spcBef>
+              <a:spcAft>
+                <a:spcPct val="2000"/>
+              </a:spcAft>
+              <a:defRPr lang="ko-KR" altLang="en-US"/>
+            </a:pPr>
+            <a:r>
+              <a:rPr lang="ko-KR" altLang="en-US">
+                <a:solidFill>
+                  <a:schemeClr val="tx1"/>
+                </a:solidFill>
+              </a:rPr>
+              <a:t>◎ 세탁기의 자리를 모니터를 통해 시각적으로 표현한다</a:t>
+            </a:r>
+            <a:r>
+              <a:rPr lang="en-US" altLang="ko-KR">
+                <a:solidFill>
+                  <a:schemeClr val="tx1"/>
+                </a:solidFill>
+              </a:rPr>
+              <a:t>.</a:t>
+            </a:r>
+          </a:p>
+        </p:txBody>
+      </p:sp>
     </p:spTree>
     <p:extLst>
       <p:ext uri="{BB962C8B-B14F-4D97-AF65-F5344CB8AC3E}">
-        <p14:creationId xmlns:p14="http://schemas.microsoft.com/office/powerpoint/2010/main" val="3039292384"/>
+        <p14:creationId xmlns:p14="http://schemas.microsoft.com/office/powerpoint/2010/main" val="910458426"/>
       </p:ext>
     </p:extLst>
   </p:cSld>
